--- a/docs/images/AwsFintechBlueprint-architecture-diagrams.pptx
+++ b/docs/images/AwsFintechBlueprint-architecture-diagrams.pptx
@@ -6,7 +6,7 @@
   </p:sldMasterIdLst>
   <p:sldIdLst>
     <p:sldId id="256" r:id="rId2"/>
-    <p:sldId id="262" r:id="rId3"/>
+    <p:sldId id="263" r:id="rId3"/>
     <p:sldId id="260" r:id="rId4"/>
   </p:sldIdLst>
   <p:sldSz cx="12192000" cy="6858000"/>
@@ -245,7 +245,7 @@
           <a:p>
             <a:fld id="{9A153E47-8631-4E8E-A113-7BA6C43763B5}" type="datetimeFigureOut">
               <a:rPr lang="en-US" smtClean="0"/>
-              <a:t>7/1/2021</a:t>
+              <a:t>7/2/2021</a:t>
             </a:fld>
             <a:endParaRPr lang="en-US" dirty="0"/>
           </a:p>
@@ -415,7 +415,7 @@
           <a:p>
             <a:fld id="{9A153E47-8631-4E8E-A113-7BA6C43763B5}" type="datetimeFigureOut">
               <a:rPr lang="en-US" smtClean="0"/>
-              <a:t>7/1/2021</a:t>
+              <a:t>7/2/2021</a:t>
             </a:fld>
             <a:endParaRPr lang="en-US" dirty="0"/>
           </a:p>
@@ -595,7 +595,7 @@
           <a:p>
             <a:fld id="{9A153E47-8631-4E8E-A113-7BA6C43763B5}" type="datetimeFigureOut">
               <a:rPr lang="en-US" smtClean="0"/>
-              <a:t>7/1/2021</a:t>
+              <a:t>7/2/2021</a:t>
             </a:fld>
             <a:endParaRPr lang="en-US" dirty="0"/>
           </a:p>
@@ -765,7 +765,7 @@
           <a:p>
             <a:fld id="{9A153E47-8631-4E8E-A113-7BA6C43763B5}" type="datetimeFigureOut">
               <a:rPr lang="en-US" smtClean="0"/>
-              <a:t>7/1/2021</a:t>
+              <a:t>7/2/2021</a:t>
             </a:fld>
             <a:endParaRPr lang="en-US" dirty="0"/>
           </a:p>
@@ -1011,7 +1011,7 @@
           <a:p>
             <a:fld id="{9A153E47-8631-4E8E-A113-7BA6C43763B5}" type="datetimeFigureOut">
               <a:rPr lang="en-US" smtClean="0"/>
-              <a:t>7/1/2021</a:t>
+              <a:t>7/2/2021</a:t>
             </a:fld>
             <a:endParaRPr lang="en-US" dirty="0"/>
           </a:p>
@@ -1243,7 +1243,7 @@
           <a:p>
             <a:fld id="{9A153E47-8631-4E8E-A113-7BA6C43763B5}" type="datetimeFigureOut">
               <a:rPr lang="en-US" smtClean="0"/>
-              <a:t>7/1/2021</a:t>
+              <a:t>7/2/2021</a:t>
             </a:fld>
             <a:endParaRPr lang="en-US" dirty="0"/>
           </a:p>
@@ -1610,7 +1610,7 @@
           <a:p>
             <a:fld id="{9A153E47-8631-4E8E-A113-7BA6C43763B5}" type="datetimeFigureOut">
               <a:rPr lang="en-US" smtClean="0"/>
-              <a:t>7/1/2021</a:t>
+              <a:t>7/2/2021</a:t>
             </a:fld>
             <a:endParaRPr lang="en-US" dirty="0"/>
           </a:p>
@@ -1728,7 +1728,7 @@
           <a:p>
             <a:fld id="{9A153E47-8631-4E8E-A113-7BA6C43763B5}" type="datetimeFigureOut">
               <a:rPr lang="en-US" smtClean="0"/>
-              <a:t>7/1/2021</a:t>
+              <a:t>7/2/2021</a:t>
             </a:fld>
             <a:endParaRPr lang="en-US" dirty="0"/>
           </a:p>
@@ -1823,7 +1823,7 @@
           <a:p>
             <a:fld id="{9A153E47-8631-4E8E-A113-7BA6C43763B5}" type="datetimeFigureOut">
               <a:rPr lang="en-US" smtClean="0"/>
-              <a:t>7/1/2021</a:t>
+              <a:t>7/2/2021</a:t>
             </a:fld>
             <a:endParaRPr lang="en-US" dirty="0"/>
           </a:p>
@@ -2100,7 +2100,7 @@
           <a:p>
             <a:fld id="{9A153E47-8631-4E8E-A113-7BA6C43763B5}" type="datetimeFigureOut">
               <a:rPr lang="en-US" smtClean="0"/>
-              <a:t>7/1/2021</a:t>
+              <a:t>7/2/2021</a:t>
             </a:fld>
             <a:endParaRPr lang="en-US" dirty="0"/>
           </a:p>
@@ -2357,7 +2357,7 @@
           <a:p>
             <a:fld id="{9A153E47-8631-4E8E-A113-7BA6C43763B5}" type="datetimeFigureOut">
               <a:rPr lang="en-US" smtClean="0"/>
-              <a:t>7/1/2021</a:t>
+              <a:t>7/2/2021</a:t>
             </a:fld>
             <a:endParaRPr lang="en-US" dirty="0"/>
           </a:p>
@@ -2570,7 +2570,7 @@
           <a:p>
             <a:fld id="{9A153E47-8631-4E8E-A113-7BA6C43763B5}" type="datetimeFigureOut">
               <a:rPr lang="en-US" smtClean="0"/>
-              <a:t>7/1/2021</a:t>
+              <a:t>7/2/2021</a:t>
             </a:fld>
             <a:endParaRPr lang="en-US" dirty="0"/>
           </a:p>
@@ -2986,13 +2986,14 @@
           </p:cNvPr>
           <p:cNvCxnSpPr>
             <a:stCxn id="75" idx="3"/>
+            <a:endCxn id="60" idx="1"/>
           </p:cNvCxnSpPr>
           <p:nvPr/>
         </p:nvCxnSpPr>
         <p:spPr>
-          <a:xfrm flipV="1">
-            <a:off x="7615024" y="2960024"/>
-            <a:ext cx="1072031" cy="0"/>
+          <a:xfrm>
+            <a:off x="7436926" y="3681843"/>
+            <a:ext cx="893672" cy="6944"/>
           </a:xfrm>
           <a:prstGeom prst="straightConnector1">
             <a:avLst/>
@@ -3030,14 +3031,15 @@
             </a:extLst>
           </p:cNvPr>
           <p:cNvCxnSpPr>
+            <a:stCxn id="4" idx="3"/>
             <a:endCxn id="75" idx="1"/>
           </p:cNvCxnSpPr>
           <p:nvPr/>
         </p:nvCxnSpPr>
         <p:spPr>
-          <a:xfrm>
-            <a:off x="3648689" y="2988526"/>
-            <a:ext cx="1065641" cy="0"/>
+          <a:xfrm flipV="1">
+            <a:off x="3652958" y="3681843"/>
+            <a:ext cx="883274" cy="6945"/>
           </a:xfrm>
           <a:prstGeom prst="straightConnector1">
             <a:avLst/>
@@ -3079,7 +3081,7 @@
         </p:nvSpPr>
         <p:spPr>
           <a:xfrm>
-            <a:off x="1258162" y="3398680"/>
+            <a:off x="1258162" y="3337720"/>
             <a:ext cx="993475" cy="1143000"/>
           </a:xfrm>
           <a:prstGeom prst="rect">
@@ -3116,11 +3118,10 @@
           <a:lstStyle/>
           <a:p>
             <a:r>
-              <a:rPr lang="en-US" sz="1200" dirty="0">
+              <a:rPr lang="en-US" sz="1000" dirty="0">
                 <a:solidFill>
                   <a:srgbClr val="5B9CD5"/>
                 </a:solidFill>
-                <a:latin typeface="Arial" panose="020B0604020202020204" pitchFamily="34" charset="0"/>
                 <a:cs typeface="Arial" panose="020B0604020202020204" pitchFamily="34" charset="0"/>
               </a:rPr>
               <a:t>Private subnet</a:t>
@@ -3142,7 +3143,7 @@
         </p:nvSpPr>
         <p:spPr>
           <a:xfrm>
-            <a:off x="1258162" y="1989911"/>
+            <a:off x="1258162" y="1928951"/>
             <a:ext cx="993475" cy="1213927"/>
           </a:xfrm>
           <a:prstGeom prst="rect">
@@ -3187,21 +3188,19 @@
               <a:defRPr/>
             </a:pPr>
             <a:r>
-              <a:rPr lang="en-US" sz="1200" dirty="0" smtClean="0">
+              <a:rPr lang="en-US" sz="1000" dirty="0" smtClean="0">
                 <a:solidFill>
                   <a:srgbClr val="1E8900"/>
                 </a:solidFill>
-                <a:latin typeface="Arial" panose="020B0604020202020204" pitchFamily="34" charset="0"/>
                 <a:cs typeface="Arial" panose="020B0604020202020204" pitchFamily="34" charset="0"/>
               </a:rPr>
               <a:t>Public </a:t>
             </a:r>
             <a:r>
-              <a:rPr lang="en-US" sz="1200" dirty="0">
+              <a:rPr lang="en-US" sz="1000" dirty="0">
                 <a:solidFill>
                   <a:srgbClr val="1E8900"/>
                 </a:solidFill>
-                <a:latin typeface="Arial" panose="020B0604020202020204" pitchFamily="34" charset="0"/>
                 <a:cs typeface="Arial" panose="020B0604020202020204" pitchFamily="34" charset="0"/>
               </a:rPr>
               <a:t>subnet</a:t>
@@ -3227,7 +3226,7 @@
           <a:blip r:embed="rId2">
             <a:extLst>
               <a:ext uri="{96DAC541-7B7A-43D3-8B79-37D633B846F1}">
-                <asvg:svgBlip xmlns="" xmlns:asvg="http://schemas.microsoft.com/office/drawing/2016/SVG/main" r:embed="rId25"/>
+                <asvg:svgBlip xmlns:asvg="http://schemas.microsoft.com/office/drawing/2016/SVG/main" xmlns="" r:embed="rId25"/>
               </a:ext>
             </a:extLst>
           </a:blip>
@@ -3237,7 +3236,7 @@
         </p:blipFill>
         <p:spPr>
           <a:xfrm>
-            <a:off x="1258162" y="1987553"/>
+            <a:off x="1258162" y="1926593"/>
             <a:ext cx="274320" cy="274320"/>
           </a:xfrm>
           <a:prstGeom prst="rect">
@@ -3263,7 +3262,7 @@
           <a:blip r:embed="rId26">
             <a:extLst>
               <a:ext uri="{96DAC541-7B7A-43D3-8B79-37D633B846F1}">
-                <asvg:svgBlip xmlns="" xmlns:asvg="http://schemas.microsoft.com/office/drawing/2016/SVG/main" r:embed="rId27"/>
+                <asvg:svgBlip xmlns:asvg="http://schemas.microsoft.com/office/drawing/2016/SVG/main" xmlns="" r:embed="rId27"/>
               </a:ext>
             </a:extLst>
           </a:blip>
@@ -3273,7 +3272,7 @@
         </p:blipFill>
         <p:spPr>
           <a:xfrm>
-            <a:off x="1258162" y="3398680"/>
+            <a:off x="1258162" y="3337720"/>
             <a:ext cx="274320" cy="274320"/>
           </a:xfrm>
           <a:prstGeom prst="rect">
@@ -3295,7 +3294,7 @@
         </p:nvSpPr>
         <p:spPr>
           <a:xfrm>
-            <a:off x="767165" y="1603781"/>
+            <a:off x="767165" y="1542821"/>
             <a:ext cx="2885793" cy="4291934"/>
           </a:xfrm>
           <a:prstGeom prst="rect">
@@ -3329,12 +3328,11 @@
           <a:lstStyle/>
           <a:p>
             <a:r>
-              <a:rPr lang="en-US" sz="1200" dirty="0">
+              <a:rPr lang="en-US" sz="1000" dirty="0">
                 <a:ln w="0"/>
                 <a:solidFill>
                   <a:srgbClr val="1E8900"/>
                 </a:solidFill>
-                <a:latin typeface="Arial" panose="020B0604020202020204" pitchFamily="34" charset="0"/>
                 <a:cs typeface="Arial" panose="020B0604020202020204" pitchFamily="34" charset="0"/>
               </a:rPr>
               <a:t>Production VPC</a:t>
@@ -3360,7 +3358,7 @@
           <a:blip r:embed="rId28">
             <a:extLst>
               <a:ext uri="{96DAC541-7B7A-43D3-8B79-37D633B846F1}">
-                <asvg:svgBlip xmlns="" xmlns:asvg="http://schemas.microsoft.com/office/drawing/2016/SVG/main" r:embed="rId23"/>
+                <asvg:svgBlip xmlns:asvg="http://schemas.microsoft.com/office/drawing/2016/SVG/main" xmlns="" r:embed="rId23"/>
               </a:ext>
             </a:extLst>
           </a:blip>
@@ -3370,7 +3368,7 @@
         </p:blipFill>
         <p:spPr>
           <a:xfrm>
-            <a:off x="770001" y="1603781"/>
+            <a:off x="770001" y="1542821"/>
             <a:ext cx="330200" cy="330200"/>
           </a:xfrm>
           <a:prstGeom prst="rect">
@@ -3392,7 +3390,7 @@
         </p:nvSpPr>
         <p:spPr>
           <a:xfrm>
-            <a:off x="2485305" y="1989911"/>
+            <a:off x="2485305" y="1928951"/>
             <a:ext cx="993475" cy="1213927"/>
           </a:xfrm>
           <a:prstGeom prst="rect">
@@ -3437,11 +3435,10 @@
               <a:defRPr/>
             </a:pPr>
             <a:r>
-              <a:rPr lang="en-US" sz="1200" dirty="0">
+              <a:rPr lang="en-US" sz="1000" dirty="0">
                 <a:solidFill>
                   <a:srgbClr val="1E8900"/>
                 </a:solidFill>
-                <a:latin typeface="Arial" panose="020B0604020202020204" pitchFamily="34" charset="0"/>
                 <a:cs typeface="Arial" panose="020B0604020202020204" pitchFamily="34" charset="0"/>
               </a:rPr>
               <a:t>Public subnet</a:t>
@@ -3467,7 +3464,7 @@
           <a:blip r:embed="rId2">
             <a:extLst>
               <a:ext uri="{96DAC541-7B7A-43D3-8B79-37D633B846F1}">
-                <asvg:svgBlip xmlns="" xmlns:asvg="http://schemas.microsoft.com/office/drawing/2016/SVG/main" r:embed="rId25"/>
+                <asvg:svgBlip xmlns:asvg="http://schemas.microsoft.com/office/drawing/2016/SVG/main" xmlns="" r:embed="rId25"/>
               </a:ext>
             </a:extLst>
           </a:blip>
@@ -3477,7 +3474,7 @@
         </p:blipFill>
         <p:spPr>
           <a:xfrm>
-            <a:off x="2485305" y="1987553"/>
+            <a:off x="2485305" y="1926593"/>
             <a:ext cx="274320" cy="274320"/>
           </a:xfrm>
           <a:prstGeom prst="rect">
@@ -3499,7 +3496,7 @@
         </p:nvSpPr>
         <p:spPr>
           <a:xfrm>
-            <a:off x="2485305" y="3398680"/>
+            <a:off x="2485305" y="3337720"/>
             <a:ext cx="993475" cy="1143000"/>
           </a:xfrm>
           <a:prstGeom prst="rect">
@@ -3536,11 +3533,10 @@
           <a:lstStyle/>
           <a:p>
             <a:r>
-              <a:rPr lang="en-US" sz="1200" dirty="0">
+              <a:rPr lang="en-US" sz="1000" dirty="0">
                 <a:solidFill>
                   <a:srgbClr val="5B9CD5"/>
                 </a:solidFill>
-                <a:latin typeface="Arial" panose="020B0604020202020204" pitchFamily="34" charset="0"/>
                 <a:cs typeface="Arial" panose="020B0604020202020204" pitchFamily="34" charset="0"/>
               </a:rPr>
               <a:t>Private subnet</a:t>
@@ -3566,7 +3562,7 @@
           <a:blip r:embed="rId26">
             <a:extLst>
               <a:ext uri="{96DAC541-7B7A-43D3-8B79-37D633B846F1}">
-                <asvg:svgBlip xmlns="" xmlns:asvg="http://schemas.microsoft.com/office/drawing/2016/SVG/main" r:embed="rId27"/>
+                <asvg:svgBlip xmlns:asvg="http://schemas.microsoft.com/office/drawing/2016/SVG/main" xmlns="" r:embed="rId27"/>
               </a:ext>
             </a:extLst>
           </a:blip>
@@ -3576,7 +3572,7 @@
         </p:blipFill>
         <p:spPr>
           <a:xfrm>
-            <a:off x="2485305" y="3398680"/>
+            <a:off x="2485305" y="3337720"/>
             <a:ext cx="274320" cy="274320"/>
           </a:xfrm>
           <a:prstGeom prst="rect">
@@ -3598,7 +3594,7 @@
         </p:nvSpPr>
         <p:spPr>
           <a:xfrm>
-            <a:off x="1258162" y="4685689"/>
+            <a:off x="1258162" y="4624729"/>
             <a:ext cx="993475" cy="1143000"/>
           </a:xfrm>
           <a:prstGeom prst="rect">
@@ -3635,11 +3631,10 @@
           <a:lstStyle/>
           <a:p>
             <a:r>
-              <a:rPr lang="en-US" sz="1200" dirty="0">
+              <a:rPr lang="en-US" sz="1000" dirty="0">
                 <a:solidFill>
                   <a:srgbClr val="5B9CD5"/>
                 </a:solidFill>
-                <a:latin typeface="Arial" panose="020B0604020202020204" pitchFamily="34" charset="0"/>
                 <a:cs typeface="Arial" panose="020B0604020202020204" pitchFamily="34" charset="0"/>
               </a:rPr>
               <a:t>Isolated subnet</a:t>
@@ -3665,7 +3660,7 @@
           <a:blip r:embed="rId26">
             <a:extLst>
               <a:ext uri="{96DAC541-7B7A-43D3-8B79-37D633B846F1}">
-                <asvg:svgBlip xmlns="" xmlns:asvg="http://schemas.microsoft.com/office/drawing/2016/SVG/main" r:embed="rId27"/>
+                <asvg:svgBlip xmlns:asvg="http://schemas.microsoft.com/office/drawing/2016/SVG/main" xmlns="" r:embed="rId27"/>
               </a:ext>
             </a:extLst>
           </a:blip>
@@ -3675,7 +3670,7 @@
         </p:blipFill>
         <p:spPr>
           <a:xfrm>
-            <a:off x="1258162" y="4685689"/>
+            <a:off x="1258162" y="4624729"/>
             <a:ext cx="274320" cy="274320"/>
           </a:xfrm>
           <a:prstGeom prst="rect">
@@ -3697,7 +3692,7 @@
         </p:nvSpPr>
         <p:spPr>
           <a:xfrm>
-            <a:off x="2485305" y="4685689"/>
+            <a:off x="2485305" y="4624729"/>
             <a:ext cx="993475" cy="1143000"/>
           </a:xfrm>
           <a:prstGeom prst="rect">
@@ -3734,11 +3729,10 @@
           <a:lstStyle/>
           <a:p>
             <a:r>
-              <a:rPr lang="en-US" sz="1200" dirty="0">
+              <a:rPr lang="en-US" sz="1000" dirty="0">
                 <a:solidFill>
                   <a:srgbClr val="5B9CD5"/>
                 </a:solidFill>
-                <a:latin typeface="Arial" panose="020B0604020202020204" pitchFamily="34" charset="0"/>
                 <a:cs typeface="Arial" panose="020B0604020202020204" pitchFamily="34" charset="0"/>
               </a:rPr>
               <a:t>Isolated subnet</a:t>
@@ -3764,7 +3758,7 @@
           <a:blip r:embed="rId26">
             <a:extLst>
               <a:ext uri="{96DAC541-7B7A-43D3-8B79-37D633B846F1}">
-                <asvg:svgBlip xmlns="" xmlns:asvg="http://schemas.microsoft.com/office/drawing/2016/SVG/main" r:embed="rId27"/>
+                <asvg:svgBlip xmlns:asvg="http://schemas.microsoft.com/office/drawing/2016/SVG/main" xmlns="" r:embed="rId27"/>
               </a:ext>
             </a:extLst>
           </a:blip>
@@ -3774,7 +3768,7 @@
         </p:blipFill>
         <p:spPr>
           <a:xfrm>
-            <a:off x="2485305" y="4685689"/>
+            <a:off x="2485305" y="4624729"/>
             <a:ext cx="274320" cy="274320"/>
           </a:xfrm>
           <a:prstGeom prst="rect">
@@ -3796,7 +3790,7 @@
         </p:nvSpPr>
         <p:spPr>
           <a:xfrm>
-            <a:off x="9195991" y="3398679"/>
+            <a:off x="8839535" y="3337719"/>
             <a:ext cx="993475" cy="1143000"/>
           </a:xfrm>
           <a:prstGeom prst="rect">
@@ -3833,11 +3827,10 @@
           <a:lstStyle/>
           <a:p>
             <a:r>
-              <a:rPr lang="en-US" sz="1200" dirty="0">
+              <a:rPr lang="en-US" sz="1000" dirty="0">
                 <a:solidFill>
                   <a:srgbClr val="5B9CD5"/>
                 </a:solidFill>
-                <a:latin typeface="Arial" panose="020B0604020202020204" pitchFamily="34" charset="0"/>
                 <a:cs typeface="Arial" panose="020B0604020202020204" pitchFamily="34" charset="0"/>
               </a:rPr>
               <a:t>Private subnet</a:t>
@@ -3859,7 +3852,7 @@
         </p:nvSpPr>
         <p:spPr>
           <a:xfrm>
-            <a:off x="9195991" y="1989910"/>
+            <a:off x="8839535" y="1928950"/>
             <a:ext cx="993475" cy="1213927"/>
           </a:xfrm>
           <a:prstGeom prst="rect">
@@ -3904,11 +3897,10 @@
               <a:defRPr/>
             </a:pPr>
             <a:r>
-              <a:rPr lang="en-US" sz="1200" dirty="0">
+              <a:rPr lang="en-US" sz="1000" dirty="0">
                 <a:solidFill>
                   <a:srgbClr val="1E8900"/>
                 </a:solidFill>
-                <a:latin typeface="Arial" panose="020B0604020202020204" pitchFamily="34" charset="0"/>
                 <a:cs typeface="Arial" panose="020B0604020202020204" pitchFamily="34" charset="0"/>
               </a:rPr>
               <a:t>Public subnet</a:t>
@@ -3934,7 +3926,7 @@
           <a:blip r:embed="rId2">
             <a:extLst>
               <a:ext uri="{96DAC541-7B7A-43D3-8B79-37D633B846F1}">
-                <asvg:svgBlip xmlns="" xmlns:asvg="http://schemas.microsoft.com/office/drawing/2016/SVG/main" r:embed="rId25"/>
+                <asvg:svgBlip xmlns:asvg="http://schemas.microsoft.com/office/drawing/2016/SVG/main" xmlns="" r:embed="rId25"/>
               </a:ext>
             </a:extLst>
           </a:blip>
@@ -3944,7 +3936,7 @@
         </p:blipFill>
         <p:spPr>
           <a:xfrm>
-            <a:off x="9195991" y="1987552"/>
+            <a:off x="8839535" y="1926592"/>
             <a:ext cx="274320" cy="274320"/>
           </a:xfrm>
           <a:prstGeom prst="rect">
@@ -3970,7 +3962,7 @@
           <a:blip r:embed="rId26">
             <a:extLst>
               <a:ext uri="{96DAC541-7B7A-43D3-8B79-37D633B846F1}">
-                <asvg:svgBlip xmlns="" xmlns:asvg="http://schemas.microsoft.com/office/drawing/2016/SVG/main" r:embed="rId27"/>
+                <asvg:svgBlip xmlns:asvg="http://schemas.microsoft.com/office/drawing/2016/SVG/main" xmlns="" r:embed="rId27"/>
               </a:ext>
             </a:extLst>
           </a:blip>
@@ -3980,7 +3972,7 @@
         </p:blipFill>
         <p:spPr>
           <a:xfrm>
-            <a:off x="9195991" y="3398679"/>
+            <a:off x="8839535" y="3337719"/>
             <a:ext cx="274320" cy="274320"/>
           </a:xfrm>
           <a:prstGeom prst="rect">
@@ -4002,7 +3994,7 @@
         </p:nvSpPr>
         <p:spPr>
           <a:xfrm>
-            <a:off x="8687054" y="1603780"/>
+            <a:off x="8330598" y="1542820"/>
             <a:ext cx="2906359" cy="4291934"/>
           </a:xfrm>
           <a:prstGeom prst="rect">
@@ -4036,12 +4028,11 @@
           <a:lstStyle/>
           <a:p>
             <a:r>
-              <a:rPr lang="en-US" sz="1200" dirty="0">
+              <a:rPr lang="en-US" sz="1000" dirty="0">
                 <a:ln w="0"/>
                 <a:solidFill>
                   <a:srgbClr val="1E8900"/>
                 </a:solidFill>
-                <a:latin typeface="Arial" panose="020B0604020202020204" pitchFamily="34" charset="0"/>
                 <a:cs typeface="Arial" panose="020B0604020202020204" pitchFamily="34" charset="0"/>
               </a:rPr>
               <a:t>Development VPC</a:t>
@@ -4067,7 +4058,7 @@
           <a:blip r:embed="rId28">
             <a:extLst>
               <a:ext uri="{96DAC541-7B7A-43D3-8B79-37D633B846F1}">
-                <asvg:svgBlip xmlns="" xmlns:asvg="http://schemas.microsoft.com/office/drawing/2016/SVG/main" r:embed="rId23"/>
+                <asvg:svgBlip xmlns:asvg="http://schemas.microsoft.com/office/drawing/2016/SVG/main" xmlns="" r:embed="rId23"/>
               </a:ext>
             </a:extLst>
           </a:blip>
@@ -4077,7 +4068,7 @@
         </p:blipFill>
         <p:spPr>
           <a:xfrm>
-            <a:off x="8687056" y="1603780"/>
+            <a:off x="8330600" y="1542820"/>
             <a:ext cx="330200" cy="330200"/>
           </a:xfrm>
           <a:prstGeom prst="rect">
@@ -4099,7 +4090,7 @@
         </p:nvSpPr>
         <p:spPr>
           <a:xfrm>
-            <a:off x="10413708" y="1989910"/>
+            <a:off x="10057252" y="1928950"/>
             <a:ext cx="993475" cy="1213927"/>
           </a:xfrm>
           <a:prstGeom prst="rect">
@@ -4144,11 +4135,10 @@
               <a:defRPr/>
             </a:pPr>
             <a:r>
-              <a:rPr lang="en-US" sz="1200" dirty="0">
+              <a:rPr lang="en-US" sz="1000" dirty="0">
                 <a:solidFill>
                   <a:srgbClr val="1E8900"/>
                 </a:solidFill>
-                <a:latin typeface="Arial" panose="020B0604020202020204" pitchFamily="34" charset="0"/>
                 <a:cs typeface="Arial" panose="020B0604020202020204" pitchFamily="34" charset="0"/>
               </a:rPr>
               <a:t>Public subnet</a:t>
@@ -4174,7 +4164,7 @@
           <a:blip r:embed="rId2">
             <a:extLst>
               <a:ext uri="{96DAC541-7B7A-43D3-8B79-37D633B846F1}">
-                <asvg:svgBlip xmlns="" xmlns:asvg="http://schemas.microsoft.com/office/drawing/2016/SVG/main" r:embed="rId25"/>
+                <asvg:svgBlip xmlns:asvg="http://schemas.microsoft.com/office/drawing/2016/SVG/main" xmlns="" r:embed="rId25"/>
               </a:ext>
             </a:extLst>
           </a:blip>
@@ -4184,7 +4174,7 @@
         </p:blipFill>
         <p:spPr>
           <a:xfrm>
-            <a:off x="10413708" y="1987552"/>
+            <a:off x="10057252" y="1926592"/>
             <a:ext cx="274320" cy="274320"/>
           </a:xfrm>
           <a:prstGeom prst="rect">
@@ -4206,7 +4196,7 @@
         </p:nvSpPr>
         <p:spPr>
           <a:xfrm>
-            <a:off x="10413708" y="3398679"/>
+            <a:off x="10057252" y="3337719"/>
             <a:ext cx="993475" cy="1143000"/>
           </a:xfrm>
           <a:prstGeom prst="rect">
@@ -4243,11 +4233,10 @@
           <a:lstStyle/>
           <a:p>
             <a:r>
-              <a:rPr lang="en-US" sz="1200" dirty="0">
+              <a:rPr lang="en-US" sz="1000" dirty="0">
                 <a:solidFill>
                   <a:srgbClr val="5B9CD5"/>
                 </a:solidFill>
-                <a:latin typeface="Arial" panose="020B0604020202020204" pitchFamily="34" charset="0"/>
                 <a:cs typeface="Arial" panose="020B0604020202020204" pitchFamily="34" charset="0"/>
               </a:rPr>
               <a:t>Private subnet</a:t>
@@ -4273,7 +4262,7 @@
           <a:blip r:embed="rId26">
             <a:extLst>
               <a:ext uri="{96DAC541-7B7A-43D3-8B79-37D633B846F1}">
-                <asvg:svgBlip xmlns="" xmlns:asvg="http://schemas.microsoft.com/office/drawing/2016/SVG/main" r:embed="rId27"/>
+                <asvg:svgBlip xmlns:asvg="http://schemas.microsoft.com/office/drawing/2016/SVG/main" xmlns="" r:embed="rId27"/>
               </a:ext>
             </a:extLst>
           </a:blip>
@@ -4283,7 +4272,7 @@
         </p:blipFill>
         <p:spPr>
           <a:xfrm>
-            <a:off x="10413708" y="3398679"/>
+            <a:off x="10057252" y="3337719"/>
             <a:ext cx="274320" cy="274320"/>
           </a:xfrm>
           <a:prstGeom prst="rect">
@@ -4305,7 +4294,7 @@
         </p:nvSpPr>
         <p:spPr>
           <a:xfrm>
-            <a:off x="9195991" y="4685689"/>
+            <a:off x="8839535" y="4624729"/>
             <a:ext cx="993475" cy="1143000"/>
           </a:xfrm>
           <a:prstGeom prst="rect">
@@ -4342,11 +4331,10 @@
           <a:lstStyle/>
           <a:p>
             <a:r>
-              <a:rPr lang="en-US" sz="1200" dirty="0">
+              <a:rPr lang="en-US" sz="1000" dirty="0">
                 <a:solidFill>
                   <a:srgbClr val="5B9CD5"/>
                 </a:solidFill>
-                <a:latin typeface="Arial" panose="020B0604020202020204" pitchFamily="34" charset="0"/>
                 <a:cs typeface="Arial" panose="020B0604020202020204" pitchFamily="34" charset="0"/>
               </a:rPr>
               <a:t>Isolated subnet</a:t>
@@ -4372,7 +4360,7 @@
           <a:blip r:embed="rId26">
             <a:extLst>
               <a:ext uri="{96DAC541-7B7A-43D3-8B79-37D633B846F1}">
-                <asvg:svgBlip xmlns="" xmlns:asvg="http://schemas.microsoft.com/office/drawing/2016/SVG/main" r:embed="rId27"/>
+                <asvg:svgBlip xmlns:asvg="http://schemas.microsoft.com/office/drawing/2016/SVG/main" xmlns="" r:embed="rId27"/>
               </a:ext>
             </a:extLst>
           </a:blip>
@@ -4382,7 +4370,7 @@
         </p:blipFill>
         <p:spPr>
           <a:xfrm>
-            <a:off x="9195991" y="4685689"/>
+            <a:off x="8839535" y="4624729"/>
             <a:ext cx="274320" cy="274320"/>
           </a:xfrm>
           <a:prstGeom prst="rect">
@@ -4404,7 +4392,7 @@
         </p:nvSpPr>
         <p:spPr>
           <a:xfrm>
-            <a:off x="10413708" y="4685689"/>
+            <a:off x="10057252" y="4624729"/>
             <a:ext cx="993475" cy="1143000"/>
           </a:xfrm>
           <a:prstGeom prst="rect">
@@ -4441,11 +4429,10 @@
           <a:lstStyle/>
           <a:p>
             <a:r>
-              <a:rPr lang="en-US" sz="1200" dirty="0">
+              <a:rPr lang="en-US" sz="1000" dirty="0">
                 <a:solidFill>
                   <a:srgbClr val="5B9CD5"/>
                 </a:solidFill>
-                <a:latin typeface="Arial" panose="020B0604020202020204" pitchFamily="34" charset="0"/>
                 <a:cs typeface="Arial" panose="020B0604020202020204" pitchFamily="34" charset="0"/>
               </a:rPr>
               <a:t>Isolated subnet</a:t>
@@ -4471,7 +4458,7 @@
           <a:blip r:embed="rId26">
             <a:extLst>
               <a:ext uri="{96DAC541-7B7A-43D3-8B79-37D633B846F1}">
-                <asvg:svgBlip xmlns="" xmlns:asvg="http://schemas.microsoft.com/office/drawing/2016/SVG/main" r:embed="rId27"/>
+                <asvg:svgBlip xmlns:asvg="http://schemas.microsoft.com/office/drawing/2016/SVG/main" xmlns="" r:embed="rId27"/>
               </a:ext>
             </a:extLst>
           </a:blip>
@@ -4481,7 +4468,7 @@
         </p:blipFill>
         <p:spPr>
           <a:xfrm>
-            <a:off x="10413708" y="4685689"/>
+            <a:off x="10057252" y="4624729"/>
             <a:ext cx="274320" cy="274320"/>
           </a:xfrm>
           <a:prstGeom prst="rect">
@@ -4503,8 +4490,8 @@
         </p:nvSpPr>
         <p:spPr>
           <a:xfrm>
-            <a:off x="3400063" y="3264380"/>
-            <a:ext cx="1589097" cy="461665"/>
+            <a:off x="3291576" y="3931837"/>
+            <a:ext cx="1589097" cy="400110"/>
           </a:xfrm>
           <a:prstGeom prst="rect">
             <a:avLst/>
@@ -4519,21 +4506,21 @@
           <a:p>
             <a:pPr algn="ctr"/>
             <a:r>
-              <a:rPr lang="en-US" sz="1200" dirty="0"/>
+              <a:rPr lang="en-US" sz="1000" dirty="0" smtClean="0"/>
               <a:t>Peering </a:t>
             </a:r>
             <a:r>
-              <a:rPr lang="en-US" sz="1200" dirty="0" smtClean="0"/>
+              <a:rPr lang="en-US" sz="1000" dirty="0" smtClean="0"/>
               <a:t/>
             </a:r>
             <a:br>
-              <a:rPr lang="en-US" sz="1200" dirty="0" smtClean="0"/>
+              <a:rPr lang="en-US" sz="1000" dirty="0" smtClean="0"/>
             </a:br>
             <a:r>
-              <a:rPr lang="en-US" sz="1200" dirty="0" smtClean="0"/>
+              <a:rPr lang="en-US" sz="1000" dirty="0" smtClean="0"/>
               <a:t>connection</a:t>
             </a:r>
-            <a:endParaRPr lang="en-US" sz="1200" dirty="0"/>
+            <a:endParaRPr lang="en-US" sz="1000" dirty="0"/>
           </a:p>
         </p:txBody>
       </p:sp>
@@ -4555,7 +4542,7 @@
           <a:blip r:embed="rId29">
             <a:extLst>
               <a:ext uri="{96DAC541-7B7A-43D3-8B79-37D633B846F1}">
-                <asvg:svgBlip xmlns="" xmlns:asvg="http://schemas.microsoft.com/office/drawing/2016/SVG/main" r:embed="rId22"/>
+                <asvg:svgBlip xmlns:asvg="http://schemas.microsoft.com/office/drawing/2016/SVG/main" xmlns="" r:embed="rId22"/>
               </a:ext>
             </a:extLst>
           </a:blip>
@@ -4565,7 +4552,7 @@
         </p:blipFill>
         <p:spPr>
           <a:xfrm>
-            <a:off x="3959661" y="2749281"/>
+            <a:off x="3851174" y="3455483"/>
             <a:ext cx="469900" cy="469900"/>
           </a:xfrm>
           <a:prstGeom prst="rect">
@@ -4590,8 +4577,8 @@
         </p:nvSpPr>
         <p:spPr>
           <a:xfrm>
-            <a:off x="7361479" y="3254953"/>
-            <a:ext cx="1589097" cy="461665"/>
+            <a:off x="7098013" y="3930159"/>
+            <a:ext cx="1589097" cy="400110"/>
           </a:xfrm>
           <a:prstGeom prst="rect">
             <a:avLst/>
@@ -4606,21 +4593,21 @@
           <a:p>
             <a:pPr algn="ctr"/>
             <a:r>
-              <a:rPr lang="en-US" sz="1200" dirty="0"/>
+              <a:rPr lang="en-US" sz="1000" dirty="0"/>
               <a:t>Peering </a:t>
             </a:r>
             <a:r>
-              <a:rPr lang="en-US" sz="1200" dirty="0" smtClean="0"/>
+              <a:rPr lang="en-US" sz="1000" dirty="0" smtClean="0"/>
               <a:t/>
             </a:r>
             <a:br>
-              <a:rPr lang="en-US" sz="1200" dirty="0" smtClean="0"/>
+              <a:rPr lang="en-US" sz="1000" dirty="0" smtClean="0"/>
             </a:br>
             <a:r>
-              <a:rPr lang="en-US" sz="1200" dirty="0" smtClean="0"/>
+              <a:rPr lang="en-US" sz="1000" dirty="0" smtClean="0"/>
               <a:t>connection</a:t>
             </a:r>
-            <a:endParaRPr lang="en-US" sz="1200" dirty="0"/>
+            <a:endParaRPr lang="en-US" sz="1000" dirty="0"/>
           </a:p>
         </p:txBody>
       </p:sp>
@@ -4642,7 +4629,7 @@
           <a:blip r:embed="rId29">
             <a:extLst>
               <a:ext uri="{96DAC541-7B7A-43D3-8B79-37D633B846F1}">
-                <asvg:svgBlip xmlns="" xmlns:asvg="http://schemas.microsoft.com/office/drawing/2016/SVG/main" r:embed="rId22"/>
+                <asvg:svgBlip xmlns:asvg="http://schemas.microsoft.com/office/drawing/2016/SVG/main" xmlns="" r:embed="rId22"/>
               </a:ext>
             </a:extLst>
           </a:blip>
@@ -4652,7 +4639,7 @@
         </p:blipFill>
         <p:spPr>
           <a:xfrm>
-            <a:off x="7926646" y="2736642"/>
+            <a:off x="7663180" y="3450593"/>
             <a:ext cx="469900" cy="469900"/>
           </a:xfrm>
           <a:prstGeom prst="rect">
@@ -4663,12 +4650,48 @@
           </a:solidFill>
         </p:spPr>
       </p:pic>
+      <p:sp>
+        <p:nvSpPr>
+          <p:cNvPr id="117" name="TextBox 116">
+            <a:extLst>
+              <a:ext uri="{FF2B5EF4-FFF2-40B4-BE49-F238E27FC236}">
+                <a16:creationId xmlns:a16="http://schemas.microsoft.com/office/drawing/2014/main" id="{729B5B61-AAB2-CD4C-BD0A-DECDDA49FCBB}"/>
+              </a:ext>
+            </a:extLst>
+          </p:cNvPr>
+          <p:cNvSpPr txBox="1"/>
+          <p:nvPr/>
+        </p:nvSpPr>
+        <p:spPr>
+          <a:xfrm>
+            <a:off x="3957364" y="6483917"/>
+            <a:ext cx="1252552" cy="246221"/>
+          </a:xfrm>
+          <a:prstGeom prst="rect">
+            <a:avLst/>
+          </a:prstGeom>
+          <a:noFill/>
+        </p:spPr>
+        <p:txBody>
+          <a:bodyPr wrap="square" rtlCol="0">
+            <a:spAutoFit/>
+          </a:bodyPr>
+          <a:lstStyle/>
+          <a:p>
+            <a:pPr algn="ctr"/>
+            <a:r>
+              <a:rPr lang="en-US" sz="1000" dirty="0"/>
+              <a:t>AWS Config</a:t>
+            </a:r>
+          </a:p>
+        </p:txBody>
+      </p:sp>
       <p:pic>
         <p:nvPicPr>
-          <p:cNvPr id="97" name="Graphic 25">
-            <a:extLst>
-              <a:ext uri="{FF2B5EF4-FFF2-40B4-BE49-F238E27FC236}">
-                <a16:creationId xmlns:a16="http://schemas.microsoft.com/office/drawing/2014/main" id="{C3E9DE62-900E-904C-9642-0A5F63D57B4C}"/>
+          <p:cNvPr id="118" name="Graphic 18">
+            <a:extLst>
+              <a:ext uri="{FF2B5EF4-FFF2-40B4-BE49-F238E27FC236}">
+                <a16:creationId xmlns:a16="http://schemas.microsoft.com/office/drawing/2014/main" id="{CC2A3F8C-8C0F-2F47-AAE1-7A7A1CB8F607}"/>
               </a:ext>
             </a:extLst>
           </p:cNvPr>
@@ -4681,7 +4704,7 @@
           <a:blip r:embed="rId30">
             <a:extLst>
               <a:ext uri="{96DAC541-7B7A-43D3-8B79-37D633B846F1}">
-                <asvg:svgBlip xmlns="" xmlns:asvg="http://schemas.microsoft.com/office/drawing/2016/SVG/main" r:embed="rId19"/>
+                <asvg:svgBlip xmlns:asvg="http://schemas.microsoft.com/office/drawing/2016/SVG/main" xmlns="" r:embed="rId9"/>
               </a:ext>
             </a:extLst>
           </a:blip>
@@ -4691,8 +4714,8 @@
         </p:blipFill>
         <p:spPr>
           <a:xfrm>
-            <a:off x="5560908" y="146227"/>
-            <a:ext cx="376602" cy="376602"/>
+            <a:off x="4361886" y="6033387"/>
+            <a:ext cx="457200" cy="457200"/>
           </a:xfrm>
           <a:prstGeom prst="rect">
             <a:avLst/>
@@ -4701,10 +4724,10 @@
       </p:pic>
       <p:sp>
         <p:nvSpPr>
-          <p:cNvPr id="99" name="TextBox 98">
-            <a:extLst>
-              <a:ext uri="{FF2B5EF4-FFF2-40B4-BE49-F238E27FC236}">
-                <a16:creationId xmlns:a16="http://schemas.microsoft.com/office/drawing/2014/main" id="{C5636447-DBCE-7C45-AD26-6BB1D3390243}"/>
+          <p:cNvPr id="119" name="TextBox 118">
+            <a:extLst>
+              <a:ext uri="{FF2B5EF4-FFF2-40B4-BE49-F238E27FC236}">
+                <a16:creationId xmlns:a16="http://schemas.microsoft.com/office/drawing/2014/main" id="{70F1D858-0A61-B249-BFE8-EC03E7D2639D}"/>
               </a:ext>
             </a:extLst>
           </p:cNvPr>
@@ -4713,8 +4736,8 @@
         </p:nvSpPr>
         <p:spPr>
           <a:xfrm>
-            <a:off x="5203094" y="460340"/>
-            <a:ext cx="1072750" cy="461665"/>
+            <a:off x="5303452" y="6483917"/>
+            <a:ext cx="1454836" cy="246221"/>
           </a:xfrm>
           <a:prstGeom prst="rect">
             <a:avLst/>
@@ -4729,38 +4752,18 @@
           <a:p>
             <a:pPr algn="ctr"/>
             <a:r>
-              <a:rPr lang="en-US" sz="1200" dirty="0" smtClean="0">
-                <a:solidFill>
-                  <a:srgbClr val="232F3E"/>
-                </a:solidFill>
-              </a:rPr>
-              <a:t>Company</a:t>
-            </a:r>
-          </a:p>
-          <a:p>
-            <a:pPr algn="ctr"/>
-            <a:r>
-              <a:rPr lang="en-US" sz="1200" dirty="0" smtClean="0">
-                <a:solidFill>
-                  <a:srgbClr val="232F3E"/>
-                </a:solidFill>
-              </a:rPr>
-              <a:t>offices</a:t>
-            </a:r>
-            <a:endParaRPr lang="en-US" sz="1200" dirty="0">
-              <a:solidFill>
-                <a:srgbClr val="232F3E"/>
-              </a:solidFill>
-            </a:endParaRPr>
+              <a:rPr lang="en-US" sz="1000" dirty="0"/>
+              <a:t>Amazon Route 53</a:t>
+            </a:r>
           </a:p>
         </p:txBody>
       </p:sp>
       <p:pic>
         <p:nvPicPr>
-          <p:cNvPr id="101" name="Graphic 41">
-            <a:extLst>
-              <a:ext uri="{FF2B5EF4-FFF2-40B4-BE49-F238E27FC236}">
-                <a16:creationId xmlns:a16="http://schemas.microsoft.com/office/drawing/2014/main" id="{1A56C62F-612C-5841-B7E7-B15DA92D0BDE}"/>
+          <p:cNvPr id="120" name="Graphic 41">
+            <a:extLst>
+              <a:ext uri="{FF2B5EF4-FFF2-40B4-BE49-F238E27FC236}">
+                <a16:creationId xmlns:a16="http://schemas.microsoft.com/office/drawing/2014/main" id="{5B1FEEC0-A82C-C940-A6B4-4A85ED521E63}"/>
               </a:ext>
             </a:extLst>
           </p:cNvPr>
@@ -4773,7 +4776,7 @@
           <a:blip r:embed="rId31">
             <a:extLst>
               <a:ext uri="{96DAC541-7B7A-43D3-8B79-37D633B846F1}">
-                <asvg:svgBlip xmlns="" xmlns:asvg="http://schemas.microsoft.com/office/drawing/2016/SVG/main" r:embed="rId33"/>
+                <asvg:svgBlip xmlns:asvg="http://schemas.microsoft.com/office/drawing/2016/SVG/main" xmlns="" r:embed="rId24"/>
               </a:ext>
             </a:extLst>
           </a:blip>
@@ -4782,9 +4785,9 @@
           </a:stretch>
         </p:blipFill>
         <p:spPr>
-          <a:xfrm flipH="1">
-            <a:off x="6711966" y="138187"/>
-            <a:ext cx="395845" cy="384642"/>
+          <a:xfrm>
+            <a:off x="5802270" y="6033387"/>
+            <a:ext cx="457200" cy="457200"/>
           </a:xfrm>
           <a:prstGeom prst="rect">
             <a:avLst/>
@@ -4793,10 +4796,10 @@
       </p:pic>
       <p:sp>
         <p:nvSpPr>
-          <p:cNvPr id="102" name="TextBox 101">
-            <a:extLst>
-              <a:ext uri="{FF2B5EF4-FFF2-40B4-BE49-F238E27FC236}">
-                <a16:creationId xmlns:a16="http://schemas.microsoft.com/office/drawing/2014/main" id="{4EDB2C05-2F10-9C42-9C35-AE4BB249A665}"/>
+          <p:cNvPr id="121" name="TextBox 120">
+            <a:extLst>
+              <a:ext uri="{FF2B5EF4-FFF2-40B4-BE49-F238E27FC236}">
+                <a16:creationId xmlns:a16="http://schemas.microsoft.com/office/drawing/2014/main" id="{ADB72D6E-A69F-7245-BD75-7AEEB715630F}"/>
               </a:ext>
             </a:extLst>
           </p:cNvPr>
@@ -4805,8 +4808,8 @@
         </p:nvSpPr>
         <p:spPr>
           <a:xfrm>
-            <a:off x="6317910" y="460340"/>
-            <a:ext cx="1262428" cy="461665"/>
+            <a:off x="6591213" y="6483917"/>
+            <a:ext cx="1678903" cy="246221"/>
           </a:xfrm>
           <a:prstGeom prst="rect">
             <a:avLst/>
@@ -4821,119 +4824,18 @@
           <a:p>
             <a:pPr algn="ctr"/>
             <a:r>
-              <a:rPr lang="en-US" sz="1200" dirty="0" smtClean="0">
-                <a:solidFill>
-                  <a:srgbClr val="232F3E"/>
-                </a:solidFill>
-              </a:rPr>
-              <a:t>Employees (developers)</a:t>
-            </a:r>
-          </a:p>
-        </p:txBody>
-      </p:sp>
-      <p:sp>
-        <p:nvSpPr>
-          <p:cNvPr id="104" name="TextBox 103">
-            <a:extLst>
-              <a:ext uri="{FF2B5EF4-FFF2-40B4-BE49-F238E27FC236}">
-                <a16:creationId xmlns:a16="http://schemas.microsoft.com/office/drawing/2014/main" id="{4EDB2C05-2F10-9C42-9C35-AE4BB249A665}"/>
-              </a:ext>
-            </a:extLst>
-          </p:cNvPr>
-          <p:cNvSpPr txBox="1"/>
-          <p:nvPr/>
-        </p:nvSpPr>
-        <p:spPr>
-          <a:xfrm>
-            <a:off x="1532482" y="628638"/>
-            <a:ext cx="1702433" cy="276999"/>
-          </a:xfrm>
-          <a:prstGeom prst="rect">
-            <a:avLst/>
-          </a:prstGeom>
-          <a:noFill/>
-        </p:spPr>
-        <p:txBody>
-          <a:bodyPr wrap="square" rtlCol="0">
-            <a:spAutoFit/>
-          </a:bodyPr>
-          <a:lstStyle/>
-          <a:p>
-            <a:pPr algn="ctr"/>
-            <a:r>
-              <a:rPr lang="en-US" sz="1200" dirty="0" smtClean="0">
-                <a:solidFill>
-                  <a:srgbClr val="232F3E"/>
-                </a:solidFill>
-              </a:rPr>
-              <a:t>End </a:t>
-            </a:r>
-            <a:r>
-              <a:rPr lang="en-US" sz="1200" dirty="0" smtClean="0">
-                <a:solidFill>
-                  <a:srgbClr val="232F3E"/>
-                </a:solidFill>
-              </a:rPr>
-              <a:t>users (customers</a:t>
-            </a:r>
-            <a:r>
-              <a:rPr lang="en-US" sz="1200" dirty="0" smtClean="0">
-                <a:solidFill>
-                  <a:srgbClr val="232F3E"/>
-                </a:solidFill>
-              </a:rPr>
-              <a:t>)</a:t>
-            </a:r>
-            <a:endParaRPr lang="en-US" sz="1200" dirty="0">
-              <a:solidFill>
-                <a:srgbClr val="232F3E"/>
-              </a:solidFill>
-            </a:endParaRPr>
-          </a:p>
-        </p:txBody>
-      </p:sp>
-      <p:sp>
-        <p:nvSpPr>
-          <p:cNvPr id="117" name="TextBox 116">
-            <a:extLst>
-              <a:ext uri="{FF2B5EF4-FFF2-40B4-BE49-F238E27FC236}">
-                <a16:creationId xmlns:a16="http://schemas.microsoft.com/office/drawing/2014/main" id="{729B5B61-AAB2-CD4C-BD0A-DECDDA49FCBB}"/>
-              </a:ext>
-            </a:extLst>
-          </p:cNvPr>
-          <p:cNvSpPr txBox="1"/>
-          <p:nvPr/>
-        </p:nvSpPr>
-        <p:spPr>
-          <a:xfrm>
-            <a:off x="4126939" y="5614981"/>
-            <a:ext cx="1252552" cy="276999"/>
-          </a:xfrm>
-          <a:prstGeom prst="rect">
-            <a:avLst/>
-          </a:prstGeom>
-          <a:noFill/>
-        </p:spPr>
-        <p:txBody>
-          <a:bodyPr wrap="square" rtlCol="0">
-            <a:spAutoFit/>
-          </a:bodyPr>
-          <a:lstStyle/>
-          <a:p>
-            <a:pPr algn="ctr"/>
-            <a:r>
-              <a:rPr lang="en-US" sz="1200" dirty="0"/>
-              <a:t>AWS Config</a:t>
+              <a:rPr lang="en-US" sz="1000" dirty="0"/>
+              <a:t>AWS Service Catalog</a:t>
             </a:r>
           </a:p>
         </p:txBody>
       </p:sp>
       <p:pic>
         <p:nvPicPr>
-          <p:cNvPr id="118" name="Graphic 18">
-            <a:extLst>
-              <a:ext uri="{FF2B5EF4-FFF2-40B4-BE49-F238E27FC236}">
-                <a16:creationId xmlns:a16="http://schemas.microsoft.com/office/drawing/2014/main" id="{CC2A3F8C-8C0F-2F47-AAE1-7A7A1CB8F607}"/>
+          <p:cNvPr id="122" name="Graphic 53">
+            <a:extLst>
+              <a:ext uri="{FF2B5EF4-FFF2-40B4-BE49-F238E27FC236}">
+                <a16:creationId xmlns:a16="http://schemas.microsoft.com/office/drawing/2014/main" id="{B305F2C0-EFAA-2249-90ED-07D219860D31}"/>
               </a:ext>
             </a:extLst>
           </p:cNvPr>
@@ -4943,10 +4845,10 @@
           <p:nvPr/>
         </p:nvPicPr>
         <p:blipFill>
-          <a:blip r:embed="rId34">
+          <a:blip r:embed="rId32">
             <a:extLst>
               <a:ext uri="{96DAC541-7B7A-43D3-8B79-37D633B846F1}">
-                <asvg:svgBlip xmlns="" xmlns:asvg="http://schemas.microsoft.com/office/drawing/2016/SVG/main" r:embed="rId9"/>
+                <asvg:svgBlip xmlns:asvg="http://schemas.microsoft.com/office/drawing/2016/SVG/main" xmlns="" r:embed="rId5"/>
               </a:ext>
             </a:extLst>
           </a:blip>
@@ -4956,7 +4858,7 @@
         </p:blipFill>
         <p:spPr>
           <a:xfrm>
-            <a:off x="4524615" y="5164451"/>
+            <a:off x="7202064" y="6033387"/>
             <a:ext cx="457200" cy="457200"/>
           </a:xfrm>
           <a:prstGeom prst="rect">
@@ -4966,345 +4868,6 @@
       </p:pic>
       <p:sp>
         <p:nvSpPr>
-          <p:cNvPr id="119" name="TextBox 118">
-            <a:extLst>
-              <a:ext uri="{FF2B5EF4-FFF2-40B4-BE49-F238E27FC236}">
-                <a16:creationId xmlns:a16="http://schemas.microsoft.com/office/drawing/2014/main" id="{70F1D858-0A61-B249-BFE8-EC03E7D2639D}"/>
-              </a:ext>
-            </a:extLst>
-          </p:cNvPr>
-          <p:cNvSpPr txBox="1"/>
-          <p:nvPr/>
-        </p:nvSpPr>
-        <p:spPr>
-          <a:xfrm>
-            <a:off x="5458432" y="5614981"/>
-            <a:ext cx="1454836" cy="276999"/>
-          </a:xfrm>
-          <a:prstGeom prst="rect">
-            <a:avLst/>
-          </a:prstGeom>
-          <a:noFill/>
-        </p:spPr>
-        <p:txBody>
-          <a:bodyPr wrap="square" rtlCol="0">
-            <a:spAutoFit/>
-          </a:bodyPr>
-          <a:lstStyle/>
-          <a:p>
-            <a:pPr algn="ctr"/>
-            <a:r>
-              <a:rPr lang="en-US" sz="1200" dirty="0"/>
-              <a:t>Amazon Route 53</a:t>
-            </a:r>
-          </a:p>
-        </p:txBody>
-      </p:sp>
-      <p:pic>
-        <p:nvPicPr>
-          <p:cNvPr id="120" name="Graphic 41">
-            <a:extLst>
-              <a:ext uri="{FF2B5EF4-FFF2-40B4-BE49-F238E27FC236}">
-                <a16:creationId xmlns:a16="http://schemas.microsoft.com/office/drawing/2014/main" id="{5B1FEEC0-A82C-C940-A6B4-4A85ED521E63}"/>
-              </a:ext>
-            </a:extLst>
-          </p:cNvPr>
-          <p:cNvPicPr>
-            <a:picLocks noChangeAspect="1"/>
-          </p:cNvPicPr>
-          <p:nvPr/>
-        </p:nvPicPr>
-        <p:blipFill>
-          <a:blip r:embed="rId35">
-            <a:extLst>
-              <a:ext uri="{96DAC541-7B7A-43D3-8B79-37D633B846F1}">
-                <asvg:svgBlip xmlns="" xmlns:asvg="http://schemas.microsoft.com/office/drawing/2016/SVG/main" r:embed="rId24"/>
-              </a:ext>
-            </a:extLst>
-          </a:blip>
-          <a:stretch>
-            <a:fillRect/>
-          </a:stretch>
-        </p:blipFill>
-        <p:spPr>
-          <a:xfrm>
-            <a:off x="5957250" y="5164451"/>
-            <a:ext cx="457200" cy="457200"/>
-          </a:xfrm>
-          <a:prstGeom prst="rect">
-            <a:avLst/>
-          </a:prstGeom>
-        </p:spPr>
-      </p:pic>
-      <p:sp>
-        <p:nvSpPr>
-          <p:cNvPr id="121" name="TextBox 120">
-            <a:extLst>
-              <a:ext uri="{FF2B5EF4-FFF2-40B4-BE49-F238E27FC236}">
-                <a16:creationId xmlns:a16="http://schemas.microsoft.com/office/drawing/2014/main" id="{ADB72D6E-A69F-7245-BD75-7AEEB715630F}"/>
-              </a:ext>
-            </a:extLst>
-          </p:cNvPr>
-          <p:cNvSpPr txBox="1"/>
-          <p:nvPr/>
-        </p:nvSpPr>
-        <p:spPr>
-          <a:xfrm>
-            <a:off x="6831432" y="5614981"/>
-            <a:ext cx="1678903" cy="276999"/>
-          </a:xfrm>
-          <a:prstGeom prst="rect">
-            <a:avLst/>
-          </a:prstGeom>
-          <a:noFill/>
-        </p:spPr>
-        <p:txBody>
-          <a:bodyPr wrap="square" rtlCol="0">
-            <a:spAutoFit/>
-          </a:bodyPr>
-          <a:lstStyle/>
-          <a:p>
-            <a:pPr algn="ctr"/>
-            <a:r>
-              <a:rPr lang="en-US" sz="1200" dirty="0"/>
-              <a:t>AWS Service Catalog</a:t>
-            </a:r>
-          </a:p>
-        </p:txBody>
-      </p:sp>
-      <p:pic>
-        <p:nvPicPr>
-          <p:cNvPr id="122" name="Graphic 53">
-            <a:extLst>
-              <a:ext uri="{FF2B5EF4-FFF2-40B4-BE49-F238E27FC236}">
-                <a16:creationId xmlns:a16="http://schemas.microsoft.com/office/drawing/2014/main" id="{B305F2C0-EFAA-2249-90ED-07D219860D31}"/>
-              </a:ext>
-            </a:extLst>
-          </p:cNvPr>
-          <p:cNvPicPr>
-            <a:picLocks noChangeAspect="1"/>
-          </p:cNvPicPr>
-          <p:nvPr/>
-        </p:nvPicPr>
-        <p:blipFill>
-          <a:blip r:embed="rId36">
-            <a:extLst>
-              <a:ext uri="{96DAC541-7B7A-43D3-8B79-37D633B846F1}">
-                <asvg:svgBlip xmlns="" xmlns:asvg="http://schemas.microsoft.com/office/drawing/2016/SVG/main" r:embed="rId5"/>
-              </a:ext>
-            </a:extLst>
-          </a:blip>
-          <a:stretch>
-            <a:fillRect/>
-          </a:stretch>
-        </p:blipFill>
-        <p:spPr>
-          <a:xfrm>
-            <a:off x="7442283" y="5164451"/>
-            <a:ext cx="457200" cy="457200"/>
-          </a:xfrm>
-          <a:prstGeom prst="rect">
-            <a:avLst/>
-          </a:prstGeom>
-        </p:spPr>
-      </p:pic>
-      <p:grpSp>
-        <p:nvGrpSpPr>
-          <p:cNvPr id="32" name="Group 31"/>
-          <p:cNvGrpSpPr/>
-          <p:nvPr/>
-        </p:nvGrpSpPr>
-        <p:grpSpPr>
-          <a:xfrm>
-            <a:off x="1743959" y="903406"/>
-            <a:ext cx="1238084" cy="1086506"/>
-            <a:chOff x="1743959" y="885356"/>
-            <a:chExt cx="1238084" cy="1104555"/>
-          </a:xfrm>
-        </p:grpSpPr>
-        <p:cxnSp>
-          <p:nvCxnSpPr>
-            <p:cNvPr id="89" name="Straight Arrow Connector 88">
-              <a:extLst>
-                <a:ext uri="{FF2B5EF4-FFF2-40B4-BE49-F238E27FC236}">
-                  <a16:creationId xmlns:a16="http://schemas.microsoft.com/office/drawing/2014/main" id="{9D095CB6-90B5-DF4F-9F62-D3930E59C3F5}"/>
-                </a:ext>
-              </a:extLst>
-            </p:cNvPr>
-            <p:cNvCxnSpPr>
-              <a:endCxn id="11" idx="0"/>
-            </p:cNvCxnSpPr>
-            <p:nvPr/>
-          </p:nvCxnSpPr>
-          <p:spPr>
-            <a:xfrm>
-              <a:off x="1743959" y="895630"/>
-              <a:ext cx="0" cy="1094281"/>
-            </a:xfrm>
-            <a:prstGeom prst="straightConnector1">
-              <a:avLst/>
-            </a:prstGeom>
-            <a:ln w="12700">
-              <a:solidFill>
-                <a:srgbClr val="545B64"/>
-              </a:solidFill>
-              <a:headEnd type="arrow" w="med" len="sm"/>
-              <a:tailEnd type="arrow" w="med" len="sm"/>
-            </a:ln>
-          </p:spPr>
-          <p:style>
-            <a:lnRef idx="1">
-              <a:schemeClr val="accent1"/>
-            </a:lnRef>
-            <a:fillRef idx="0">
-              <a:schemeClr val="accent1"/>
-            </a:fillRef>
-            <a:effectRef idx="0">
-              <a:schemeClr val="accent1"/>
-            </a:effectRef>
-            <a:fontRef idx="minor">
-              <a:schemeClr val="tx1"/>
-            </a:fontRef>
-          </p:style>
-        </p:cxnSp>
-        <p:cxnSp>
-          <p:nvCxnSpPr>
-            <p:cNvPr id="98" name="Straight Arrow Connector 97">
-              <a:extLst>
-                <a:ext uri="{FF2B5EF4-FFF2-40B4-BE49-F238E27FC236}">
-                  <a16:creationId xmlns:a16="http://schemas.microsoft.com/office/drawing/2014/main" id="{9D095CB6-90B5-DF4F-9F62-D3930E59C3F5}"/>
-                </a:ext>
-              </a:extLst>
-            </p:cNvPr>
-            <p:cNvCxnSpPr>
-              <a:endCxn id="18" idx="0"/>
-            </p:cNvCxnSpPr>
-            <p:nvPr/>
-          </p:nvCxnSpPr>
-          <p:spPr>
-            <a:xfrm flipH="1">
-              <a:off x="2982043" y="885356"/>
-              <a:ext cx="0" cy="1104555"/>
-            </a:xfrm>
-            <a:prstGeom prst="straightConnector1">
-              <a:avLst/>
-            </a:prstGeom>
-            <a:ln w="12700">
-              <a:solidFill>
-                <a:srgbClr val="545B64"/>
-              </a:solidFill>
-              <a:headEnd type="arrow" w="med" len="sm"/>
-              <a:tailEnd type="arrow" w="med" len="sm"/>
-            </a:ln>
-          </p:spPr>
-          <p:style>
-            <a:lnRef idx="1">
-              <a:schemeClr val="accent1"/>
-            </a:lnRef>
-            <a:fillRef idx="0">
-              <a:schemeClr val="accent1"/>
-            </a:fillRef>
-            <a:effectRef idx="0">
-              <a:schemeClr val="accent1"/>
-            </a:effectRef>
-            <a:fontRef idx="minor">
-              <a:schemeClr val="tx1"/>
-            </a:fontRef>
-          </p:style>
-        </p:cxnSp>
-      </p:grpSp>
-      <p:cxnSp>
-        <p:nvCxnSpPr>
-          <p:cNvPr id="100" name="Straight Arrow Connector 99">
-            <a:extLst>
-              <a:ext uri="{FF2B5EF4-FFF2-40B4-BE49-F238E27FC236}">
-                <a16:creationId xmlns:a16="http://schemas.microsoft.com/office/drawing/2014/main" id="{9D095CB6-90B5-DF4F-9F62-D3930E59C3F5}"/>
-              </a:ext>
-            </a:extLst>
-          </p:cNvPr>
-          <p:cNvCxnSpPr>
-            <a:endCxn id="72" idx="0"/>
-          </p:cNvCxnSpPr>
-          <p:nvPr/>
-        </p:nvCxnSpPr>
-        <p:spPr>
-          <a:xfrm>
-            <a:off x="5722070" y="903975"/>
-            <a:ext cx="0" cy="1072048"/>
-          </a:xfrm>
-          <a:prstGeom prst="straightConnector1">
-            <a:avLst/>
-          </a:prstGeom>
-          <a:ln w="12700">
-            <a:solidFill>
-              <a:srgbClr val="545B64"/>
-            </a:solidFill>
-            <a:headEnd type="arrow" w="med" len="sm"/>
-            <a:tailEnd type="arrow" w="med" len="sm"/>
-          </a:ln>
-        </p:spPr>
-        <p:style>
-          <a:lnRef idx="1">
-            <a:schemeClr val="accent1"/>
-          </a:lnRef>
-          <a:fillRef idx="0">
-            <a:schemeClr val="accent1"/>
-          </a:fillRef>
-          <a:effectRef idx="0">
-            <a:schemeClr val="accent1"/>
-          </a:effectRef>
-          <a:fontRef idx="minor">
-            <a:schemeClr val="tx1"/>
-          </a:fontRef>
-        </p:style>
-      </p:cxnSp>
-      <p:cxnSp>
-        <p:nvCxnSpPr>
-          <p:cNvPr id="105" name="Straight Arrow Connector 104">
-            <a:extLst>
-              <a:ext uri="{FF2B5EF4-FFF2-40B4-BE49-F238E27FC236}">
-                <a16:creationId xmlns:a16="http://schemas.microsoft.com/office/drawing/2014/main" id="{9D095CB6-90B5-DF4F-9F62-D3930E59C3F5}"/>
-              </a:ext>
-            </a:extLst>
-          </p:cNvPr>
-          <p:cNvCxnSpPr>
-            <a:endCxn id="77" idx="0"/>
-          </p:cNvCxnSpPr>
-          <p:nvPr/>
-        </p:nvCxnSpPr>
-        <p:spPr>
-          <a:xfrm>
-            <a:off x="6932122" y="903406"/>
-            <a:ext cx="0" cy="1072617"/>
-          </a:xfrm>
-          <a:prstGeom prst="straightConnector1">
-            <a:avLst/>
-          </a:prstGeom>
-          <a:ln w="12700">
-            <a:solidFill>
-              <a:srgbClr val="545B64"/>
-            </a:solidFill>
-            <a:headEnd type="arrow" w="med" len="sm"/>
-            <a:tailEnd type="arrow" w="med" len="sm"/>
-          </a:ln>
-        </p:spPr>
-        <p:style>
-          <a:lnRef idx="1">
-            <a:schemeClr val="accent1"/>
-          </a:lnRef>
-          <a:fillRef idx="0">
-            <a:schemeClr val="accent1"/>
-          </a:fillRef>
-          <a:effectRef idx="0">
-            <a:schemeClr val="accent1"/>
-          </a:effectRef>
-          <a:fontRef idx="minor">
-            <a:schemeClr val="tx1"/>
-          </a:fontRef>
-        </p:style>
-      </p:cxnSp>
-      <p:sp>
-        <p:nvSpPr>
           <p:cNvPr id="70" name="Rectangle 69">
             <a:extLst>
               <a:ext uri="{FF2B5EF4-FFF2-40B4-BE49-F238E27FC236}">
@@ -5317,7 +4880,7 @@
         </p:nvSpPr>
         <p:spPr bwMode="auto">
           <a:xfrm>
-            <a:off x="1162864" y="1318188"/>
+            <a:off x="1162864" y="1257228"/>
             <a:ext cx="1177077" cy="4663405"/>
           </a:xfrm>
           <a:prstGeom prst="rect">
@@ -5386,7 +4949,7 @@
         </p:nvSpPr>
         <p:spPr bwMode="auto">
           <a:xfrm>
-            <a:off x="2389915" y="1319757"/>
+            <a:off x="2389915" y="1258797"/>
             <a:ext cx="1177077" cy="4663405"/>
           </a:xfrm>
           <a:prstGeom prst="rect">
@@ -5470,7 +5033,7 @@
         </p:nvSpPr>
         <p:spPr bwMode="auto">
           <a:xfrm>
-            <a:off x="9094695" y="1316619"/>
+            <a:off x="8738239" y="1255659"/>
             <a:ext cx="1177077" cy="4666543"/>
           </a:xfrm>
           <a:prstGeom prst="rect">
@@ -5539,7 +5102,7 @@
         </p:nvSpPr>
         <p:spPr bwMode="auto">
           <a:xfrm>
-            <a:off x="10321746" y="1318188"/>
+            <a:off x="9965290" y="1257228"/>
             <a:ext cx="1177077" cy="4666543"/>
           </a:xfrm>
           <a:prstGeom prst="rect">
@@ -5623,7 +5186,7 @@
         </p:nvSpPr>
         <p:spPr>
           <a:xfrm>
-            <a:off x="5232694" y="3403646"/>
+            <a:off x="5054596" y="3342686"/>
             <a:ext cx="993475" cy="1143000"/>
           </a:xfrm>
           <a:prstGeom prst="rect">
@@ -5660,11 +5223,10 @@
           <a:lstStyle/>
           <a:p>
             <a:r>
-              <a:rPr lang="en-US" sz="1200" dirty="0">
+              <a:rPr lang="en-US" sz="1000" dirty="0">
                 <a:solidFill>
                   <a:srgbClr val="5B9CD5"/>
                 </a:solidFill>
-                <a:latin typeface="Arial" panose="020B0604020202020204" pitchFamily="34" charset="0"/>
                 <a:cs typeface="Arial" panose="020B0604020202020204" pitchFamily="34" charset="0"/>
               </a:rPr>
               <a:t>Private subnet</a:t>
@@ -5686,7 +5248,7 @@
         </p:nvSpPr>
         <p:spPr>
           <a:xfrm>
-            <a:off x="5232694" y="1976023"/>
+            <a:off x="5054596" y="1915063"/>
             <a:ext cx="993475" cy="1213927"/>
           </a:xfrm>
           <a:prstGeom prst="rect">
@@ -5731,11 +5293,10 @@
               <a:defRPr/>
             </a:pPr>
             <a:r>
-              <a:rPr lang="en-US" sz="1200" dirty="0">
+              <a:rPr lang="en-US" sz="1000" dirty="0">
                 <a:solidFill>
                   <a:srgbClr val="1E8900"/>
                 </a:solidFill>
-                <a:latin typeface="Arial" panose="020B0604020202020204" pitchFamily="34" charset="0"/>
                 <a:cs typeface="Arial" panose="020B0604020202020204" pitchFamily="34" charset="0"/>
               </a:rPr>
               <a:t>Public subnet</a:t>
@@ -5761,7 +5322,7 @@
           <a:blip r:embed="rId2">
             <a:extLst>
               <a:ext uri="{96DAC541-7B7A-43D3-8B79-37D633B846F1}">
-                <asvg:svgBlip xmlns="" xmlns:asvg="http://schemas.microsoft.com/office/drawing/2016/SVG/main" r:embed="rId25"/>
+                <asvg:svgBlip xmlns:asvg="http://schemas.microsoft.com/office/drawing/2016/SVG/main" xmlns="" r:embed="rId25"/>
               </a:ext>
             </a:extLst>
           </a:blip>
@@ -5771,7 +5332,7 @@
         </p:blipFill>
         <p:spPr>
           <a:xfrm>
-            <a:off x="5232694" y="1973665"/>
+            <a:off x="5054596" y="1912705"/>
             <a:ext cx="274320" cy="274320"/>
           </a:xfrm>
           <a:prstGeom prst="rect">
@@ -5797,7 +5358,7 @@
           <a:blip r:embed="rId26">
             <a:extLst>
               <a:ext uri="{96DAC541-7B7A-43D3-8B79-37D633B846F1}">
-                <asvg:svgBlip xmlns="" xmlns:asvg="http://schemas.microsoft.com/office/drawing/2016/SVG/main" r:embed="rId27"/>
+                <asvg:svgBlip xmlns:asvg="http://schemas.microsoft.com/office/drawing/2016/SVG/main" xmlns="" r:embed="rId27"/>
               </a:ext>
             </a:extLst>
           </a:blip>
@@ -5807,7 +5368,7 @@
         </p:blipFill>
         <p:spPr>
           <a:xfrm>
-            <a:off x="5232694" y="3403646"/>
+            <a:off x="5054596" y="3342686"/>
             <a:ext cx="274320" cy="274320"/>
           </a:xfrm>
           <a:prstGeom prst="rect">
@@ -5829,8 +5390,8 @@
         </p:nvSpPr>
         <p:spPr>
           <a:xfrm>
-            <a:off x="4714330" y="1589892"/>
-            <a:ext cx="2900694" cy="3023779"/>
+            <a:off x="4536232" y="1528932"/>
+            <a:ext cx="2900694" cy="4305822"/>
           </a:xfrm>
           <a:prstGeom prst="rect">
             <a:avLst/>
@@ -5863,12 +5424,11 @@
           <a:lstStyle/>
           <a:p>
             <a:r>
-              <a:rPr lang="en-US" sz="1200" dirty="0">
+              <a:rPr lang="en-US" sz="1000" dirty="0">
                 <a:ln w="0"/>
                 <a:solidFill>
                   <a:srgbClr val="1E8900"/>
                 </a:solidFill>
-                <a:latin typeface="Arial" panose="020B0604020202020204" pitchFamily="34" charset="0"/>
                 <a:cs typeface="Arial" panose="020B0604020202020204" pitchFamily="34" charset="0"/>
               </a:rPr>
               <a:t>Management VPC</a:t>
@@ -5876,42 +5436,6 @@
           </a:p>
         </p:txBody>
       </p:sp>
-      <p:pic>
-        <p:nvPicPr>
-          <p:cNvPr id="76" name="Graphic 66">
-            <a:extLst>
-              <a:ext uri="{FF2B5EF4-FFF2-40B4-BE49-F238E27FC236}">
-                <a16:creationId xmlns:a16="http://schemas.microsoft.com/office/drawing/2014/main" id="{811370A0-DDEF-2649-86F1-55809DBD16DB}"/>
-              </a:ext>
-            </a:extLst>
-          </p:cNvPr>
-          <p:cNvPicPr>
-            <a:picLocks noChangeAspect="1"/>
-          </p:cNvPicPr>
-          <p:nvPr/>
-        </p:nvPicPr>
-        <p:blipFill>
-          <a:blip r:embed="rId28">
-            <a:extLst>
-              <a:ext uri="{96DAC541-7B7A-43D3-8B79-37D633B846F1}">
-                <asvg:svgBlip xmlns="" xmlns:asvg="http://schemas.microsoft.com/office/drawing/2016/SVG/main" r:embed="rId23"/>
-              </a:ext>
-            </a:extLst>
-          </a:blip>
-          <a:stretch>
-            <a:fillRect/>
-          </a:stretch>
-        </p:blipFill>
-        <p:spPr>
-          <a:xfrm>
-            <a:off x="4714331" y="1589893"/>
-            <a:ext cx="330200" cy="330200"/>
-          </a:xfrm>
-          <a:prstGeom prst="rect">
-            <a:avLst/>
-          </a:prstGeom>
-        </p:spPr>
-      </p:pic>
       <p:sp>
         <p:nvSpPr>
           <p:cNvPr id="77" name="Rectangle 76">
@@ -5926,7 +5450,7 @@
         </p:nvSpPr>
         <p:spPr>
           <a:xfrm>
-            <a:off x="6450409" y="1976023"/>
+            <a:off x="6272311" y="1915063"/>
             <a:ext cx="993475" cy="1213927"/>
           </a:xfrm>
           <a:prstGeom prst="rect">
@@ -5971,11 +5495,10 @@
               <a:defRPr/>
             </a:pPr>
             <a:r>
-              <a:rPr lang="en-US" sz="1200" dirty="0">
+              <a:rPr lang="en-US" sz="1000" dirty="0">
                 <a:solidFill>
                   <a:srgbClr val="1E8900"/>
                 </a:solidFill>
-                <a:latin typeface="Arial" panose="020B0604020202020204" pitchFamily="34" charset="0"/>
                 <a:cs typeface="Arial" panose="020B0604020202020204" pitchFamily="34" charset="0"/>
               </a:rPr>
               <a:t>Public subnet</a:t>
@@ -6001,7 +5524,7 @@
           <a:blip r:embed="rId2">
             <a:extLst>
               <a:ext uri="{96DAC541-7B7A-43D3-8B79-37D633B846F1}">
-                <asvg:svgBlip xmlns="" xmlns:asvg="http://schemas.microsoft.com/office/drawing/2016/SVG/main" r:embed="rId25"/>
+                <asvg:svgBlip xmlns:asvg="http://schemas.microsoft.com/office/drawing/2016/SVG/main" xmlns="" r:embed="rId25"/>
               </a:ext>
             </a:extLst>
           </a:blip>
@@ -6011,7 +5534,7 @@
         </p:blipFill>
         <p:spPr>
           <a:xfrm>
-            <a:off x="6450409" y="1973665"/>
+            <a:off x="6272311" y="1912705"/>
             <a:ext cx="274320" cy="274320"/>
           </a:xfrm>
           <a:prstGeom prst="rect">
@@ -6033,7 +5556,7 @@
         </p:nvSpPr>
         <p:spPr>
           <a:xfrm>
-            <a:off x="6450409" y="3403646"/>
+            <a:off x="6272311" y="3342686"/>
             <a:ext cx="993475" cy="1143000"/>
           </a:xfrm>
           <a:prstGeom prst="rect">
@@ -6070,11 +5593,10 @@
           <a:lstStyle/>
           <a:p>
             <a:r>
-              <a:rPr lang="en-US" sz="1200" dirty="0">
+              <a:rPr lang="en-US" sz="1000" dirty="0">
                 <a:solidFill>
                   <a:srgbClr val="5B9CD5"/>
                 </a:solidFill>
-                <a:latin typeface="Arial" panose="020B0604020202020204" pitchFamily="34" charset="0"/>
                 <a:cs typeface="Arial" panose="020B0604020202020204" pitchFamily="34" charset="0"/>
               </a:rPr>
               <a:t>Private subnet</a:t>
@@ -6100,7 +5622,7 @@
           <a:blip r:embed="rId26">
             <a:extLst>
               <a:ext uri="{96DAC541-7B7A-43D3-8B79-37D633B846F1}">
-                <asvg:svgBlip xmlns="" xmlns:asvg="http://schemas.microsoft.com/office/drawing/2016/SVG/main" r:embed="rId27"/>
+                <asvg:svgBlip xmlns:asvg="http://schemas.microsoft.com/office/drawing/2016/SVG/main" xmlns="" r:embed="rId27"/>
               </a:ext>
             </a:extLst>
           </a:blip>
@@ -6110,7 +5632,7 @@
         </p:blipFill>
         <p:spPr>
           <a:xfrm>
-            <a:off x="6450409" y="3403646"/>
+            <a:off x="6272311" y="3342686"/>
             <a:ext cx="274320" cy="274320"/>
           </a:xfrm>
           <a:prstGeom prst="rect">
@@ -6120,174 +5642,6 @@
       </p:pic>
       <p:sp>
         <p:nvSpPr>
-          <p:cNvPr id="93" name="TextBox 92">
-            <a:extLst>
-              <a:ext uri="{FF2B5EF4-FFF2-40B4-BE49-F238E27FC236}">
-                <a16:creationId xmlns:a16="http://schemas.microsoft.com/office/drawing/2014/main" id="{60935D17-F26E-9E49-B2C9-D8C92D6E6BE5}"/>
-              </a:ext>
-            </a:extLst>
-          </p:cNvPr>
-          <p:cNvSpPr txBox="1"/>
-          <p:nvPr/>
-        </p:nvSpPr>
-        <p:spPr>
-          <a:xfrm>
-            <a:off x="5121796" y="2793312"/>
-            <a:ext cx="1269288" cy="461665"/>
-          </a:xfrm>
-          <a:prstGeom prst="rect">
-            <a:avLst/>
-          </a:prstGeom>
-          <a:noFill/>
-        </p:spPr>
-        <p:txBody>
-          <a:bodyPr wrap="square" rtlCol="0">
-            <a:spAutoFit/>
-          </a:bodyPr>
-          <a:lstStyle/>
-          <a:p>
-            <a:pPr algn="ctr"/>
-            <a:r>
-              <a:rPr lang="en-US" sz="1200" dirty="0"/>
-              <a:t>AWS </a:t>
-            </a:r>
-            <a:r>
-              <a:rPr lang="en-US" sz="1200" dirty="0" smtClean="0"/>
-              <a:t>client </a:t>
-            </a:r>
-            <a:br>
-              <a:rPr lang="en-US" sz="1200" dirty="0" smtClean="0"/>
-            </a:br>
-            <a:r>
-              <a:rPr lang="en-US" sz="1200" dirty="0" smtClean="0"/>
-              <a:t>VPN</a:t>
-            </a:r>
-            <a:endParaRPr lang="en-US" sz="1200" dirty="0"/>
-          </a:p>
-        </p:txBody>
-      </p:sp>
-      <p:pic>
-        <p:nvPicPr>
-          <p:cNvPr id="94" name="Graphic 8">
-            <a:extLst>
-              <a:ext uri="{FF2B5EF4-FFF2-40B4-BE49-F238E27FC236}">
-                <a16:creationId xmlns:a16="http://schemas.microsoft.com/office/drawing/2014/main" id="{08544911-B4B6-2A4F-92AD-6997553850A5}"/>
-              </a:ext>
-            </a:extLst>
-          </p:cNvPr>
-          <p:cNvPicPr>
-            <a:picLocks noChangeAspect="1"/>
-          </p:cNvPicPr>
-          <p:nvPr/>
-        </p:nvPicPr>
-        <p:blipFill>
-          <a:blip r:embed="rId37">
-            <a:extLst>
-              <a:ext uri="{96DAC541-7B7A-43D3-8B79-37D633B846F1}">
-                <asvg:svgBlip xmlns="" xmlns:asvg="http://schemas.microsoft.com/office/drawing/2016/SVG/main" r:embed="rId8"/>
-              </a:ext>
-            </a:extLst>
-          </a:blip>
-          <a:stretch>
-            <a:fillRect/>
-          </a:stretch>
-        </p:blipFill>
-        <p:spPr>
-          <a:xfrm>
-            <a:off x="5560360" y="2412735"/>
-            <a:ext cx="392160" cy="392160"/>
-          </a:xfrm>
-          <a:prstGeom prst="rect">
-            <a:avLst/>
-          </a:prstGeom>
-        </p:spPr>
-      </p:pic>
-      <p:sp>
-        <p:nvSpPr>
-          <p:cNvPr id="95" name="TextBox 94">
-            <a:extLst>
-              <a:ext uri="{FF2B5EF4-FFF2-40B4-BE49-F238E27FC236}">
-                <a16:creationId xmlns:a16="http://schemas.microsoft.com/office/drawing/2014/main" id="{60935D17-F26E-9E49-B2C9-D8C92D6E6BE5}"/>
-              </a:ext>
-            </a:extLst>
-          </p:cNvPr>
-          <p:cNvSpPr txBox="1"/>
-          <p:nvPr/>
-        </p:nvSpPr>
-        <p:spPr>
-          <a:xfrm>
-            <a:off x="6331812" y="2793312"/>
-            <a:ext cx="1269288" cy="461665"/>
-          </a:xfrm>
-          <a:prstGeom prst="rect">
-            <a:avLst/>
-          </a:prstGeom>
-          <a:noFill/>
-        </p:spPr>
-        <p:txBody>
-          <a:bodyPr wrap="square" rtlCol="0">
-            <a:spAutoFit/>
-          </a:bodyPr>
-          <a:lstStyle/>
-          <a:p>
-            <a:pPr algn="ctr"/>
-            <a:r>
-              <a:rPr lang="en-US" sz="1200" dirty="0"/>
-              <a:t>AWS </a:t>
-            </a:r>
-            <a:r>
-              <a:rPr lang="en-US" sz="1200" dirty="0" smtClean="0"/>
-              <a:t>client </a:t>
-            </a:r>
-            <a:br>
-              <a:rPr lang="en-US" sz="1200" dirty="0" smtClean="0"/>
-            </a:br>
-            <a:r>
-              <a:rPr lang="en-US" sz="1200" dirty="0" smtClean="0"/>
-              <a:t>VPN</a:t>
-            </a:r>
-            <a:endParaRPr lang="en-US" sz="1200" dirty="0"/>
-          </a:p>
-        </p:txBody>
-      </p:sp>
-      <p:pic>
-        <p:nvPicPr>
-          <p:cNvPr id="96" name="Graphic 8">
-            <a:extLst>
-              <a:ext uri="{FF2B5EF4-FFF2-40B4-BE49-F238E27FC236}">
-                <a16:creationId xmlns:a16="http://schemas.microsoft.com/office/drawing/2014/main" id="{08544911-B4B6-2A4F-92AD-6997553850A5}"/>
-              </a:ext>
-            </a:extLst>
-          </p:cNvPr>
-          <p:cNvPicPr>
-            <a:picLocks noChangeAspect="1"/>
-          </p:cNvPicPr>
-          <p:nvPr/>
-        </p:nvPicPr>
-        <p:blipFill>
-          <a:blip r:embed="rId37">
-            <a:extLst>
-              <a:ext uri="{96DAC541-7B7A-43D3-8B79-37D633B846F1}">
-                <asvg:svgBlip xmlns="" xmlns:asvg="http://schemas.microsoft.com/office/drawing/2016/SVG/main" r:embed="rId8"/>
-              </a:ext>
-            </a:extLst>
-          </a:blip>
-          <a:stretch>
-            <a:fillRect/>
-          </a:stretch>
-        </p:blipFill>
-        <p:spPr>
-          <a:xfrm>
-            <a:off x="6770376" y="2412735"/>
-            <a:ext cx="392160" cy="392160"/>
-          </a:xfrm>
-          <a:prstGeom prst="rect">
-            <a:avLst/>
-          </a:prstGeom>
-        </p:spPr>
-      </p:pic>
-      <p:sp>
-        <p:nvSpPr>
           <p:cNvPr id="84" name="Rectangle 83">
             <a:extLst>
               <a:ext uri="{FF2B5EF4-FFF2-40B4-BE49-F238E27FC236}">
@@ -6300,8 +5654,8 @@
         </p:nvSpPr>
         <p:spPr bwMode="auto">
           <a:xfrm>
-            <a:off x="5127581" y="1329827"/>
-            <a:ext cx="1177077" cy="3372859"/>
+            <a:off x="4949483" y="1268867"/>
+            <a:ext cx="1177077" cy="4651766"/>
           </a:xfrm>
           <a:prstGeom prst="rect">
             <a:avLst/>
@@ -6369,8 +5723,8 @@
         </p:nvSpPr>
         <p:spPr bwMode="auto">
           <a:xfrm>
-            <a:off x="6354632" y="1331396"/>
-            <a:ext cx="1177077" cy="3372859"/>
+            <a:off x="6176534" y="1270436"/>
+            <a:ext cx="1177077" cy="4651766"/>
           </a:xfrm>
           <a:prstGeom prst="rect">
             <a:avLst/>
@@ -6453,8 +5807,8 @@
         </p:nvSpPr>
         <p:spPr bwMode="auto">
           <a:xfrm>
-            <a:off x="666252" y="1029365"/>
-            <a:ext cx="11003971" cy="5098059"/>
+            <a:off x="666252" y="968405"/>
+            <a:ext cx="11003971" cy="5766642"/>
           </a:xfrm>
           <a:prstGeom prst="rect">
             <a:avLst/>
@@ -6510,42 +5864,6 @@
       </p:sp>
       <p:pic>
         <p:nvPicPr>
-          <p:cNvPr id="108" name="Graphic 41">
-            <a:extLst>
-              <a:ext uri="{FF2B5EF4-FFF2-40B4-BE49-F238E27FC236}">
-                <a16:creationId xmlns:a16="http://schemas.microsoft.com/office/drawing/2014/main" id="{1A56C62F-612C-5841-B7E7-B15DA92D0BDE}"/>
-              </a:ext>
-            </a:extLst>
-          </p:cNvPr>
-          <p:cNvPicPr>
-            <a:picLocks noChangeAspect="1"/>
-          </p:cNvPicPr>
-          <p:nvPr/>
-        </p:nvPicPr>
-        <p:blipFill>
-          <a:blip r:embed="rId31">
-            <a:extLst>
-              <a:ext uri="{96DAC541-7B7A-43D3-8B79-37D633B846F1}">
-                <asvg:svgBlip xmlns="" xmlns:asvg="http://schemas.microsoft.com/office/drawing/2016/SVG/main" r:embed="rId33"/>
-              </a:ext>
-            </a:extLst>
-          </a:blip>
-          <a:stretch>
-            <a:fillRect/>
-          </a:stretch>
-        </p:blipFill>
-        <p:spPr>
-          <a:xfrm flipH="1">
-            <a:off x="2189910" y="299024"/>
-            <a:ext cx="395845" cy="384642"/>
-          </a:xfrm>
-          <a:prstGeom prst="rect">
-            <a:avLst/>
-          </a:prstGeom>
-        </p:spPr>
-      </p:pic>
-      <p:pic>
-        <p:nvPicPr>
           <p:cNvPr id="109" name="Graphic 8">
             <a:extLst>
               <a:ext uri="{FF2B5EF4-FFF2-40B4-BE49-F238E27FC236}">
@@ -6559,7 +5877,7 @@
           <p:nvPr/>
         </p:nvPicPr>
         <p:blipFill>
-          <a:blip r:embed="rId38" cstate="print">
+          <a:blip r:embed="rId33" cstate="print">
             <a:extLst>
               <a:ext uri="{28A0092B-C50C-407E-A947-70E740481C1C}">
                 <a14:useLocalDpi xmlns:a14="http://schemas.microsoft.com/office/drawing/2010/main" val="0"/>
@@ -6573,7 +5891,7 @@
         </p:blipFill>
         <p:spPr bwMode="auto">
           <a:xfrm>
-            <a:off x="666128" y="1029365"/>
+            <a:off x="666128" y="968405"/>
             <a:ext cx="330200" cy="330200"/>
           </a:xfrm>
           <a:prstGeom prst="rect">
@@ -6604,6 +5922,1035 @@
           </a:extLst>
         </p:spPr>
       </p:pic>
+      <p:pic>
+        <p:nvPicPr>
+          <p:cNvPr id="91" name="Graphic 8">
+            <a:extLst>
+              <a:ext uri="{FF2B5EF4-FFF2-40B4-BE49-F238E27FC236}">
+                <a16:creationId xmlns:a16="http://schemas.microsoft.com/office/drawing/2014/main" id="{08544911-B4B6-2A4F-92AD-6997553850A5}"/>
+              </a:ext>
+            </a:extLst>
+          </p:cNvPr>
+          <p:cNvPicPr>
+            <a:picLocks noChangeAspect="1"/>
+          </p:cNvPicPr>
+          <p:nvPr/>
+        </p:nvPicPr>
+        <p:blipFill>
+          <a:blip r:embed="rId34">
+            <a:extLst>
+              <a:ext uri="{96DAC541-7B7A-43D3-8B79-37D633B846F1}">
+                <asvg:svgBlip xmlns:asvg="http://schemas.microsoft.com/office/drawing/2016/SVG/main" xmlns="" r:embed="rId8"/>
+              </a:ext>
+            </a:extLst>
+          </a:blip>
+          <a:stretch>
+            <a:fillRect/>
+          </a:stretch>
+        </p:blipFill>
+        <p:spPr>
+          <a:xfrm>
+            <a:off x="5382262" y="2460261"/>
+            <a:ext cx="392160" cy="392160"/>
+          </a:xfrm>
+          <a:prstGeom prst="rect">
+            <a:avLst/>
+          </a:prstGeom>
+        </p:spPr>
+      </p:pic>
+      <p:pic>
+        <p:nvPicPr>
+          <p:cNvPr id="103" name="Graphic 8">
+            <a:extLst>
+              <a:ext uri="{FF2B5EF4-FFF2-40B4-BE49-F238E27FC236}">
+                <a16:creationId xmlns:a16="http://schemas.microsoft.com/office/drawing/2014/main" id="{08544911-B4B6-2A4F-92AD-6997553850A5}"/>
+              </a:ext>
+            </a:extLst>
+          </p:cNvPr>
+          <p:cNvPicPr>
+            <a:picLocks noChangeAspect="1"/>
+          </p:cNvPicPr>
+          <p:nvPr/>
+        </p:nvPicPr>
+        <p:blipFill>
+          <a:blip r:embed="rId34">
+            <a:extLst>
+              <a:ext uri="{96DAC541-7B7A-43D3-8B79-37D633B846F1}">
+                <asvg:svgBlip xmlns:asvg="http://schemas.microsoft.com/office/drawing/2016/SVG/main" xmlns="" r:embed="rId8"/>
+              </a:ext>
+            </a:extLst>
+          </a:blip>
+          <a:stretch>
+            <a:fillRect/>
+          </a:stretch>
+        </p:blipFill>
+        <p:spPr>
+          <a:xfrm>
+            <a:off x="6592278" y="2460261"/>
+            <a:ext cx="392160" cy="392160"/>
+          </a:xfrm>
+          <a:prstGeom prst="rect">
+            <a:avLst/>
+          </a:prstGeom>
+        </p:spPr>
+      </p:pic>
+      <p:sp>
+        <p:nvSpPr>
+          <p:cNvPr id="110" name="Rectangle 109"/>
+          <p:cNvSpPr/>
+          <p:nvPr/>
+        </p:nvSpPr>
+        <p:spPr>
+          <a:xfrm>
+            <a:off x="6067669" y="2888672"/>
+            <a:ext cx="194831" cy="196692"/>
+          </a:xfrm>
+          <a:prstGeom prst="rect">
+            <a:avLst/>
+          </a:prstGeom>
+          <a:solidFill>
+            <a:schemeClr val="bg1"/>
+          </a:solidFill>
+          <a:ln>
+            <a:noFill/>
+          </a:ln>
+        </p:spPr>
+        <p:style>
+          <a:lnRef idx="2">
+            <a:schemeClr val="accent1">
+              <a:shade val="50000"/>
+            </a:schemeClr>
+          </a:lnRef>
+          <a:fillRef idx="1">
+            <a:schemeClr val="accent1"/>
+          </a:fillRef>
+          <a:effectRef idx="0">
+            <a:schemeClr val="accent1"/>
+          </a:effectRef>
+          <a:fontRef idx="minor">
+            <a:schemeClr val="lt1"/>
+          </a:fontRef>
+        </p:style>
+        <p:txBody>
+          <a:bodyPr rtlCol="0" anchor="ctr"/>
+          <a:lstStyle/>
+          <a:p>
+            <a:pPr algn="ctr"/>
+            <a:endParaRPr lang="en-US"/>
+          </a:p>
+        </p:txBody>
+      </p:sp>
+      <p:sp>
+        <p:nvSpPr>
+          <p:cNvPr id="111" name="TextBox 110">
+            <a:extLst>
+              <a:ext uri="{FF2B5EF4-FFF2-40B4-BE49-F238E27FC236}">
+                <a16:creationId xmlns:a16="http://schemas.microsoft.com/office/drawing/2014/main" id="{60935D17-F26E-9E49-B2C9-D8C92D6E6BE5}"/>
+              </a:ext>
+            </a:extLst>
+          </p:cNvPr>
+          <p:cNvSpPr txBox="1"/>
+          <p:nvPr/>
+        </p:nvSpPr>
+        <p:spPr>
+          <a:xfrm>
+            <a:off x="5519236" y="2879861"/>
+            <a:ext cx="1269288" cy="246221"/>
+          </a:xfrm>
+          <a:prstGeom prst="rect">
+            <a:avLst/>
+          </a:prstGeom>
+          <a:noFill/>
+        </p:spPr>
+        <p:txBody>
+          <a:bodyPr wrap="square" rtlCol="0">
+            <a:spAutoFit/>
+          </a:bodyPr>
+          <a:lstStyle/>
+          <a:p>
+            <a:pPr algn="ctr"/>
+            <a:r>
+              <a:rPr lang="en-US" sz="1000" dirty="0"/>
+              <a:t>AWS </a:t>
+            </a:r>
+            <a:r>
+              <a:rPr lang="en-US" sz="1000" dirty="0" smtClean="0"/>
+              <a:t>client </a:t>
+            </a:r>
+            <a:r>
+              <a:rPr lang="en-US" sz="1000" dirty="0" smtClean="0"/>
+              <a:t>VPN</a:t>
+            </a:r>
+            <a:endParaRPr lang="en-US" sz="1000" dirty="0"/>
+          </a:p>
+        </p:txBody>
+      </p:sp>
+      <p:pic>
+        <p:nvPicPr>
+          <p:cNvPr id="112" name="Graphic 25">
+            <a:extLst>
+              <a:ext uri="{FF2B5EF4-FFF2-40B4-BE49-F238E27FC236}">
+                <a16:creationId xmlns:a16="http://schemas.microsoft.com/office/drawing/2014/main" id="{C3E9DE62-900E-904C-9642-0A5F63D57B4C}"/>
+              </a:ext>
+            </a:extLst>
+          </p:cNvPr>
+          <p:cNvPicPr>
+            <a:picLocks noChangeAspect="1"/>
+          </p:cNvPicPr>
+          <p:nvPr/>
+        </p:nvPicPr>
+        <p:blipFill>
+          <a:blip r:embed="rId35">
+            <a:extLst>
+              <a:ext uri="{96DAC541-7B7A-43D3-8B79-37D633B846F1}">
+                <asvg:svgBlip xmlns:asvg="http://schemas.microsoft.com/office/drawing/2016/SVG/main" xmlns="" r:embed="rId19"/>
+              </a:ext>
+            </a:extLst>
+          </a:blip>
+          <a:stretch>
+            <a:fillRect/>
+          </a:stretch>
+        </p:blipFill>
+        <p:spPr>
+          <a:xfrm>
+            <a:off x="5603532" y="70930"/>
+            <a:ext cx="376602" cy="376602"/>
+          </a:xfrm>
+          <a:prstGeom prst="rect">
+            <a:avLst/>
+          </a:prstGeom>
+        </p:spPr>
+      </p:pic>
+      <p:sp>
+        <p:nvSpPr>
+          <p:cNvPr id="113" name="TextBox 112">
+            <a:extLst>
+              <a:ext uri="{FF2B5EF4-FFF2-40B4-BE49-F238E27FC236}">
+                <a16:creationId xmlns:a16="http://schemas.microsoft.com/office/drawing/2014/main" id="{C5636447-DBCE-7C45-AD26-6BB1D3390243}"/>
+              </a:ext>
+            </a:extLst>
+          </p:cNvPr>
+          <p:cNvSpPr txBox="1"/>
+          <p:nvPr/>
+        </p:nvSpPr>
+        <p:spPr>
+          <a:xfrm>
+            <a:off x="5245718" y="385043"/>
+            <a:ext cx="1072750" cy="400110"/>
+          </a:xfrm>
+          <a:prstGeom prst="rect">
+            <a:avLst/>
+          </a:prstGeom>
+          <a:noFill/>
+        </p:spPr>
+        <p:txBody>
+          <a:bodyPr wrap="square" rtlCol="0">
+            <a:spAutoFit/>
+          </a:bodyPr>
+          <a:lstStyle/>
+          <a:p>
+            <a:pPr algn="ctr"/>
+            <a:r>
+              <a:rPr lang="en-US" sz="1000" dirty="0" smtClean="0">
+                <a:solidFill>
+                  <a:srgbClr val="232F3E"/>
+                </a:solidFill>
+              </a:rPr>
+              <a:t>Company</a:t>
+            </a:r>
+          </a:p>
+          <a:p>
+            <a:pPr algn="ctr"/>
+            <a:r>
+              <a:rPr lang="en-US" sz="1000" dirty="0" smtClean="0">
+                <a:solidFill>
+                  <a:srgbClr val="232F3E"/>
+                </a:solidFill>
+              </a:rPr>
+              <a:t>offices</a:t>
+            </a:r>
+            <a:endParaRPr lang="en-US" sz="1000" dirty="0">
+              <a:solidFill>
+                <a:srgbClr val="232F3E"/>
+              </a:solidFill>
+            </a:endParaRPr>
+          </a:p>
+        </p:txBody>
+      </p:sp>
+      <p:pic>
+        <p:nvPicPr>
+          <p:cNvPr id="114" name="Graphic 41">
+            <a:extLst>
+              <a:ext uri="{FF2B5EF4-FFF2-40B4-BE49-F238E27FC236}">
+                <a16:creationId xmlns:a16="http://schemas.microsoft.com/office/drawing/2014/main" id="{1A56C62F-612C-5841-B7E7-B15DA92D0BDE}"/>
+              </a:ext>
+            </a:extLst>
+          </p:cNvPr>
+          <p:cNvPicPr>
+            <a:picLocks noChangeAspect="1"/>
+          </p:cNvPicPr>
+          <p:nvPr/>
+        </p:nvPicPr>
+        <p:blipFill>
+          <a:blip r:embed="rId36">
+            <a:extLst>
+              <a:ext uri="{96DAC541-7B7A-43D3-8B79-37D633B846F1}">
+                <asvg:svgBlip xmlns:asvg="http://schemas.microsoft.com/office/drawing/2016/SVG/main" xmlns="" r:embed="rId37"/>
+              </a:ext>
+            </a:extLst>
+          </a:blip>
+          <a:stretch>
+            <a:fillRect/>
+          </a:stretch>
+        </p:blipFill>
+        <p:spPr>
+          <a:xfrm flipH="1">
+            <a:off x="6259290" y="215290"/>
+            <a:ext cx="395845" cy="384642"/>
+          </a:xfrm>
+          <a:prstGeom prst="rect">
+            <a:avLst/>
+          </a:prstGeom>
+        </p:spPr>
+      </p:pic>
+      <p:sp>
+        <p:nvSpPr>
+          <p:cNvPr id="115" name="TextBox 114">
+            <a:extLst>
+              <a:ext uri="{FF2B5EF4-FFF2-40B4-BE49-F238E27FC236}">
+                <a16:creationId xmlns:a16="http://schemas.microsoft.com/office/drawing/2014/main" id="{4EDB2C05-2F10-9C42-9C35-AE4BB249A665}"/>
+              </a:ext>
+            </a:extLst>
+          </p:cNvPr>
+          <p:cNvSpPr txBox="1"/>
+          <p:nvPr/>
+        </p:nvSpPr>
+        <p:spPr>
+          <a:xfrm>
+            <a:off x="5819514" y="537443"/>
+            <a:ext cx="1262428" cy="246221"/>
+          </a:xfrm>
+          <a:prstGeom prst="rect">
+            <a:avLst/>
+          </a:prstGeom>
+          <a:noFill/>
+        </p:spPr>
+        <p:txBody>
+          <a:bodyPr wrap="square" rtlCol="0">
+            <a:spAutoFit/>
+          </a:bodyPr>
+          <a:lstStyle/>
+          <a:p>
+            <a:pPr algn="ctr"/>
+            <a:r>
+              <a:rPr lang="en-US" sz="1000" dirty="0" smtClean="0">
+                <a:solidFill>
+                  <a:srgbClr val="232F3E"/>
+                </a:solidFill>
+              </a:rPr>
+              <a:t>Employees</a:t>
+            </a:r>
+            <a:endParaRPr lang="en-US" sz="1000" dirty="0" smtClean="0">
+              <a:solidFill>
+                <a:srgbClr val="232F3E"/>
+              </a:solidFill>
+            </a:endParaRPr>
+          </a:p>
+        </p:txBody>
+      </p:sp>
+      <p:sp>
+        <p:nvSpPr>
+          <p:cNvPr id="116" name="TextBox 115">
+            <a:extLst>
+              <a:ext uri="{FF2B5EF4-FFF2-40B4-BE49-F238E27FC236}">
+                <a16:creationId xmlns:a16="http://schemas.microsoft.com/office/drawing/2014/main" id="{4EDB2C05-2F10-9C42-9C35-AE4BB249A665}"/>
+              </a:ext>
+            </a:extLst>
+          </p:cNvPr>
+          <p:cNvSpPr txBox="1"/>
+          <p:nvPr/>
+        </p:nvSpPr>
+        <p:spPr>
+          <a:xfrm>
+            <a:off x="1516984" y="538101"/>
+            <a:ext cx="1702433" cy="246221"/>
+          </a:xfrm>
+          <a:prstGeom prst="rect">
+            <a:avLst/>
+          </a:prstGeom>
+          <a:noFill/>
+        </p:spPr>
+        <p:txBody>
+          <a:bodyPr wrap="square" rtlCol="0">
+            <a:spAutoFit/>
+          </a:bodyPr>
+          <a:lstStyle/>
+          <a:p>
+            <a:pPr algn="ctr"/>
+            <a:r>
+              <a:rPr lang="en-US" sz="1000" dirty="0" smtClean="0">
+                <a:solidFill>
+                  <a:srgbClr val="232F3E"/>
+                </a:solidFill>
+              </a:rPr>
+              <a:t>End users (customers)</a:t>
+            </a:r>
+            <a:endParaRPr lang="en-US" sz="1000" dirty="0">
+              <a:solidFill>
+                <a:srgbClr val="232F3E"/>
+              </a:solidFill>
+            </a:endParaRPr>
+          </a:p>
+        </p:txBody>
+      </p:sp>
+      <p:cxnSp>
+        <p:nvCxnSpPr>
+          <p:cNvPr id="123" name="Straight Arrow Connector 122">
+            <a:extLst>
+              <a:ext uri="{FF2B5EF4-FFF2-40B4-BE49-F238E27FC236}">
+                <a16:creationId xmlns:a16="http://schemas.microsoft.com/office/drawing/2014/main" id="{9D095CB6-90B5-DF4F-9F62-D3930E59C3F5}"/>
+              </a:ext>
+            </a:extLst>
+          </p:cNvPr>
+          <p:cNvCxnSpPr>
+            <a:endCxn id="11" idx="0"/>
+          </p:cNvCxnSpPr>
+          <p:nvPr/>
+        </p:nvCxnSpPr>
+        <p:spPr>
+          <a:xfrm>
+            <a:off x="1754900" y="783175"/>
+            <a:ext cx="0" cy="1145776"/>
+          </a:xfrm>
+          <a:prstGeom prst="straightConnector1">
+            <a:avLst/>
+          </a:prstGeom>
+          <a:ln w="12700">
+            <a:solidFill>
+              <a:srgbClr val="545B64"/>
+            </a:solidFill>
+            <a:headEnd type="arrow" w="med" len="sm"/>
+            <a:tailEnd type="arrow" w="med" len="sm"/>
+          </a:ln>
+        </p:spPr>
+        <p:style>
+          <a:lnRef idx="1">
+            <a:schemeClr val="accent1"/>
+          </a:lnRef>
+          <a:fillRef idx="0">
+            <a:schemeClr val="accent1"/>
+          </a:fillRef>
+          <a:effectRef idx="0">
+            <a:schemeClr val="accent1"/>
+          </a:effectRef>
+          <a:fontRef idx="minor">
+            <a:schemeClr val="tx1"/>
+          </a:fontRef>
+        </p:style>
+      </p:cxnSp>
+      <p:cxnSp>
+        <p:nvCxnSpPr>
+          <p:cNvPr id="124" name="Straight Arrow Connector 123">
+            <a:extLst>
+              <a:ext uri="{FF2B5EF4-FFF2-40B4-BE49-F238E27FC236}">
+                <a16:creationId xmlns:a16="http://schemas.microsoft.com/office/drawing/2014/main" id="{9D095CB6-90B5-DF4F-9F62-D3930E59C3F5}"/>
+              </a:ext>
+            </a:extLst>
+          </p:cNvPr>
+          <p:cNvCxnSpPr>
+            <a:endCxn id="18" idx="0"/>
+          </p:cNvCxnSpPr>
+          <p:nvPr/>
+        </p:nvCxnSpPr>
+        <p:spPr>
+          <a:xfrm>
+            <a:off x="2979420" y="783175"/>
+            <a:ext cx="2623" cy="1145776"/>
+          </a:xfrm>
+          <a:prstGeom prst="straightConnector1">
+            <a:avLst/>
+          </a:prstGeom>
+          <a:ln w="12700">
+            <a:solidFill>
+              <a:srgbClr val="545B64"/>
+            </a:solidFill>
+            <a:headEnd type="arrow" w="med" len="sm"/>
+            <a:tailEnd type="arrow" w="med" len="sm"/>
+          </a:ln>
+        </p:spPr>
+        <p:style>
+          <a:lnRef idx="1">
+            <a:schemeClr val="accent1"/>
+          </a:lnRef>
+          <a:fillRef idx="0">
+            <a:schemeClr val="accent1"/>
+          </a:fillRef>
+          <a:effectRef idx="0">
+            <a:schemeClr val="accent1"/>
+          </a:effectRef>
+          <a:fontRef idx="minor">
+            <a:schemeClr val="tx1"/>
+          </a:fontRef>
+        </p:style>
+      </p:cxnSp>
+      <p:cxnSp>
+        <p:nvCxnSpPr>
+          <p:cNvPr id="125" name="Straight Arrow Connector 124">
+            <a:extLst>
+              <a:ext uri="{FF2B5EF4-FFF2-40B4-BE49-F238E27FC236}">
+                <a16:creationId xmlns:a16="http://schemas.microsoft.com/office/drawing/2014/main" id="{9D095CB6-90B5-DF4F-9F62-D3930E59C3F5}"/>
+              </a:ext>
+            </a:extLst>
+          </p:cNvPr>
+          <p:cNvCxnSpPr>
+            <a:endCxn id="72" idx="0"/>
+          </p:cNvCxnSpPr>
+          <p:nvPr/>
+        </p:nvCxnSpPr>
+        <p:spPr>
+          <a:xfrm>
+            <a:off x="5551334" y="784860"/>
+            <a:ext cx="0" cy="1130203"/>
+          </a:xfrm>
+          <a:prstGeom prst="straightConnector1">
+            <a:avLst/>
+          </a:prstGeom>
+          <a:ln w="12700">
+            <a:solidFill>
+              <a:srgbClr val="545B64"/>
+            </a:solidFill>
+            <a:headEnd type="arrow" w="med" len="sm"/>
+            <a:tailEnd type="arrow" w="med" len="sm"/>
+          </a:ln>
+        </p:spPr>
+        <p:style>
+          <a:lnRef idx="1">
+            <a:schemeClr val="accent1"/>
+          </a:lnRef>
+          <a:fillRef idx="0">
+            <a:schemeClr val="accent1"/>
+          </a:fillRef>
+          <a:effectRef idx="0">
+            <a:schemeClr val="accent1"/>
+          </a:effectRef>
+          <a:fontRef idx="minor">
+            <a:schemeClr val="tx1"/>
+          </a:fontRef>
+        </p:style>
+      </p:cxnSp>
+      <p:cxnSp>
+        <p:nvCxnSpPr>
+          <p:cNvPr id="126" name="Straight Arrow Connector 125">
+            <a:extLst>
+              <a:ext uri="{FF2B5EF4-FFF2-40B4-BE49-F238E27FC236}">
+                <a16:creationId xmlns:a16="http://schemas.microsoft.com/office/drawing/2014/main" id="{9D095CB6-90B5-DF4F-9F62-D3930E59C3F5}"/>
+              </a:ext>
+            </a:extLst>
+          </p:cNvPr>
+          <p:cNvCxnSpPr>
+            <a:endCxn id="77" idx="0"/>
+          </p:cNvCxnSpPr>
+          <p:nvPr/>
+        </p:nvCxnSpPr>
+        <p:spPr>
+          <a:xfrm>
+            <a:off x="6765908" y="783175"/>
+            <a:ext cx="3141" cy="1131888"/>
+          </a:xfrm>
+          <a:prstGeom prst="straightConnector1">
+            <a:avLst/>
+          </a:prstGeom>
+          <a:ln w="12700">
+            <a:solidFill>
+              <a:srgbClr val="545B64"/>
+            </a:solidFill>
+            <a:headEnd type="arrow" w="med" len="sm"/>
+            <a:tailEnd type="arrow" w="med" len="sm"/>
+          </a:ln>
+        </p:spPr>
+        <p:style>
+          <a:lnRef idx="1">
+            <a:schemeClr val="accent1"/>
+          </a:lnRef>
+          <a:fillRef idx="0">
+            <a:schemeClr val="accent1"/>
+          </a:fillRef>
+          <a:effectRef idx="0">
+            <a:schemeClr val="accent1"/>
+          </a:effectRef>
+          <a:fontRef idx="minor">
+            <a:schemeClr val="tx1"/>
+          </a:fontRef>
+        </p:style>
+      </p:cxnSp>
+      <p:pic>
+        <p:nvPicPr>
+          <p:cNvPr id="127" name="Graphic 41">
+            <a:extLst>
+              <a:ext uri="{FF2B5EF4-FFF2-40B4-BE49-F238E27FC236}">
+                <a16:creationId xmlns:a16="http://schemas.microsoft.com/office/drawing/2014/main" id="{1A56C62F-612C-5841-B7E7-B15DA92D0BDE}"/>
+              </a:ext>
+            </a:extLst>
+          </p:cNvPr>
+          <p:cNvPicPr>
+            <a:picLocks noChangeAspect="1"/>
+          </p:cNvPicPr>
+          <p:nvPr/>
+        </p:nvPicPr>
+        <p:blipFill>
+          <a:blip r:embed="rId36">
+            <a:extLst>
+              <a:ext uri="{96DAC541-7B7A-43D3-8B79-37D633B846F1}">
+                <asvg:svgBlip xmlns:asvg="http://schemas.microsoft.com/office/drawing/2016/SVG/main" xmlns="" r:embed="rId37"/>
+              </a:ext>
+            </a:extLst>
+          </a:blip>
+          <a:stretch>
+            <a:fillRect/>
+          </a:stretch>
+        </p:blipFill>
+        <p:spPr>
+          <a:xfrm flipH="1">
+            <a:off x="2174412" y="208487"/>
+            <a:ext cx="395845" cy="384642"/>
+          </a:xfrm>
+          <a:prstGeom prst="rect">
+            <a:avLst/>
+          </a:prstGeom>
+        </p:spPr>
+      </p:pic>
+      <p:sp>
+        <p:nvSpPr>
+          <p:cNvPr id="128" name="Freeform 127"/>
+          <p:cNvSpPr/>
+          <p:nvPr/>
+        </p:nvSpPr>
+        <p:spPr>
+          <a:xfrm>
+            <a:off x="5351596" y="629541"/>
+            <a:ext cx="1578777" cy="153634"/>
+          </a:xfrm>
+          <a:custGeom>
+            <a:avLst/>
+            <a:gdLst>
+              <a:gd name="connsiteX0" fmla="*/ 0 w 1562100"/>
+              <a:gd name="connsiteY0" fmla="*/ 0 h 205740"/>
+              <a:gd name="connsiteX1" fmla="*/ 0 w 1562100"/>
+              <a:gd name="connsiteY1" fmla="*/ 205740 h 205740"/>
+              <a:gd name="connsiteX2" fmla="*/ 1562100 w 1562100"/>
+              <a:gd name="connsiteY2" fmla="*/ 205740 h 205740"/>
+              <a:gd name="connsiteX3" fmla="*/ 1562100 w 1562100"/>
+              <a:gd name="connsiteY3" fmla="*/ 30480 h 205740"/>
+            </a:gdLst>
+            <a:ahLst/>
+            <a:cxnLst>
+              <a:cxn ang="0">
+                <a:pos x="connsiteX0" y="connsiteY0"/>
+              </a:cxn>
+              <a:cxn ang="0">
+                <a:pos x="connsiteX1" y="connsiteY1"/>
+              </a:cxn>
+              <a:cxn ang="0">
+                <a:pos x="connsiteX2" y="connsiteY2"/>
+              </a:cxn>
+              <a:cxn ang="0">
+                <a:pos x="connsiteX3" y="connsiteY3"/>
+              </a:cxn>
+            </a:cxnLst>
+            <a:rect l="l" t="t" r="r" b="b"/>
+            <a:pathLst>
+              <a:path w="1562100" h="205740">
+                <a:moveTo>
+                  <a:pt x="0" y="0"/>
+                </a:moveTo>
+                <a:lnTo>
+                  <a:pt x="0" y="205740"/>
+                </a:lnTo>
+                <a:lnTo>
+                  <a:pt x="1562100" y="205740"/>
+                </a:lnTo>
+                <a:lnTo>
+                  <a:pt x="1562100" y="30480"/>
+                </a:lnTo>
+              </a:path>
+            </a:pathLst>
+          </a:custGeom>
+          <a:ln w="12700">
+            <a:solidFill>
+              <a:srgbClr val="545B64"/>
+            </a:solidFill>
+            <a:headEnd type="none" w="med" len="sm"/>
+            <a:tailEnd type="none" w="med" len="sm"/>
+          </a:ln>
+        </p:spPr>
+        <p:style>
+          <a:lnRef idx="1">
+            <a:schemeClr val="accent1"/>
+          </a:lnRef>
+          <a:fillRef idx="0">
+            <a:schemeClr val="accent1"/>
+          </a:fillRef>
+          <a:effectRef idx="0">
+            <a:schemeClr val="accent1"/>
+          </a:effectRef>
+          <a:fontRef idx="minor">
+            <a:schemeClr val="tx1"/>
+          </a:fontRef>
+        </p:style>
+        <p:txBody>
+          <a:bodyPr rtlCol="0" anchor="ctr"/>
+          <a:lstStyle/>
+          <a:p>
+            <a:pPr algn="ctr"/>
+            <a:endParaRPr lang="en-US"/>
+          </a:p>
+        </p:txBody>
+      </p:sp>
+      <p:sp>
+        <p:nvSpPr>
+          <p:cNvPr id="129" name="Freeform 128"/>
+          <p:cNvSpPr/>
+          <p:nvPr/>
+        </p:nvSpPr>
+        <p:spPr>
+          <a:xfrm>
+            <a:off x="1579696" y="629541"/>
+            <a:ext cx="1578777" cy="153634"/>
+          </a:xfrm>
+          <a:custGeom>
+            <a:avLst/>
+            <a:gdLst>
+              <a:gd name="connsiteX0" fmla="*/ 0 w 1562100"/>
+              <a:gd name="connsiteY0" fmla="*/ 0 h 205740"/>
+              <a:gd name="connsiteX1" fmla="*/ 0 w 1562100"/>
+              <a:gd name="connsiteY1" fmla="*/ 205740 h 205740"/>
+              <a:gd name="connsiteX2" fmla="*/ 1562100 w 1562100"/>
+              <a:gd name="connsiteY2" fmla="*/ 205740 h 205740"/>
+              <a:gd name="connsiteX3" fmla="*/ 1562100 w 1562100"/>
+              <a:gd name="connsiteY3" fmla="*/ 30480 h 205740"/>
+            </a:gdLst>
+            <a:ahLst/>
+            <a:cxnLst>
+              <a:cxn ang="0">
+                <a:pos x="connsiteX0" y="connsiteY0"/>
+              </a:cxn>
+              <a:cxn ang="0">
+                <a:pos x="connsiteX1" y="connsiteY1"/>
+              </a:cxn>
+              <a:cxn ang="0">
+                <a:pos x="connsiteX2" y="connsiteY2"/>
+              </a:cxn>
+              <a:cxn ang="0">
+                <a:pos x="connsiteX3" y="connsiteY3"/>
+              </a:cxn>
+            </a:cxnLst>
+            <a:rect l="l" t="t" r="r" b="b"/>
+            <a:pathLst>
+              <a:path w="1562100" h="205740">
+                <a:moveTo>
+                  <a:pt x="0" y="0"/>
+                </a:moveTo>
+                <a:lnTo>
+                  <a:pt x="0" y="205740"/>
+                </a:lnTo>
+                <a:lnTo>
+                  <a:pt x="1562100" y="205740"/>
+                </a:lnTo>
+                <a:lnTo>
+                  <a:pt x="1562100" y="30480"/>
+                </a:lnTo>
+              </a:path>
+            </a:pathLst>
+          </a:custGeom>
+          <a:ln w="12700">
+            <a:solidFill>
+              <a:srgbClr val="545B64"/>
+            </a:solidFill>
+            <a:headEnd type="none" w="med" len="sm"/>
+            <a:tailEnd type="none" w="med" len="sm"/>
+          </a:ln>
+        </p:spPr>
+        <p:style>
+          <a:lnRef idx="1">
+            <a:schemeClr val="accent1"/>
+          </a:lnRef>
+          <a:fillRef idx="0">
+            <a:schemeClr val="accent1"/>
+          </a:fillRef>
+          <a:effectRef idx="0">
+            <a:schemeClr val="accent1"/>
+          </a:effectRef>
+          <a:fontRef idx="minor">
+            <a:schemeClr val="tx1"/>
+          </a:fontRef>
+        </p:style>
+        <p:txBody>
+          <a:bodyPr rtlCol="0" anchor="ctr"/>
+          <a:lstStyle/>
+          <a:p>
+            <a:pPr algn="ctr"/>
+            <a:endParaRPr lang="en-US"/>
+          </a:p>
+        </p:txBody>
+      </p:sp>
+      <p:sp>
+        <p:nvSpPr>
+          <p:cNvPr id="130" name="TextBox 129">
+            <a:extLst>
+              <a:ext uri="{FF2B5EF4-FFF2-40B4-BE49-F238E27FC236}">
+                <a16:creationId xmlns:a16="http://schemas.microsoft.com/office/drawing/2014/main" id="{4EDB2C05-2F10-9C42-9C35-AE4BB249A665}"/>
+              </a:ext>
+            </a:extLst>
+          </p:cNvPr>
+          <p:cNvSpPr txBox="1"/>
+          <p:nvPr/>
+        </p:nvSpPr>
+        <p:spPr>
+          <a:xfrm>
+            <a:off x="9083644" y="538101"/>
+            <a:ext cx="1702433" cy="246221"/>
+          </a:xfrm>
+          <a:prstGeom prst="rect">
+            <a:avLst/>
+          </a:prstGeom>
+          <a:noFill/>
+        </p:spPr>
+        <p:txBody>
+          <a:bodyPr wrap="square" rtlCol="0">
+            <a:spAutoFit/>
+          </a:bodyPr>
+          <a:lstStyle/>
+          <a:p>
+            <a:pPr algn="ctr"/>
+            <a:r>
+              <a:rPr lang="en-US" sz="1000" dirty="0" smtClean="0">
+                <a:solidFill>
+                  <a:srgbClr val="232F3E"/>
+                </a:solidFill>
+              </a:rPr>
+              <a:t>Developers</a:t>
+            </a:r>
+            <a:endParaRPr lang="en-US" sz="1000" dirty="0">
+              <a:solidFill>
+                <a:srgbClr val="232F3E"/>
+              </a:solidFill>
+            </a:endParaRPr>
+          </a:p>
+        </p:txBody>
+      </p:sp>
+      <p:pic>
+        <p:nvPicPr>
+          <p:cNvPr id="133" name="Graphic 41">
+            <a:extLst>
+              <a:ext uri="{FF2B5EF4-FFF2-40B4-BE49-F238E27FC236}">
+                <a16:creationId xmlns:a16="http://schemas.microsoft.com/office/drawing/2014/main" id="{1A56C62F-612C-5841-B7E7-B15DA92D0BDE}"/>
+              </a:ext>
+            </a:extLst>
+          </p:cNvPr>
+          <p:cNvPicPr>
+            <a:picLocks noChangeAspect="1"/>
+          </p:cNvPicPr>
+          <p:nvPr/>
+        </p:nvPicPr>
+        <p:blipFill>
+          <a:blip r:embed="rId36">
+            <a:extLst>
+              <a:ext uri="{96DAC541-7B7A-43D3-8B79-37D633B846F1}">
+                <asvg:svgBlip xmlns:asvg="http://schemas.microsoft.com/office/drawing/2016/SVG/main" xmlns="" r:embed="rId37"/>
+              </a:ext>
+            </a:extLst>
+          </a:blip>
+          <a:stretch>
+            <a:fillRect/>
+          </a:stretch>
+        </p:blipFill>
+        <p:spPr>
+          <a:xfrm flipH="1">
+            <a:off x="9741072" y="208487"/>
+            <a:ext cx="395845" cy="384642"/>
+          </a:xfrm>
+          <a:prstGeom prst="rect">
+            <a:avLst/>
+          </a:prstGeom>
+        </p:spPr>
+      </p:pic>
+      <p:sp>
+        <p:nvSpPr>
+          <p:cNvPr id="134" name="Freeform 133"/>
+          <p:cNvSpPr/>
+          <p:nvPr/>
+        </p:nvSpPr>
+        <p:spPr>
+          <a:xfrm>
+            <a:off x="9146356" y="629541"/>
+            <a:ext cx="1578777" cy="153634"/>
+          </a:xfrm>
+          <a:custGeom>
+            <a:avLst/>
+            <a:gdLst>
+              <a:gd name="connsiteX0" fmla="*/ 0 w 1562100"/>
+              <a:gd name="connsiteY0" fmla="*/ 0 h 205740"/>
+              <a:gd name="connsiteX1" fmla="*/ 0 w 1562100"/>
+              <a:gd name="connsiteY1" fmla="*/ 205740 h 205740"/>
+              <a:gd name="connsiteX2" fmla="*/ 1562100 w 1562100"/>
+              <a:gd name="connsiteY2" fmla="*/ 205740 h 205740"/>
+              <a:gd name="connsiteX3" fmla="*/ 1562100 w 1562100"/>
+              <a:gd name="connsiteY3" fmla="*/ 30480 h 205740"/>
+            </a:gdLst>
+            <a:ahLst/>
+            <a:cxnLst>
+              <a:cxn ang="0">
+                <a:pos x="connsiteX0" y="connsiteY0"/>
+              </a:cxn>
+              <a:cxn ang="0">
+                <a:pos x="connsiteX1" y="connsiteY1"/>
+              </a:cxn>
+              <a:cxn ang="0">
+                <a:pos x="connsiteX2" y="connsiteY2"/>
+              </a:cxn>
+              <a:cxn ang="0">
+                <a:pos x="connsiteX3" y="connsiteY3"/>
+              </a:cxn>
+            </a:cxnLst>
+            <a:rect l="l" t="t" r="r" b="b"/>
+            <a:pathLst>
+              <a:path w="1562100" h="205740">
+                <a:moveTo>
+                  <a:pt x="0" y="0"/>
+                </a:moveTo>
+                <a:lnTo>
+                  <a:pt x="0" y="205740"/>
+                </a:lnTo>
+                <a:lnTo>
+                  <a:pt x="1562100" y="205740"/>
+                </a:lnTo>
+                <a:lnTo>
+                  <a:pt x="1562100" y="30480"/>
+                </a:lnTo>
+              </a:path>
+            </a:pathLst>
+          </a:custGeom>
+          <a:ln w="12700">
+            <a:solidFill>
+              <a:srgbClr val="545B64"/>
+            </a:solidFill>
+            <a:headEnd type="none" w="med" len="sm"/>
+            <a:tailEnd type="none" w="med" len="sm"/>
+          </a:ln>
+        </p:spPr>
+        <p:style>
+          <a:lnRef idx="1">
+            <a:schemeClr val="accent1"/>
+          </a:lnRef>
+          <a:fillRef idx="0">
+            <a:schemeClr val="accent1"/>
+          </a:fillRef>
+          <a:effectRef idx="0">
+            <a:schemeClr val="accent1"/>
+          </a:effectRef>
+          <a:fontRef idx="minor">
+            <a:schemeClr val="tx1"/>
+          </a:fontRef>
+        </p:style>
+        <p:txBody>
+          <a:bodyPr rtlCol="0" anchor="ctr"/>
+          <a:lstStyle/>
+          <a:p>
+            <a:pPr algn="ctr"/>
+            <a:endParaRPr lang="en-US"/>
+          </a:p>
+        </p:txBody>
+      </p:sp>
+      <p:cxnSp>
+        <p:nvCxnSpPr>
+          <p:cNvPr id="135" name="Straight Arrow Connector 134">
+            <a:extLst>
+              <a:ext uri="{FF2B5EF4-FFF2-40B4-BE49-F238E27FC236}">
+                <a16:creationId xmlns:a16="http://schemas.microsoft.com/office/drawing/2014/main" id="{9D095CB6-90B5-DF4F-9F62-D3930E59C3F5}"/>
+              </a:ext>
+            </a:extLst>
+          </p:cNvPr>
+          <p:cNvCxnSpPr>
+            <a:endCxn id="57" idx="0"/>
+          </p:cNvCxnSpPr>
+          <p:nvPr/>
+        </p:nvCxnSpPr>
+        <p:spPr>
+          <a:xfrm>
+            <a:off x="9336273" y="783175"/>
+            <a:ext cx="0" cy="1145775"/>
+          </a:xfrm>
+          <a:prstGeom prst="straightConnector1">
+            <a:avLst/>
+          </a:prstGeom>
+          <a:ln w="12700">
+            <a:solidFill>
+              <a:srgbClr val="545B64"/>
+            </a:solidFill>
+            <a:headEnd type="arrow" w="med" len="sm"/>
+            <a:tailEnd type="arrow" w="med" len="sm"/>
+          </a:ln>
+        </p:spPr>
+        <p:style>
+          <a:lnRef idx="1">
+            <a:schemeClr val="accent1"/>
+          </a:lnRef>
+          <a:fillRef idx="0">
+            <a:schemeClr val="accent1"/>
+          </a:fillRef>
+          <a:effectRef idx="0">
+            <a:schemeClr val="accent1"/>
+          </a:effectRef>
+          <a:fontRef idx="minor">
+            <a:schemeClr val="tx1"/>
+          </a:fontRef>
+        </p:style>
+      </p:cxnSp>
+      <p:cxnSp>
+        <p:nvCxnSpPr>
+          <p:cNvPr id="136" name="Straight Arrow Connector 135">
+            <a:extLst>
+              <a:ext uri="{FF2B5EF4-FFF2-40B4-BE49-F238E27FC236}">
+                <a16:creationId xmlns:a16="http://schemas.microsoft.com/office/drawing/2014/main" id="{9D095CB6-90B5-DF4F-9F62-D3930E59C3F5}"/>
+              </a:ext>
+            </a:extLst>
+          </p:cNvPr>
+          <p:cNvCxnSpPr>
+            <a:endCxn id="62" idx="0"/>
+          </p:cNvCxnSpPr>
+          <p:nvPr/>
+        </p:nvCxnSpPr>
+        <p:spPr>
+          <a:xfrm>
+            <a:off x="10553700" y="783175"/>
+            <a:ext cx="290" cy="1145775"/>
+          </a:xfrm>
+          <a:prstGeom prst="straightConnector1">
+            <a:avLst/>
+          </a:prstGeom>
+          <a:ln w="12700">
+            <a:solidFill>
+              <a:srgbClr val="545B64"/>
+            </a:solidFill>
+            <a:headEnd type="arrow" w="med" len="sm"/>
+            <a:tailEnd type="arrow" w="med" len="sm"/>
+          </a:ln>
+        </p:spPr>
+        <p:style>
+          <a:lnRef idx="1">
+            <a:schemeClr val="accent1"/>
+          </a:lnRef>
+          <a:fillRef idx="0">
+            <a:schemeClr val="accent1"/>
+          </a:fillRef>
+          <a:effectRef idx="0">
+            <a:schemeClr val="accent1"/>
+          </a:effectRef>
+          <a:fontRef idx="minor">
+            <a:schemeClr val="tx1"/>
+          </a:fontRef>
+        </p:style>
+      </p:cxnSp>
     </p:spTree>
     <p:extLst>
       <p:ext uri="{BB962C8B-B14F-4D97-AF65-F5344CB8AC3E}">
@@ -6652,13 +6999,14 @@
           </p:cNvPr>
           <p:cNvCxnSpPr>
             <a:stCxn id="75" idx="3"/>
+            <a:endCxn id="60" idx="1"/>
           </p:cNvCxnSpPr>
           <p:nvPr/>
         </p:nvCxnSpPr>
         <p:spPr>
-          <a:xfrm flipV="1">
-            <a:off x="7615024" y="2960024"/>
-            <a:ext cx="1072031" cy="0"/>
+          <a:xfrm>
+            <a:off x="7444546" y="3681843"/>
+            <a:ext cx="886052" cy="6944"/>
           </a:xfrm>
           <a:prstGeom prst="straightConnector1">
             <a:avLst/>
@@ -6696,14 +7044,15 @@
             </a:extLst>
           </p:cNvPr>
           <p:cNvCxnSpPr>
+            <a:stCxn id="4" idx="3"/>
             <a:endCxn id="75" idx="1"/>
           </p:cNvCxnSpPr>
           <p:nvPr/>
         </p:nvCxnSpPr>
         <p:spPr>
-          <a:xfrm>
-            <a:off x="3648689" y="2988526"/>
-            <a:ext cx="1065641" cy="0"/>
+          <a:xfrm flipV="1">
+            <a:off x="3652958" y="3681843"/>
+            <a:ext cx="890894" cy="6945"/>
           </a:xfrm>
           <a:prstGeom prst="straightConnector1">
             <a:avLst/>
@@ -6745,7 +7094,7 @@
         </p:nvSpPr>
         <p:spPr>
           <a:xfrm>
-            <a:off x="1258162" y="3398680"/>
+            <a:off x="1258162" y="3337720"/>
             <a:ext cx="993475" cy="1143000"/>
           </a:xfrm>
           <a:prstGeom prst="rect">
@@ -6782,11 +7131,10 @@
           <a:lstStyle/>
           <a:p>
             <a:r>
-              <a:rPr lang="en-US" sz="1200" dirty="0">
+              <a:rPr lang="en-US" sz="1000" dirty="0">
                 <a:solidFill>
                   <a:srgbClr val="5B9CD5"/>
                 </a:solidFill>
-                <a:latin typeface="Arial" panose="020B0604020202020204" pitchFamily="34" charset="0"/>
                 <a:cs typeface="Arial" panose="020B0604020202020204" pitchFamily="34" charset="0"/>
               </a:rPr>
               <a:t>Private subnet</a:t>
@@ -6808,7 +7156,7 @@
         </p:nvSpPr>
         <p:spPr>
           <a:xfrm>
-            <a:off x="1258162" y="1989911"/>
+            <a:off x="1258162" y="1928951"/>
             <a:ext cx="993475" cy="1213927"/>
           </a:xfrm>
           <a:prstGeom prst="rect">
@@ -6853,14 +7201,22 @@
               <a:defRPr/>
             </a:pPr>
             <a:r>
-              <a:rPr lang="en-US" sz="1200" dirty="0">
+              <a:rPr lang="en-US" sz="1000" dirty="0" smtClean="0">
                 <a:solidFill>
                   <a:srgbClr val="1E8900"/>
                 </a:solidFill>
-                <a:latin typeface="Arial" panose="020B0604020202020204" pitchFamily="34" charset="0"/>
                 <a:cs typeface="Arial" panose="020B0604020202020204" pitchFamily="34" charset="0"/>
               </a:rPr>
-              <a:t>Public subnet</a:t>
+              <a:t>Public </a:t>
+            </a:r>
+            <a:r>
+              <a:rPr lang="en-US" sz="1000" dirty="0">
+                <a:solidFill>
+                  <a:srgbClr val="1E8900"/>
+                </a:solidFill>
+                <a:cs typeface="Arial" panose="020B0604020202020204" pitchFamily="34" charset="0"/>
+              </a:rPr>
+              <a:t>subnet</a:t>
             </a:r>
           </a:p>
         </p:txBody>
@@ -6883,7 +7239,7 @@
           <a:blip r:embed="rId2">
             <a:extLst>
               <a:ext uri="{96DAC541-7B7A-43D3-8B79-37D633B846F1}">
-                <asvg:svgBlip xmlns="" xmlns:asvg="http://schemas.microsoft.com/office/drawing/2016/SVG/main" r:embed="rId25"/>
+                <asvg:svgBlip xmlns:asvg="http://schemas.microsoft.com/office/drawing/2016/SVG/main" xmlns="" r:embed="rId25"/>
               </a:ext>
             </a:extLst>
           </a:blip>
@@ -6893,7 +7249,7 @@
         </p:blipFill>
         <p:spPr>
           <a:xfrm>
-            <a:off x="1258162" y="1987553"/>
+            <a:off x="1258162" y="1926593"/>
             <a:ext cx="274320" cy="274320"/>
           </a:xfrm>
           <a:prstGeom prst="rect">
@@ -6919,7 +7275,7 @@
           <a:blip r:embed="rId26">
             <a:extLst>
               <a:ext uri="{96DAC541-7B7A-43D3-8B79-37D633B846F1}">
-                <asvg:svgBlip xmlns="" xmlns:asvg="http://schemas.microsoft.com/office/drawing/2016/SVG/main" r:embed="rId27"/>
+                <asvg:svgBlip xmlns:asvg="http://schemas.microsoft.com/office/drawing/2016/SVG/main" xmlns="" r:embed="rId27"/>
               </a:ext>
             </a:extLst>
           </a:blip>
@@ -6929,7 +7285,7 @@
         </p:blipFill>
         <p:spPr>
           <a:xfrm>
-            <a:off x="1258162" y="3398680"/>
+            <a:off x="1258162" y="3337720"/>
             <a:ext cx="274320" cy="274320"/>
           </a:xfrm>
           <a:prstGeom prst="rect">
@@ -6951,7 +7307,7 @@
         </p:nvSpPr>
         <p:spPr>
           <a:xfrm>
-            <a:off x="767165" y="1603781"/>
+            <a:off x="767165" y="1542821"/>
             <a:ext cx="2885793" cy="4291934"/>
           </a:xfrm>
           <a:prstGeom prst="rect">
@@ -6985,12 +7341,11 @@
           <a:lstStyle/>
           <a:p>
             <a:r>
-              <a:rPr lang="en-US" sz="1200" dirty="0">
+              <a:rPr lang="en-US" sz="1000" dirty="0">
                 <a:ln w="0"/>
                 <a:solidFill>
                   <a:srgbClr val="1E8900"/>
                 </a:solidFill>
-                <a:latin typeface="Arial" panose="020B0604020202020204" pitchFamily="34" charset="0"/>
                 <a:cs typeface="Arial" panose="020B0604020202020204" pitchFamily="34" charset="0"/>
               </a:rPr>
               <a:t>Production VPC</a:t>
@@ -7016,7 +7371,7 @@
           <a:blip r:embed="rId28">
             <a:extLst>
               <a:ext uri="{96DAC541-7B7A-43D3-8B79-37D633B846F1}">
-                <asvg:svgBlip xmlns="" xmlns:asvg="http://schemas.microsoft.com/office/drawing/2016/SVG/main" r:embed="rId23"/>
+                <asvg:svgBlip xmlns:asvg="http://schemas.microsoft.com/office/drawing/2016/SVG/main" xmlns="" r:embed="rId23"/>
               </a:ext>
             </a:extLst>
           </a:blip>
@@ -7026,7 +7381,7 @@
         </p:blipFill>
         <p:spPr>
           <a:xfrm>
-            <a:off x="770001" y="1603781"/>
+            <a:off x="770001" y="1542821"/>
             <a:ext cx="330200" cy="330200"/>
           </a:xfrm>
           <a:prstGeom prst="rect">
@@ -7048,7 +7403,7 @@
         </p:nvSpPr>
         <p:spPr>
           <a:xfrm>
-            <a:off x="2485305" y="1989911"/>
+            <a:off x="2485305" y="1928951"/>
             <a:ext cx="993475" cy="1213927"/>
           </a:xfrm>
           <a:prstGeom prst="rect">
@@ -7093,11 +7448,10 @@
               <a:defRPr/>
             </a:pPr>
             <a:r>
-              <a:rPr lang="en-US" sz="1200" dirty="0">
+              <a:rPr lang="en-US" sz="1000" dirty="0">
                 <a:solidFill>
                   <a:srgbClr val="1E8900"/>
                 </a:solidFill>
-                <a:latin typeface="Arial" panose="020B0604020202020204" pitchFamily="34" charset="0"/>
                 <a:cs typeface="Arial" panose="020B0604020202020204" pitchFamily="34" charset="0"/>
               </a:rPr>
               <a:t>Public subnet</a:t>
@@ -7123,7 +7477,7 @@
           <a:blip r:embed="rId2">
             <a:extLst>
               <a:ext uri="{96DAC541-7B7A-43D3-8B79-37D633B846F1}">
-                <asvg:svgBlip xmlns="" xmlns:asvg="http://schemas.microsoft.com/office/drawing/2016/SVG/main" r:embed="rId25"/>
+                <asvg:svgBlip xmlns:asvg="http://schemas.microsoft.com/office/drawing/2016/SVG/main" xmlns="" r:embed="rId25"/>
               </a:ext>
             </a:extLst>
           </a:blip>
@@ -7133,7 +7487,7 @@
         </p:blipFill>
         <p:spPr>
           <a:xfrm>
-            <a:off x="2485305" y="1987553"/>
+            <a:off x="2485305" y="1926593"/>
             <a:ext cx="274320" cy="274320"/>
           </a:xfrm>
           <a:prstGeom prst="rect">
@@ -7155,7 +7509,7 @@
         </p:nvSpPr>
         <p:spPr>
           <a:xfrm>
-            <a:off x="2485305" y="3398680"/>
+            <a:off x="2485305" y="3337720"/>
             <a:ext cx="993475" cy="1143000"/>
           </a:xfrm>
           <a:prstGeom prst="rect">
@@ -7192,11 +7546,10 @@
           <a:lstStyle/>
           <a:p>
             <a:r>
-              <a:rPr lang="en-US" sz="1200" dirty="0">
+              <a:rPr lang="en-US" sz="1000" dirty="0">
                 <a:solidFill>
                   <a:srgbClr val="5B9CD5"/>
                 </a:solidFill>
-                <a:latin typeface="Arial" panose="020B0604020202020204" pitchFamily="34" charset="0"/>
                 <a:cs typeface="Arial" panose="020B0604020202020204" pitchFamily="34" charset="0"/>
               </a:rPr>
               <a:t>Private subnet</a:t>
@@ -7222,7 +7575,7 @@
           <a:blip r:embed="rId26">
             <a:extLst>
               <a:ext uri="{96DAC541-7B7A-43D3-8B79-37D633B846F1}">
-                <asvg:svgBlip xmlns="" xmlns:asvg="http://schemas.microsoft.com/office/drawing/2016/SVG/main" r:embed="rId27"/>
+                <asvg:svgBlip xmlns:asvg="http://schemas.microsoft.com/office/drawing/2016/SVG/main" xmlns="" r:embed="rId27"/>
               </a:ext>
             </a:extLst>
           </a:blip>
@@ -7232,7 +7585,7 @@
         </p:blipFill>
         <p:spPr>
           <a:xfrm>
-            <a:off x="2485305" y="3398680"/>
+            <a:off x="2485305" y="3337720"/>
             <a:ext cx="274320" cy="274320"/>
           </a:xfrm>
           <a:prstGeom prst="rect">
@@ -7254,7 +7607,7 @@
         </p:nvSpPr>
         <p:spPr>
           <a:xfrm>
-            <a:off x="1258162" y="4685689"/>
+            <a:off x="1258162" y="4624729"/>
             <a:ext cx="993475" cy="1143000"/>
           </a:xfrm>
           <a:prstGeom prst="rect">
@@ -7291,11 +7644,10 @@
           <a:lstStyle/>
           <a:p>
             <a:r>
-              <a:rPr lang="en-US" sz="1200" dirty="0">
+              <a:rPr lang="en-US" sz="1000" dirty="0">
                 <a:solidFill>
                   <a:srgbClr val="5B9CD5"/>
                 </a:solidFill>
-                <a:latin typeface="Arial" panose="020B0604020202020204" pitchFamily="34" charset="0"/>
                 <a:cs typeface="Arial" panose="020B0604020202020204" pitchFamily="34" charset="0"/>
               </a:rPr>
               <a:t>Isolated subnet</a:t>
@@ -7321,7 +7673,7 @@
           <a:blip r:embed="rId26">
             <a:extLst>
               <a:ext uri="{96DAC541-7B7A-43D3-8B79-37D633B846F1}">
-                <asvg:svgBlip xmlns="" xmlns:asvg="http://schemas.microsoft.com/office/drawing/2016/SVG/main" r:embed="rId27"/>
+                <asvg:svgBlip xmlns:asvg="http://schemas.microsoft.com/office/drawing/2016/SVG/main" xmlns="" r:embed="rId27"/>
               </a:ext>
             </a:extLst>
           </a:blip>
@@ -7331,7 +7683,7 @@
         </p:blipFill>
         <p:spPr>
           <a:xfrm>
-            <a:off x="1258162" y="4685689"/>
+            <a:off x="1258162" y="4624729"/>
             <a:ext cx="274320" cy="274320"/>
           </a:xfrm>
           <a:prstGeom prst="rect">
@@ -7353,7 +7705,7 @@
         </p:nvSpPr>
         <p:spPr>
           <a:xfrm>
-            <a:off x="2485305" y="4685689"/>
+            <a:off x="2485305" y="4624729"/>
             <a:ext cx="993475" cy="1143000"/>
           </a:xfrm>
           <a:prstGeom prst="rect">
@@ -7390,11 +7742,10 @@
           <a:lstStyle/>
           <a:p>
             <a:r>
-              <a:rPr lang="en-US" sz="1200" dirty="0">
+              <a:rPr lang="en-US" sz="1000" dirty="0">
                 <a:solidFill>
                   <a:srgbClr val="5B9CD5"/>
                 </a:solidFill>
-                <a:latin typeface="Arial" panose="020B0604020202020204" pitchFamily="34" charset="0"/>
                 <a:cs typeface="Arial" panose="020B0604020202020204" pitchFamily="34" charset="0"/>
               </a:rPr>
               <a:t>Isolated subnet</a:t>
@@ -7420,7 +7771,7 @@
           <a:blip r:embed="rId26">
             <a:extLst>
               <a:ext uri="{96DAC541-7B7A-43D3-8B79-37D633B846F1}">
-                <asvg:svgBlip xmlns="" xmlns:asvg="http://schemas.microsoft.com/office/drawing/2016/SVG/main" r:embed="rId27"/>
+                <asvg:svgBlip xmlns:asvg="http://schemas.microsoft.com/office/drawing/2016/SVG/main" xmlns="" r:embed="rId27"/>
               </a:ext>
             </a:extLst>
           </a:blip>
@@ -7430,7 +7781,7 @@
         </p:blipFill>
         <p:spPr>
           <a:xfrm>
-            <a:off x="2485305" y="4685689"/>
+            <a:off x="2485305" y="4624729"/>
             <a:ext cx="274320" cy="274320"/>
           </a:xfrm>
           <a:prstGeom prst="rect">
@@ -7452,7 +7803,7 @@
         </p:nvSpPr>
         <p:spPr>
           <a:xfrm>
-            <a:off x="9195991" y="3398679"/>
+            <a:off x="8839535" y="3337719"/>
             <a:ext cx="993475" cy="1143000"/>
           </a:xfrm>
           <a:prstGeom prst="rect">
@@ -7489,11 +7840,10 @@
           <a:lstStyle/>
           <a:p>
             <a:r>
-              <a:rPr lang="en-US" sz="1200" dirty="0">
+              <a:rPr lang="en-US" sz="1000" dirty="0">
                 <a:solidFill>
                   <a:srgbClr val="5B9CD5"/>
                 </a:solidFill>
-                <a:latin typeface="Arial" panose="020B0604020202020204" pitchFamily="34" charset="0"/>
                 <a:cs typeface="Arial" panose="020B0604020202020204" pitchFamily="34" charset="0"/>
               </a:rPr>
               <a:t>Private subnet</a:t>
@@ -7515,7 +7865,7 @@
         </p:nvSpPr>
         <p:spPr>
           <a:xfrm>
-            <a:off x="9195991" y="1989910"/>
+            <a:off x="8839535" y="1928950"/>
             <a:ext cx="993475" cy="1213927"/>
           </a:xfrm>
           <a:prstGeom prst="rect">
@@ -7560,11 +7910,10 @@
               <a:defRPr/>
             </a:pPr>
             <a:r>
-              <a:rPr lang="en-US" sz="1200" dirty="0">
+              <a:rPr lang="en-US" sz="1000" dirty="0">
                 <a:solidFill>
                   <a:srgbClr val="1E8900"/>
                 </a:solidFill>
-                <a:latin typeface="Arial" panose="020B0604020202020204" pitchFamily="34" charset="0"/>
                 <a:cs typeface="Arial" panose="020B0604020202020204" pitchFamily="34" charset="0"/>
               </a:rPr>
               <a:t>Public subnet</a:t>
@@ -7590,7 +7939,7 @@
           <a:blip r:embed="rId2">
             <a:extLst>
               <a:ext uri="{96DAC541-7B7A-43D3-8B79-37D633B846F1}">
-                <asvg:svgBlip xmlns="" xmlns:asvg="http://schemas.microsoft.com/office/drawing/2016/SVG/main" r:embed="rId25"/>
+                <asvg:svgBlip xmlns:asvg="http://schemas.microsoft.com/office/drawing/2016/SVG/main" xmlns="" r:embed="rId25"/>
               </a:ext>
             </a:extLst>
           </a:blip>
@@ -7600,7 +7949,7 @@
         </p:blipFill>
         <p:spPr>
           <a:xfrm>
-            <a:off x="9195991" y="1987552"/>
+            <a:off x="8839535" y="1926592"/>
             <a:ext cx="274320" cy="274320"/>
           </a:xfrm>
           <a:prstGeom prst="rect">
@@ -7626,7 +7975,7 @@
           <a:blip r:embed="rId26">
             <a:extLst>
               <a:ext uri="{96DAC541-7B7A-43D3-8B79-37D633B846F1}">
-                <asvg:svgBlip xmlns="" xmlns:asvg="http://schemas.microsoft.com/office/drawing/2016/SVG/main" r:embed="rId27"/>
+                <asvg:svgBlip xmlns:asvg="http://schemas.microsoft.com/office/drawing/2016/SVG/main" xmlns="" r:embed="rId27"/>
               </a:ext>
             </a:extLst>
           </a:blip>
@@ -7636,7 +7985,7 @@
         </p:blipFill>
         <p:spPr>
           <a:xfrm>
-            <a:off x="9195991" y="3398679"/>
+            <a:off x="8839535" y="3337719"/>
             <a:ext cx="274320" cy="274320"/>
           </a:xfrm>
           <a:prstGeom prst="rect">
@@ -7658,7 +8007,7 @@
         </p:nvSpPr>
         <p:spPr>
           <a:xfrm>
-            <a:off x="8687054" y="1603780"/>
+            <a:off x="8330598" y="1542820"/>
             <a:ext cx="2906359" cy="4291934"/>
           </a:xfrm>
           <a:prstGeom prst="rect">
@@ -7692,12 +8041,11 @@
           <a:lstStyle/>
           <a:p>
             <a:r>
-              <a:rPr lang="en-US" sz="1200" dirty="0">
+              <a:rPr lang="en-US" sz="1000" dirty="0">
                 <a:ln w="0"/>
                 <a:solidFill>
                   <a:srgbClr val="1E8900"/>
                 </a:solidFill>
-                <a:latin typeface="Arial" panose="020B0604020202020204" pitchFamily="34" charset="0"/>
                 <a:cs typeface="Arial" panose="020B0604020202020204" pitchFamily="34" charset="0"/>
               </a:rPr>
               <a:t>Development VPC</a:t>
@@ -7723,7 +8071,7 @@
           <a:blip r:embed="rId28">
             <a:extLst>
               <a:ext uri="{96DAC541-7B7A-43D3-8B79-37D633B846F1}">
-                <asvg:svgBlip xmlns="" xmlns:asvg="http://schemas.microsoft.com/office/drawing/2016/SVG/main" r:embed="rId23"/>
+                <asvg:svgBlip xmlns:asvg="http://schemas.microsoft.com/office/drawing/2016/SVG/main" xmlns="" r:embed="rId23"/>
               </a:ext>
             </a:extLst>
           </a:blip>
@@ -7733,7 +8081,7 @@
         </p:blipFill>
         <p:spPr>
           <a:xfrm>
-            <a:off x="8687056" y="1603780"/>
+            <a:off x="8330600" y="1542820"/>
             <a:ext cx="330200" cy="330200"/>
           </a:xfrm>
           <a:prstGeom prst="rect">
@@ -7755,7 +8103,7 @@
         </p:nvSpPr>
         <p:spPr>
           <a:xfrm>
-            <a:off x="10413708" y="1989910"/>
+            <a:off x="10057252" y="1928950"/>
             <a:ext cx="993475" cy="1213927"/>
           </a:xfrm>
           <a:prstGeom prst="rect">
@@ -7800,11 +8148,10 @@
               <a:defRPr/>
             </a:pPr>
             <a:r>
-              <a:rPr lang="en-US" sz="1200" dirty="0">
+              <a:rPr lang="en-US" sz="1000" dirty="0">
                 <a:solidFill>
                   <a:srgbClr val="1E8900"/>
                 </a:solidFill>
-                <a:latin typeface="Arial" panose="020B0604020202020204" pitchFamily="34" charset="0"/>
                 <a:cs typeface="Arial" panose="020B0604020202020204" pitchFamily="34" charset="0"/>
               </a:rPr>
               <a:t>Public subnet</a:t>
@@ -7830,7 +8177,7 @@
           <a:blip r:embed="rId2">
             <a:extLst>
               <a:ext uri="{96DAC541-7B7A-43D3-8B79-37D633B846F1}">
-                <asvg:svgBlip xmlns="" xmlns:asvg="http://schemas.microsoft.com/office/drawing/2016/SVG/main" r:embed="rId25"/>
+                <asvg:svgBlip xmlns:asvg="http://schemas.microsoft.com/office/drawing/2016/SVG/main" xmlns="" r:embed="rId25"/>
               </a:ext>
             </a:extLst>
           </a:blip>
@@ -7840,7 +8187,7 @@
         </p:blipFill>
         <p:spPr>
           <a:xfrm>
-            <a:off x="10413708" y="1987552"/>
+            <a:off x="10057252" y="1926592"/>
             <a:ext cx="274320" cy="274320"/>
           </a:xfrm>
           <a:prstGeom prst="rect">
@@ -7862,7 +8209,7 @@
         </p:nvSpPr>
         <p:spPr>
           <a:xfrm>
-            <a:off x="10413708" y="3398679"/>
+            <a:off x="10057252" y="3337719"/>
             <a:ext cx="993475" cy="1143000"/>
           </a:xfrm>
           <a:prstGeom prst="rect">
@@ -7899,11 +8246,10 @@
           <a:lstStyle/>
           <a:p>
             <a:r>
-              <a:rPr lang="en-US" sz="1200" dirty="0">
+              <a:rPr lang="en-US" sz="1000" dirty="0">
                 <a:solidFill>
                   <a:srgbClr val="5B9CD5"/>
                 </a:solidFill>
-                <a:latin typeface="Arial" panose="020B0604020202020204" pitchFamily="34" charset="0"/>
                 <a:cs typeface="Arial" panose="020B0604020202020204" pitchFamily="34" charset="0"/>
               </a:rPr>
               <a:t>Private subnet</a:t>
@@ -7929,7 +8275,7 @@
           <a:blip r:embed="rId26">
             <a:extLst>
               <a:ext uri="{96DAC541-7B7A-43D3-8B79-37D633B846F1}">
-                <asvg:svgBlip xmlns="" xmlns:asvg="http://schemas.microsoft.com/office/drawing/2016/SVG/main" r:embed="rId27"/>
+                <asvg:svgBlip xmlns:asvg="http://schemas.microsoft.com/office/drawing/2016/SVG/main" xmlns="" r:embed="rId27"/>
               </a:ext>
             </a:extLst>
           </a:blip>
@@ -7939,7 +8285,7 @@
         </p:blipFill>
         <p:spPr>
           <a:xfrm>
-            <a:off x="10413708" y="3398679"/>
+            <a:off x="10057252" y="3337719"/>
             <a:ext cx="274320" cy="274320"/>
           </a:xfrm>
           <a:prstGeom prst="rect">
@@ -7961,7 +8307,7 @@
         </p:nvSpPr>
         <p:spPr>
           <a:xfrm>
-            <a:off x="9195991" y="4685689"/>
+            <a:off x="8839535" y="4624729"/>
             <a:ext cx="993475" cy="1143000"/>
           </a:xfrm>
           <a:prstGeom prst="rect">
@@ -7998,11 +8344,10 @@
           <a:lstStyle/>
           <a:p>
             <a:r>
-              <a:rPr lang="en-US" sz="1200" dirty="0">
+              <a:rPr lang="en-US" sz="1000" dirty="0">
                 <a:solidFill>
                   <a:srgbClr val="5B9CD5"/>
                 </a:solidFill>
-                <a:latin typeface="Arial" panose="020B0604020202020204" pitchFamily="34" charset="0"/>
                 <a:cs typeface="Arial" panose="020B0604020202020204" pitchFamily="34" charset="0"/>
               </a:rPr>
               <a:t>Isolated subnet</a:t>
@@ -8028,7 +8373,7 @@
           <a:blip r:embed="rId26">
             <a:extLst>
               <a:ext uri="{96DAC541-7B7A-43D3-8B79-37D633B846F1}">
-                <asvg:svgBlip xmlns="" xmlns:asvg="http://schemas.microsoft.com/office/drawing/2016/SVG/main" r:embed="rId27"/>
+                <asvg:svgBlip xmlns:asvg="http://schemas.microsoft.com/office/drawing/2016/SVG/main" xmlns="" r:embed="rId27"/>
               </a:ext>
             </a:extLst>
           </a:blip>
@@ -8038,7 +8383,7 @@
         </p:blipFill>
         <p:spPr>
           <a:xfrm>
-            <a:off x="9195991" y="4685689"/>
+            <a:off x="8839535" y="4624729"/>
             <a:ext cx="274320" cy="274320"/>
           </a:xfrm>
           <a:prstGeom prst="rect">
@@ -8060,7 +8405,7 @@
         </p:nvSpPr>
         <p:spPr>
           <a:xfrm>
-            <a:off x="10413708" y="4685689"/>
+            <a:off x="10057252" y="4624729"/>
             <a:ext cx="993475" cy="1143000"/>
           </a:xfrm>
           <a:prstGeom prst="rect">
@@ -8097,11 +8442,10 @@
           <a:lstStyle/>
           <a:p>
             <a:r>
-              <a:rPr lang="en-US" sz="1200" dirty="0">
+              <a:rPr lang="en-US" sz="1000" dirty="0">
                 <a:solidFill>
                   <a:srgbClr val="5B9CD5"/>
                 </a:solidFill>
-                <a:latin typeface="Arial" panose="020B0604020202020204" pitchFamily="34" charset="0"/>
                 <a:cs typeface="Arial" panose="020B0604020202020204" pitchFamily="34" charset="0"/>
               </a:rPr>
               <a:t>Isolated subnet</a:t>
@@ -8127,7 +8471,7 @@
           <a:blip r:embed="rId26">
             <a:extLst>
               <a:ext uri="{96DAC541-7B7A-43D3-8B79-37D633B846F1}">
-                <asvg:svgBlip xmlns="" xmlns:asvg="http://schemas.microsoft.com/office/drawing/2016/SVG/main" r:embed="rId27"/>
+                <asvg:svgBlip xmlns:asvg="http://schemas.microsoft.com/office/drawing/2016/SVG/main" xmlns="" r:embed="rId27"/>
               </a:ext>
             </a:extLst>
           </a:blip>
@@ -8137,7 +8481,7 @@
         </p:blipFill>
         <p:spPr>
           <a:xfrm>
-            <a:off x="10413708" y="4685689"/>
+            <a:off x="10057252" y="4624729"/>
             <a:ext cx="274320" cy="274320"/>
           </a:xfrm>
           <a:prstGeom prst="rect">
@@ -8159,8 +8503,8 @@
         </p:nvSpPr>
         <p:spPr>
           <a:xfrm>
-            <a:off x="3400063" y="3264380"/>
-            <a:ext cx="1589097" cy="461665"/>
+            <a:off x="3291576" y="3931837"/>
+            <a:ext cx="1589097" cy="400110"/>
           </a:xfrm>
           <a:prstGeom prst="rect">
             <a:avLst/>
@@ -8175,21 +8519,21 @@
           <a:p>
             <a:pPr algn="ctr"/>
             <a:r>
-              <a:rPr lang="en-US" sz="1200" dirty="0"/>
+              <a:rPr lang="en-US" sz="1000" dirty="0"/>
               <a:t>Peering </a:t>
             </a:r>
             <a:r>
-              <a:rPr lang="en-US" sz="1200" dirty="0" smtClean="0"/>
+              <a:rPr lang="en-US" sz="1000" dirty="0" smtClean="0"/>
               <a:t/>
             </a:r>
             <a:br>
-              <a:rPr lang="en-US" sz="1200" dirty="0" smtClean="0"/>
+              <a:rPr lang="en-US" sz="1000" dirty="0" smtClean="0"/>
             </a:br>
             <a:r>
-              <a:rPr lang="en-US" sz="1200" dirty="0" smtClean="0"/>
+              <a:rPr lang="en-US" sz="1000" dirty="0" smtClean="0"/>
               <a:t>connection</a:t>
             </a:r>
-            <a:endParaRPr lang="en-US" sz="1200" dirty="0"/>
+            <a:endParaRPr lang="en-US" sz="1000" dirty="0"/>
           </a:p>
         </p:txBody>
       </p:sp>
@@ -8211,7 +8555,7 @@
           <a:blip r:embed="rId29">
             <a:extLst>
               <a:ext uri="{96DAC541-7B7A-43D3-8B79-37D633B846F1}">
-                <asvg:svgBlip xmlns="" xmlns:asvg="http://schemas.microsoft.com/office/drawing/2016/SVG/main" r:embed="rId22"/>
+                <asvg:svgBlip xmlns:asvg="http://schemas.microsoft.com/office/drawing/2016/SVG/main" xmlns="" r:embed="rId22"/>
               </a:ext>
             </a:extLst>
           </a:blip>
@@ -8221,7 +8565,7 @@
         </p:blipFill>
         <p:spPr>
           <a:xfrm>
-            <a:off x="3959661" y="2749281"/>
+            <a:off x="3851174" y="3455483"/>
             <a:ext cx="469900" cy="469900"/>
           </a:xfrm>
           <a:prstGeom prst="rect">
@@ -8246,8 +8590,8 @@
         </p:nvSpPr>
         <p:spPr>
           <a:xfrm>
-            <a:off x="7361479" y="3254953"/>
-            <a:ext cx="1589097" cy="461665"/>
+            <a:off x="7098013" y="3930159"/>
+            <a:ext cx="1589097" cy="400110"/>
           </a:xfrm>
           <a:prstGeom prst="rect">
             <a:avLst/>
@@ -8262,21 +8606,21 @@
           <a:p>
             <a:pPr algn="ctr"/>
             <a:r>
-              <a:rPr lang="en-US" sz="1200" dirty="0"/>
+              <a:rPr lang="en-US" sz="1000" dirty="0"/>
               <a:t>Peering </a:t>
             </a:r>
             <a:r>
-              <a:rPr lang="en-US" sz="1200" dirty="0" smtClean="0"/>
+              <a:rPr lang="en-US" sz="1000" dirty="0" smtClean="0"/>
               <a:t/>
             </a:r>
             <a:br>
-              <a:rPr lang="en-US" sz="1200" dirty="0" smtClean="0"/>
+              <a:rPr lang="en-US" sz="1000" dirty="0" smtClean="0"/>
             </a:br>
             <a:r>
-              <a:rPr lang="en-US" sz="1200" dirty="0" smtClean="0"/>
+              <a:rPr lang="en-US" sz="1000" dirty="0" smtClean="0"/>
               <a:t>connection</a:t>
             </a:r>
-            <a:endParaRPr lang="en-US" sz="1200" dirty="0"/>
+            <a:endParaRPr lang="en-US" sz="1000" dirty="0"/>
           </a:p>
         </p:txBody>
       </p:sp>
@@ -8298,7 +8642,7 @@
           <a:blip r:embed="rId29">
             <a:extLst>
               <a:ext uri="{96DAC541-7B7A-43D3-8B79-37D633B846F1}">
-                <asvg:svgBlip xmlns="" xmlns:asvg="http://schemas.microsoft.com/office/drawing/2016/SVG/main" r:embed="rId22"/>
+                <asvg:svgBlip xmlns:asvg="http://schemas.microsoft.com/office/drawing/2016/SVG/main" xmlns="" r:embed="rId22"/>
               </a:ext>
             </a:extLst>
           </a:blip>
@@ -8308,7 +8652,7 @@
         </p:blipFill>
         <p:spPr>
           <a:xfrm>
-            <a:off x="7926646" y="2736642"/>
+            <a:off x="7663180" y="3450593"/>
             <a:ext cx="469900" cy="469900"/>
           </a:xfrm>
           <a:prstGeom prst="rect">
@@ -8319,12 +8663,93 @@
           </a:solidFill>
         </p:spPr>
       </p:pic>
+      <p:sp>
+        <p:nvSpPr>
+          <p:cNvPr id="104" name="TextBox 103">
+            <a:extLst>
+              <a:ext uri="{FF2B5EF4-FFF2-40B4-BE49-F238E27FC236}">
+                <a16:creationId xmlns:a16="http://schemas.microsoft.com/office/drawing/2014/main" id="{4EDB2C05-2F10-9C42-9C35-AE4BB249A665}"/>
+              </a:ext>
+            </a:extLst>
+          </p:cNvPr>
+          <p:cNvSpPr txBox="1"/>
+          <p:nvPr/>
+        </p:nvSpPr>
+        <p:spPr>
+          <a:xfrm>
+            <a:off x="1516984" y="538101"/>
+            <a:ext cx="1702433" cy="246221"/>
+          </a:xfrm>
+          <a:prstGeom prst="rect">
+            <a:avLst/>
+          </a:prstGeom>
+          <a:noFill/>
+        </p:spPr>
+        <p:txBody>
+          <a:bodyPr wrap="square" rtlCol="0">
+            <a:spAutoFit/>
+          </a:bodyPr>
+          <a:lstStyle/>
+          <a:p>
+            <a:pPr algn="ctr"/>
+            <a:r>
+              <a:rPr lang="en-US" sz="1000" dirty="0" smtClean="0">
+                <a:solidFill>
+                  <a:srgbClr val="232F3E"/>
+                </a:solidFill>
+              </a:rPr>
+              <a:t>End users (customers)</a:t>
+            </a:r>
+            <a:endParaRPr lang="en-US" sz="1000" dirty="0">
+              <a:solidFill>
+                <a:srgbClr val="232F3E"/>
+              </a:solidFill>
+            </a:endParaRPr>
+          </a:p>
+        </p:txBody>
+      </p:sp>
+      <p:sp>
+        <p:nvSpPr>
+          <p:cNvPr id="117" name="TextBox 116">
+            <a:extLst>
+              <a:ext uri="{FF2B5EF4-FFF2-40B4-BE49-F238E27FC236}">
+                <a16:creationId xmlns:a16="http://schemas.microsoft.com/office/drawing/2014/main" id="{729B5B61-AAB2-CD4C-BD0A-DECDDA49FCBB}"/>
+              </a:ext>
+            </a:extLst>
+          </p:cNvPr>
+          <p:cNvSpPr txBox="1"/>
+          <p:nvPr/>
+        </p:nvSpPr>
+        <p:spPr>
+          <a:xfrm>
+            <a:off x="4010704" y="6483917"/>
+            <a:ext cx="1252552" cy="246221"/>
+          </a:xfrm>
+          <a:prstGeom prst="rect">
+            <a:avLst/>
+          </a:prstGeom>
+          <a:noFill/>
+        </p:spPr>
+        <p:txBody>
+          <a:bodyPr wrap="square" rtlCol="0">
+            <a:spAutoFit/>
+          </a:bodyPr>
+          <a:lstStyle/>
+          <a:p>
+            <a:pPr algn="ctr"/>
+            <a:r>
+              <a:rPr lang="en-US" sz="1000" dirty="0"/>
+              <a:t>AWS Config</a:t>
+            </a:r>
+          </a:p>
+        </p:txBody>
+      </p:sp>
       <p:pic>
         <p:nvPicPr>
-          <p:cNvPr id="97" name="Graphic 25">
-            <a:extLst>
-              <a:ext uri="{FF2B5EF4-FFF2-40B4-BE49-F238E27FC236}">
-                <a16:creationId xmlns:a16="http://schemas.microsoft.com/office/drawing/2014/main" id="{C3E9DE62-900E-904C-9642-0A5F63D57B4C}"/>
+          <p:cNvPr id="118" name="Graphic 18">
+            <a:extLst>
+              <a:ext uri="{FF2B5EF4-FFF2-40B4-BE49-F238E27FC236}">
+                <a16:creationId xmlns:a16="http://schemas.microsoft.com/office/drawing/2014/main" id="{CC2A3F8C-8C0F-2F47-AAE1-7A7A1CB8F607}"/>
               </a:ext>
             </a:extLst>
           </p:cNvPr>
@@ -8337,7 +8762,7 @@
           <a:blip r:embed="rId30">
             <a:extLst>
               <a:ext uri="{96DAC541-7B7A-43D3-8B79-37D633B846F1}">
-                <asvg:svgBlip xmlns="" xmlns:asvg="http://schemas.microsoft.com/office/drawing/2016/SVG/main" r:embed="rId19"/>
+                <asvg:svgBlip xmlns:asvg="http://schemas.microsoft.com/office/drawing/2016/SVG/main" xmlns="" r:embed="rId9"/>
               </a:ext>
             </a:extLst>
           </a:blip>
@@ -8347,8 +8772,8 @@
         </p:blipFill>
         <p:spPr>
           <a:xfrm>
-            <a:off x="5560908" y="146227"/>
-            <a:ext cx="376602" cy="376602"/>
+            <a:off x="4361886" y="6033387"/>
+            <a:ext cx="457200" cy="457200"/>
           </a:xfrm>
           <a:prstGeom prst="rect">
             <a:avLst/>
@@ -8357,10 +8782,10 @@
       </p:pic>
       <p:sp>
         <p:nvSpPr>
-          <p:cNvPr id="99" name="TextBox 98">
-            <a:extLst>
-              <a:ext uri="{FF2B5EF4-FFF2-40B4-BE49-F238E27FC236}">
-                <a16:creationId xmlns:a16="http://schemas.microsoft.com/office/drawing/2014/main" id="{C5636447-DBCE-7C45-AD26-6BB1D3390243}"/>
+          <p:cNvPr id="119" name="TextBox 118">
+            <a:extLst>
+              <a:ext uri="{FF2B5EF4-FFF2-40B4-BE49-F238E27FC236}">
+                <a16:creationId xmlns:a16="http://schemas.microsoft.com/office/drawing/2014/main" id="{70F1D858-0A61-B249-BFE8-EC03E7D2639D}"/>
               </a:ext>
             </a:extLst>
           </p:cNvPr>
@@ -8369,8 +8794,8 @@
         </p:nvSpPr>
         <p:spPr>
           <a:xfrm>
-            <a:off x="5203094" y="460340"/>
-            <a:ext cx="1072750" cy="461665"/>
+            <a:off x="5303452" y="6483917"/>
+            <a:ext cx="1454836" cy="246221"/>
           </a:xfrm>
           <a:prstGeom prst="rect">
             <a:avLst/>
@@ -8385,38 +8810,18 @@
           <a:p>
             <a:pPr algn="ctr"/>
             <a:r>
-              <a:rPr lang="en-US" sz="1200" dirty="0" smtClean="0">
-                <a:solidFill>
-                  <a:srgbClr val="232F3E"/>
-                </a:solidFill>
-              </a:rPr>
-              <a:t>Company</a:t>
-            </a:r>
-          </a:p>
-          <a:p>
-            <a:pPr algn="ctr"/>
-            <a:r>
-              <a:rPr lang="en-US" sz="1200" dirty="0" smtClean="0">
-                <a:solidFill>
-                  <a:srgbClr val="232F3E"/>
-                </a:solidFill>
-              </a:rPr>
-              <a:t>offices</a:t>
-            </a:r>
-            <a:endParaRPr lang="en-US" sz="1200" dirty="0">
-              <a:solidFill>
-                <a:srgbClr val="232F3E"/>
-              </a:solidFill>
-            </a:endParaRPr>
+              <a:rPr lang="en-US" sz="1000" dirty="0"/>
+              <a:t>Amazon Route 53</a:t>
+            </a:r>
           </a:p>
         </p:txBody>
       </p:sp>
       <p:pic>
         <p:nvPicPr>
-          <p:cNvPr id="101" name="Graphic 41">
-            <a:extLst>
-              <a:ext uri="{FF2B5EF4-FFF2-40B4-BE49-F238E27FC236}">
-                <a16:creationId xmlns:a16="http://schemas.microsoft.com/office/drawing/2014/main" id="{1A56C62F-612C-5841-B7E7-B15DA92D0BDE}"/>
+          <p:cNvPr id="120" name="Graphic 41">
+            <a:extLst>
+              <a:ext uri="{FF2B5EF4-FFF2-40B4-BE49-F238E27FC236}">
+                <a16:creationId xmlns:a16="http://schemas.microsoft.com/office/drawing/2014/main" id="{5B1FEEC0-A82C-C940-A6B4-4A85ED521E63}"/>
               </a:ext>
             </a:extLst>
           </p:cNvPr>
@@ -8429,7 +8834,7 @@
           <a:blip r:embed="rId31">
             <a:extLst>
               <a:ext uri="{96DAC541-7B7A-43D3-8B79-37D633B846F1}">
-                <asvg:svgBlip xmlns="" xmlns:asvg="http://schemas.microsoft.com/office/drawing/2016/SVG/main" r:embed="rId33"/>
+                <asvg:svgBlip xmlns:asvg="http://schemas.microsoft.com/office/drawing/2016/SVG/main" xmlns="" r:embed="rId24"/>
               </a:ext>
             </a:extLst>
           </a:blip>
@@ -8438,9 +8843,9 @@
           </a:stretch>
         </p:blipFill>
         <p:spPr>
-          <a:xfrm flipH="1">
-            <a:off x="6711966" y="138187"/>
-            <a:ext cx="395845" cy="384642"/>
+          <a:xfrm>
+            <a:off x="5802270" y="6033387"/>
+            <a:ext cx="457200" cy="457200"/>
           </a:xfrm>
           <a:prstGeom prst="rect">
             <a:avLst/>
@@ -8449,10 +8854,10 @@
       </p:pic>
       <p:sp>
         <p:nvSpPr>
-          <p:cNvPr id="102" name="TextBox 101">
-            <a:extLst>
-              <a:ext uri="{FF2B5EF4-FFF2-40B4-BE49-F238E27FC236}">
-                <a16:creationId xmlns:a16="http://schemas.microsoft.com/office/drawing/2014/main" id="{4EDB2C05-2F10-9C42-9C35-AE4BB249A665}"/>
+          <p:cNvPr id="121" name="TextBox 120">
+            <a:extLst>
+              <a:ext uri="{FF2B5EF4-FFF2-40B4-BE49-F238E27FC236}">
+                <a16:creationId xmlns:a16="http://schemas.microsoft.com/office/drawing/2014/main" id="{ADB72D6E-A69F-7245-BD75-7AEEB715630F}"/>
               </a:ext>
             </a:extLst>
           </p:cNvPr>
@@ -8461,8 +8866,8 @@
         </p:nvSpPr>
         <p:spPr>
           <a:xfrm>
-            <a:off x="6317910" y="460340"/>
-            <a:ext cx="1262428" cy="461665"/>
+            <a:off x="6591213" y="6483917"/>
+            <a:ext cx="1678903" cy="246221"/>
           </a:xfrm>
           <a:prstGeom prst="rect">
             <a:avLst/>
@@ -8477,119 +8882,18 @@
           <a:p>
             <a:pPr algn="ctr"/>
             <a:r>
-              <a:rPr lang="en-US" sz="1200" dirty="0" smtClean="0">
-                <a:solidFill>
-                  <a:srgbClr val="232F3E"/>
-                </a:solidFill>
-              </a:rPr>
-              <a:t>Employees (developers)</a:t>
-            </a:r>
-          </a:p>
-        </p:txBody>
-      </p:sp>
-      <p:sp>
-        <p:nvSpPr>
-          <p:cNvPr id="104" name="TextBox 103">
-            <a:extLst>
-              <a:ext uri="{FF2B5EF4-FFF2-40B4-BE49-F238E27FC236}">
-                <a16:creationId xmlns:a16="http://schemas.microsoft.com/office/drawing/2014/main" id="{4EDB2C05-2F10-9C42-9C35-AE4BB249A665}"/>
-              </a:ext>
-            </a:extLst>
-          </p:cNvPr>
-          <p:cNvSpPr txBox="1"/>
-          <p:nvPr/>
-        </p:nvSpPr>
-        <p:spPr>
-          <a:xfrm>
-            <a:off x="1538920" y="645363"/>
-            <a:ext cx="1702433" cy="276999"/>
-          </a:xfrm>
-          <a:prstGeom prst="rect">
-            <a:avLst/>
-          </a:prstGeom>
-          <a:noFill/>
-        </p:spPr>
-        <p:txBody>
-          <a:bodyPr wrap="square" rtlCol="0">
-            <a:spAutoFit/>
-          </a:bodyPr>
-          <a:lstStyle/>
-          <a:p>
-            <a:pPr algn="ctr"/>
-            <a:r>
-              <a:rPr lang="en-US" sz="1200" dirty="0" smtClean="0">
-                <a:solidFill>
-                  <a:srgbClr val="232F3E"/>
-                </a:solidFill>
-              </a:rPr>
-              <a:t>End </a:t>
-            </a:r>
-            <a:r>
-              <a:rPr lang="en-US" sz="1200" dirty="0" smtClean="0">
-                <a:solidFill>
-                  <a:srgbClr val="232F3E"/>
-                </a:solidFill>
-              </a:rPr>
-              <a:t>users (customers</a:t>
-            </a:r>
-            <a:r>
-              <a:rPr lang="en-US" sz="1200" dirty="0" smtClean="0">
-                <a:solidFill>
-                  <a:srgbClr val="232F3E"/>
-                </a:solidFill>
-              </a:rPr>
-              <a:t>)</a:t>
-            </a:r>
-            <a:endParaRPr lang="en-US" sz="1200" dirty="0">
-              <a:solidFill>
-                <a:srgbClr val="232F3E"/>
-              </a:solidFill>
-            </a:endParaRPr>
-          </a:p>
-        </p:txBody>
-      </p:sp>
-      <p:sp>
-        <p:nvSpPr>
-          <p:cNvPr id="117" name="TextBox 116">
-            <a:extLst>
-              <a:ext uri="{FF2B5EF4-FFF2-40B4-BE49-F238E27FC236}">
-                <a16:creationId xmlns:a16="http://schemas.microsoft.com/office/drawing/2014/main" id="{729B5B61-AAB2-CD4C-BD0A-DECDDA49FCBB}"/>
-              </a:ext>
-            </a:extLst>
-          </p:cNvPr>
-          <p:cNvSpPr txBox="1"/>
-          <p:nvPr/>
-        </p:nvSpPr>
-        <p:spPr>
-          <a:xfrm>
-            <a:off x="4126939" y="5614981"/>
-            <a:ext cx="1252552" cy="276999"/>
-          </a:xfrm>
-          <a:prstGeom prst="rect">
-            <a:avLst/>
-          </a:prstGeom>
-          <a:noFill/>
-        </p:spPr>
-        <p:txBody>
-          <a:bodyPr wrap="square" rtlCol="0">
-            <a:spAutoFit/>
-          </a:bodyPr>
-          <a:lstStyle/>
-          <a:p>
-            <a:pPr algn="ctr"/>
-            <a:r>
-              <a:rPr lang="en-US" sz="1200" dirty="0"/>
-              <a:t>AWS Config</a:t>
+              <a:rPr lang="en-US" sz="1000" dirty="0"/>
+              <a:t>AWS Service Catalog</a:t>
             </a:r>
           </a:p>
         </p:txBody>
       </p:sp>
       <p:pic>
         <p:nvPicPr>
-          <p:cNvPr id="118" name="Graphic 18">
-            <a:extLst>
-              <a:ext uri="{FF2B5EF4-FFF2-40B4-BE49-F238E27FC236}">
-                <a16:creationId xmlns:a16="http://schemas.microsoft.com/office/drawing/2014/main" id="{CC2A3F8C-8C0F-2F47-AAE1-7A7A1CB8F607}"/>
+          <p:cNvPr id="122" name="Graphic 53">
+            <a:extLst>
+              <a:ext uri="{FF2B5EF4-FFF2-40B4-BE49-F238E27FC236}">
+                <a16:creationId xmlns:a16="http://schemas.microsoft.com/office/drawing/2014/main" id="{B305F2C0-EFAA-2249-90ED-07D219860D31}"/>
               </a:ext>
             </a:extLst>
           </p:cNvPr>
@@ -8599,10 +8903,10 @@
           <p:nvPr/>
         </p:nvPicPr>
         <p:blipFill>
-          <a:blip r:embed="rId34">
+          <a:blip r:embed="rId32">
             <a:extLst>
               <a:ext uri="{96DAC541-7B7A-43D3-8B79-37D633B846F1}">
-                <asvg:svgBlip xmlns="" xmlns:asvg="http://schemas.microsoft.com/office/drawing/2016/SVG/main" r:embed="rId9"/>
+                <asvg:svgBlip xmlns:asvg="http://schemas.microsoft.com/office/drawing/2016/SVG/main" xmlns="" r:embed="rId5"/>
               </a:ext>
             </a:extLst>
           </a:blip>
@@ -8612,7 +8916,7 @@
         </p:blipFill>
         <p:spPr>
           <a:xfrm>
-            <a:off x="4524615" y="5164451"/>
+            <a:off x="7202064" y="6033387"/>
             <a:ext cx="457200" cy="457200"/>
           </a:xfrm>
           <a:prstGeom prst="rect">
@@ -8620,255 +8924,96 @@
           </a:prstGeom>
         </p:spPr>
       </p:pic>
-      <p:sp>
-        <p:nvSpPr>
-          <p:cNvPr id="119" name="TextBox 118">
-            <a:extLst>
-              <a:ext uri="{FF2B5EF4-FFF2-40B4-BE49-F238E27FC236}">
-                <a16:creationId xmlns:a16="http://schemas.microsoft.com/office/drawing/2014/main" id="{70F1D858-0A61-B249-BFE8-EC03E7D2639D}"/>
-              </a:ext>
-            </a:extLst>
-          </p:cNvPr>
-          <p:cNvSpPr txBox="1"/>
-          <p:nvPr/>
-        </p:nvSpPr>
-        <p:spPr>
-          <a:xfrm>
-            <a:off x="5458432" y="5614981"/>
-            <a:ext cx="1454836" cy="276999"/>
-          </a:xfrm>
-          <a:prstGeom prst="rect">
-            <a:avLst/>
-          </a:prstGeom>
-          <a:noFill/>
-        </p:spPr>
-        <p:txBody>
-          <a:bodyPr wrap="square" rtlCol="0">
-            <a:spAutoFit/>
-          </a:bodyPr>
-          <a:lstStyle/>
-          <a:p>
-            <a:pPr algn="ctr"/>
-            <a:r>
-              <a:rPr lang="en-US" sz="1200" dirty="0"/>
-              <a:t>Amazon Route 53</a:t>
-            </a:r>
-          </a:p>
-        </p:txBody>
-      </p:sp>
-      <p:pic>
-        <p:nvPicPr>
-          <p:cNvPr id="120" name="Graphic 41">
-            <a:extLst>
-              <a:ext uri="{FF2B5EF4-FFF2-40B4-BE49-F238E27FC236}">
-                <a16:creationId xmlns:a16="http://schemas.microsoft.com/office/drawing/2014/main" id="{5B1FEEC0-A82C-C940-A6B4-4A85ED521E63}"/>
-              </a:ext>
-            </a:extLst>
-          </p:cNvPr>
-          <p:cNvPicPr>
-            <a:picLocks noChangeAspect="1"/>
-          </p:cNvPicPr>
-          <p:nvPr/>
-        </p:nvPicPr>
-        <p:blipFill>
-          <a:blip r:embed="rId35">
-            <a:extLst>
-              <a:ext uri="{96DAC541-7B7A-43D3-8B79-37D633B846F1}">
-                <asvg:svgBlip xmlns="" xmlns:asvg="http://schemas.microsoft.com/office/drawing/2016/SVG/main" r:embed="rId24"/>
-              </a:ext>
-            </a:extLst>
-          </a:blip>
-          <a:stretch>
-            <a:fillRect/>
-          </a:stretch>
-        </p:blipFill>
-        <p:spPr>
-          <a:xfrm>
-            <a:off x="5957250" y="5164451"/>
-            <a:ext cx="457200" cy="457200"/>
-          </a:xfrm>
-          <a:prstGeom prst="rect">
-            <a:avLst/>
-          </a:prstGeom>
-        </p:spPr>
-      </p:pic>
-      <p:sp>
-        <p:nvSpPr>
-          <p:cNvPr id="121" name="TextBox 120">
-            <a:extLst>
-              <a:ext uri="{FF2B5EF4-FFF2-40B4-BE49-F238E27FC236}">
-                <a16:creationId xmlns:a16="http://schemas.microsoft.com/office/drawing/2014/main" id="{ADB72D6E-A69F-7245-BD75-7AEEB715630F}"/>
-              </a:ext>
-            </a:extLst>
-          </p:cNvPr>
-          <p:cNvSpPr txBox="1"/>
-          <p:nvPr/>
-        </p:nvSpPr>
-        <p:spPr>
-          <a:xfrm>
-            <a:off x="6831432" y="5614981"/>
-            <a:ext cx="1678903" cy="276999"/>
-          </a:xfrm>
-          <a:prstGeom prst="rect">
-            <a:avLst/>
-          </a:prstGeom>
-          <a:noFill/>
-        </p:spPr>
-        <p:txBody>
-          <a:bodyPr wrap="square" rtlCol="0">
-            <a:spAutoFit/>
-          </a:bodyPr>
-          <a:lstStyle/>
-          <a:p>
-            <a:pPr algn="ctr"/>
-            <a:r>
-              <a:rPr lang="en-US" sz="1200" dirty="0"/>
-              <a:t>AWS Service Catalog</a:t>
-            </a:r>
-          </a:p>
-        </p:txBody>
-      </p:sp>
-      <p:pic>
-        <p:nvPicPr>
-          <p:cNvPr id="122" name="Graphic 53">
-            <a:extLst>
-              <a:ext uri="{FF2B5EF4-FFF2-40B4-BE49-F238E27FC236}">
-                <a16:creationId xmlns:a16="http://schemas.microsoft.com/office/drawing/2014/main" id="{B305F2C0-EFAA-2249-90ED-07D219860D31}"/>
-              </a:ext>
-            </a:extLst>
-          </p:cNvPr>
-          <p:cNvPicPr>
-            <a:picLocks noChangeAspect="1"/>
-          </p:cNvPicPr>
-          <p:nvPr/>
-        </p:nvPicPr>
-        <p:blipFill>
-          <a:blip r:embed="rId36">
-            <a:extLst>
-              <a:ext uri="{96DAC541-7B7A-43D3-8B79-37D633B846F1}">
-                <asvg:svgBlip xmlns="" xmlns:asvg="http://schemas.microsoft.com/office/drawing/2016/SVG/main" r:embed="rId5"/>
-              </a:ext>
-            </a:extLst>
-          </a:blip>
-          <a:stretch>
-            <a:fillRect/>
-          </a:stretch>
-        </p:blipFill>
-        <p:spPr>
-          <a:xfrm>
-            <a:off x="7442283" y="5164451"/>
-            <a:ext cx="457200" cy="457200"/>
-          </a:xfrm>
-          <a:prstGeom prst="rect">
-            <a:avLst/>
-          </a:prstGeom>
-        </p:spPr>
-      </p:pic>
-      <p:grpSp>
-        <p:nvGrpSpPr>
-          <p:cNvPr id="32" name="Group 31"/>
-          <p:cNvGrpSpPr/>
-          <p:nvPr/>
-        </p:nvGrpSpPr>
-        <p:grpSpPr>
-          <a:xfrm>
-            <a:off x="1743959" y="903406"/>
-            <a:ext cx="1238084" cy="1086506"/>
-            <a:chOff x="1743959" y="885356"/>
-            <a:chExt cx="1238084" cy="1104555"/>
-          </a:xfrm>
-        </p:grpSpPr>
-        <p:cxnSp>
-          <p:nvCxnSpPr>
-            <p:cNvPr id="89" name="Straight Arrow Connector 88">
-              <a:extLst>
-                <a:ext uri="{FF2B5EF4-FFF2-40B4-BE49-F238E27FC236}">
-                  <a16:creationId xmlns:a16="http://schemas.microsoft.com/office/drawing/2014/main" id="{9D095CB6-90B5-DF4F-9F62-D3930E59C3F5}"/>
-                </a:ext>
-              </a:extLst>
-            </p:cNvPr>
-            <p:cNvCxnSpPr>
-              <a:endCxn id="11" idx="0"/>
-            </p:cNvCxnSpPr>
-            <p:nvPr/>
-          </p:nvCxnSpPr>
-          <p:spPr>
-            <a:xfrm>
-              <a:off x="1743959" y="895630"/>
-              <a:ext cx="0" cy="1094281"/>
-            </a:xfrm>
-            <a:prstGeom prst="straightConnector1">
-              <a:avLst/>
-            </a:prstGeom>
-            <a:ln w="12700">
-              <a:solidFill>
-                <a:srgbClr val="545B64"/>
-              </a:solidFill>
-              <a:headEnd type="arrow" w="med" len="sm"/>
-              <a:tailEnd type="arrow" w="med" len="sm"/>
-            </a:ln>
-          </p:spPr>
-          <p:style>
-            <a:lnRef idx="1">
-              <a:schemeClr val="accent1"/>
-            </a:lnRef>
-            <a:fillRef idx="0">
-              <a:schemeClr val="accent1"/>
-            </a:fillRef>
-            <a:effectRef idx="0">
-              <a:schemeClr val="accent1"/>
-            </a:effectRef>
-            <a:fontRef idx="minor">
-              <a:schemeClr val="tx1"/>
-            </a:fontRef>
-          </p:style>
-        </p:cxnSp>
-        <p:cxnSp>
-          <p:nvCxnSpPr>
-            <p:cNvPr id="98" name="Straight Arrow Connector 97">
-              <a:extLst>
-                <a:ext uri="{FF2B5EF4-FFF2-40B4-BE49-F238E27FC236}">
-                  <a16:creationId xmlns:a16="http://schemas.microsoft.com/office/drawing/2014/main" id="{9D095CB6-90B5-DF4F-9F62-D3930E59C3F5}"/>
-                </a:ext>
-              </a:extLst>
-            </p:cNvPr>
-            <p:cNvCxnSpPr>
-              <a:endCxn id="18" idx="0"/>
-            </p:cNvCxnSpPr>
-            <p:nvPr/>
-          </p:nvCxnSpPr>
-          <p:spPr>
-            <a:xfrm flipH="1">
-              <a:off x="2982043" y="885356"/>
-              <a:ext cx="0" cy="1104555"/>
-            </a:xfrm>
-            <a:prstGeom prst="straightConnector1">
-              <a:avLst/>
-            </a:prstGeom>
-            <a:ln w="12700">
-              <a:solidFill>
-                <a:srgbClr val="545B64"/>
-              </a:solidFill>
-              <a:headEnd type="arrow" w="med" len="sm"/>
-              <a:tailEnd type="arrow" w="med" len="sm"/>
-            </a:ln>
-          </p:spPr>
-          <p:style>
-            <a:lnRef idx="1">
-              <a:schemeClr val="accent1"/>
-            </a:lnRef>
-            <a:fillRef idx="0">
-              <a:schemeClr val="accent1"/>
-            </a:fillRef>
-            <a:effectRef idx="0">
-              <a:schemeClr val="accent1"/>
-            </a:effectRef>
-            <a:fontRef idx="minor">
-              <a:schemeClr val="tx1"/>
-            </a:fontRef>
-          </p:style>
-        </p:cxnSp>
-      </p:grpSp>
+      <p:cxnSp>
+        <p:nvCxnSpPr>
+          <p:cNvPr id="89" name="Straight Arrow Connector 88">
+            <a:extLst>
+              <a:ext uri="{FF2B5EF4-FFF2-40B4-BE49-F238E27FC236}">
+                <a16:creationId xmlns:a16="http://schemas.microsoft.com/office/drawing/2014/main" id="{9D095CB6-90B5-DF4F-9F62-D3930E59C3F5}"/>
+              </a:ext>
+            </a:extLst>
+          </p:cNvPr>
+          <p:cNvCxnSpPr>
+            <a:endCxn id="11" idx="0"/>
+          </p:cNvCxnSpPr>
+          <p:nvPr/>
+        </p:nvCxnSpPr>
+        <p:spPr>
+          <a:xfrm flipH="1">
+            <a:off x="1754900" y="783175"/>
+            <a:ext cx="0" cy="1145776"/>
+          </a:xfrm>
+          <a:prstGeom prst="straightConnector1">
+            <a:avLst/>
+          </a:prstGeom>
+          <a:ln w="12700">
+            <a:solidFill>
+              <a:srgbClr val="545B64"/>
+            </a:solidFill>
+            <a:headEnd type="arrow" w="med" len="sm"/>
+            <a:tailEnd type="arrow" w="med" len="sm"/>
+          </a:ln>
+        </p:spPr>
+        <p:style>
+          <a:lnRef idx="1">
+            <a:schemeClr val="accent1"/>
+          </a:lnRef>
+          <a:fillRef idx="0">
+            <a:schemeClr val="accent1"/>
+          </a:fillRef>
+          <a:effectRef idx="0">
+            <a:schemeClr val="accent1"/>
+          </a:effectRef>
+          <a:fontRef idx="minor">
+            <a:schemeClr val="tx1"/>
+          </a:fontRef>
+        </p:style>
+      </p:cxnSp>
+      <p:cxnSp>
+        <p:nvCxnSpPr>
+          <p:cNvPr id="98" name="Straight Arrow Connector 97">
+            <a:extLst>
+              <a:ext uri="{FF2B5EF4-FFF2-40B4-BE49-F238E27FC236}">
+                <a16:creationId xmlns:a16="http://schemas.microsoft.com/office/drawing/2014/main" id="{9D095CB6-90B5-DF4F-9F62-D3930E59C3F5}"/>
+              </a:ext>
+            </a:extLst>
+          </p:cNvPr>
+          <p:cNvCxnSpPr>
+            <a:endCxn id="18" idx="0"/>
+          </p:cNvCxnSpPr>
+          <p:nvPr/>
+        </p:nvCxnSpPr>
+        <p:spPr>
+          <a:xfrm>
+            <a:off x="2979420" y="783175"/>
+            <a:ext cx="2623" cy="1145776"/>
+          </a:xfrm>
+          <a:prstGeom prst="straightConnector1">
+            <a:avLst/>
+          </a:prstGeom>
+          <a:ln w="12700">
+            <a:solidFill>
+              <a:srgbClr val="545B64"/>
+            </a:solidFill>
+            <a:headEnd type="arrow" w="med" len="sm"/>
+            <a:tailEnd type="arrow" w="med" len="sm"/>
+          </a:ln>
+        </p:spPr>
+        <p:style>
+          <a:lnRef idx="1">
+            <a:schemeClr val="accent1"/>
+          </a:lnRef>
+          <a:fillRef idx="0">
+            <a:schemeClr val="accent1"/>
+          </a:fillRef>
+          <a:effectRef idx="0">
+            <a:schemeClr val="accent1"/>
+          </a:effectRef>
+          <a:fontRef idx="minor">
+            <a:schemeClr val="tx1"/>
+          </a:fontRef>
+        </p:style>
+      </p:cxnSp>
       <p:cxnSp>
         <p:nvCxnSpPr>
           <p:cNvPr id="100" name="Straight Arrow Connector 99">
@@ -8884,9 +9029,9 @@
           <p:nvPr/>
         </p:nvCxnSpPr>
         <p:spPr>
-          <a:xfrm>
-            <a:off x="5722070" y="903975"/>
-            <a:ext cx="0" cy="1072048"/>
+          <a:xfrm flipH="1">
+            <a:off x="5551334" y="784860"/>
+            <a:ext cx="0" cy="1130203"/>
           </a:xfrm>
           <a:prstGeom prst="straightConnector1">
             <a:avLst/>
@@ -8930,8 +9075,8 @@
         </p:nvCxnSpPr>
         <p:spPr>
           <a:xfrm>
-            <a:off x="6932122" y="903406"/>
-            <a:ext cx="0" cy="1072617"/>
+            <a:off x="6765908" y="783175"/>
+            <a:ext cx="3141" cy="1131888"/>
           </a:xfrm>
           <a:prstGeom prst="straightConnector1">
             <a:avLst/>
@@ -8973,7 +9118,7 @@
         </p:nvSpPr>
         <p:spPr bwMode="auto">
           <a:xfrm>
-            <a:off x="1162864" y="1318188"/>
+            <a:off x="1162864" y="1257228"/>
             <a:ext cx="1177077" cy="4663405"/>
           </a:xfrm>
           <a:prstGeom prst="rect">
@@ -9042,7 +9187,7 @@
         </p:nvSpPr>
         <p:spPr bwMode="auto">
           <a:xfrm>
-            <a:off x="2389915" y="1319757"/>
+            <a:off x="2389915" y="1258797"/>
             <a:ext cx="1177077" cy="4663405"/>
           </a:xfrm>
           <a:prstGeom prst="rect">
@@ -9126,7 +9271,7 @@
         </p:nvSpPr>
         <p:spPr bwMode="auto">
           <a:xfrm>
-            <a:off x="9094695" y="1316619"/>
+            <a:off x="8738239" y="1255659"/>
             <a:ext cx="1177077" cy="4666543"/>
           </a:xfrm>
           <a:prstGeom prst="rect">
@@ -9195,7 +9340,7 @@
         </p:nvSpPr>
         <p:spPr bwMode="auto">
           <a:xfrm>
-            <a:off x="10321746" y="1318188"/>
+            <a:off x="9965290" y="1257228"/>
             <a:ext cx="1177077" cy="4666543"/>
           </a:xfrm>
           <a:prstGeom prst="rect">
@@ -9279,7 +9424,7 @@
         </p:nvSpPr>
         <p:spPr>
           <a:xfrm>
-            <a:off x="5232694" y="3403646"/>
+            <a:off x="5054596" y="3342686"/>
             <a:ext cx="993475" cy="1143000"/>
           </a:xfrm>
           <a:prstGeom prst="rect">
@@ -9316,11 +9461,10 @@
           <a:lstStyle/>
           <a:p>
             <a:r>
-              <a:rPr lang="en-US" sz="1200" dirty="0">
+              <a:rPr lang="en-US" sz="1000" dirty="0">
                 <a:solidFill>
                   <a:srgbClr val="5B9CD5"/>
                 </a:solidFill>
-                <a:latin typeface="Arial" panose="020B0604020202020204" pitchFamily="34" charset="0"/>
                 <a:cs typeface="Arial" panose="020B0604020202020204" pitchFamily="34" charset="0"/>
               </a:rPr>
               <a:t>Private subnet</a:t>
@@ -9342,7 +9486,7 @@
         </p:nvSpPr>
         <p:spPr>
           <a:xfrm>
-            <a:off x="5232694" y="1976023"/>
+            <a:off x="5054596" y="1915063"/>
             <a:ext cx="993475" cy="1213927"/>
           </a:xfrm>
           <a:prstGeom prst="rect">
@@ -9387,11 +9531,10 @@
               <a:defRPr/>
             </a:pPr>
             <a:r>
-              <a:rPr lang="en-US" sz="1200" dirty="0">
+              <a:rPr lang="en-US" sz="1000" dirty="0">
                 <a:solidFill>
                   <a:srgbClr val="1E8900"/>
                 </a:solidFill>
-                <a:latin typeface="Arial" panose="020B0604020202020204" pitchFamily="34" charset="0"/>
                 <a:cs typeface="Arial" panose="020B0604020202020204" pitchFamily="34" charset="0"/>
               </a:rPr>
               <a:t>Public subnet</a:t>
@@ -9417,7 +9560,7 @@
           <a:blip r:embed="rId2">
             <a:extLst>
               <a:ext uri="{96DAC541-7B7A-43D3-8B79-37D633B846F1}">
-                <asvg:svgBlip xmlns="" xmlns:asvg="http://schemas.microsoft.com/office/drawing/2016/SVG/main" r:embed="rId25"/>
+                <asvg:svgBlip xmlns:asvg="http://schemas.microsoft.com/office/drawing/2016/SVG/main" xmlns="" r:embed="rId25"/>
               </a:ext>
             </a:extLst>
           </a:blip>
@@ -9427,7 +9570,7 @@
         </p:blipFill>
         <p:spPr>
           <a:xfrm>
-            <a:off x="5232694" y="1973665"/>
+            <a:off x="5054596" y="1912705"/>
             <a:ext cx="274320" cy="274320"/>
           </a:xfrm>
           <a:prstGeom prst="rect">
@@ -9453,7 +9596,7 @@
           <a:blip r:embed="rId26">
             <a:extLst>
               <a:ext uri="{96DAC541-7B7A-43D3-8B79-37D633B846F1}">
-                <asvg:svgBlip xmlns="" xmlns:asvg="http://schemas.microsoft.com/office/drawing/2016/SVG/main" r:embed="rId27"/>
+                <asvg:svgBlip xmlns:asvg="http://schemas.microsoft.com/office/drawing/2016/SVG/main" xmlns="" r:embed="rId27"/>
               </a:ext>
             </a:extLst>
           </a:blip>
@@ -9463,7 +9606,7 @@
         </p:blipFill>
         <p:spPr>
           <a:xfrm>
-            <a:off x="5232694" y="3403646"/>
+            <a:off x="5054596" y="3342686"/>
             <a:ext cx="274320" cy="274320"/>
           </a:xfrm>
           <a:prstGeom prst="rect">
@@ -9485,8 +9628,8 @@
         </p:nvSpPr>
         <p:spPr>
           <a:xfrm>
-            <a:off x="4714330" y="1589892"/>
-            <a:ext cx="2900694" cy="3023779"/>
+            <a:off x="4536232" y="1528932"/>
+            <a:ext cx="2900694" cy="4305822"/>
           </a:xfrm>
           <a:prstGeom prst="rect">
             <a:avLst/>
@@ -9519,12 +9662,11 @@
           <a:lstStyle/>
           <a:p>
             <a:r>
-              <a:rPr lang="en-US" sz="1200" dirty="0">
+              <a:rPr lang="en-US" sz="1000" dirty="0">
                 <a:ln w="0"/>
                 <a:solidFill>
                   <a:srgbClr val="1E8900"/>
                 </a:solidFill>
-                <a:latin typeface="Arial" panose="020B0604020202020204" pitchFamily="34" charset="0"/>
                 <a:cs typeface="Arial" panose="020B0604020202020204" pitchFamily="34" charset="0"/>
               </a:rPr>
               <a:t>Management VPC</a:t>
@@ -9550,7 +9692,7 @@
           <a:blip r:embed="rId28">
             <a:extLst>
               <a:ext uri="{96DAC541-7B7A-43D3-8B79-37D633B846F1}">
-                <asvg:svgBlip xmlns="" xmlns:asvg="http://schemas.microsoft.com/office/drawing/2016/SVG/main" r:embed="rId23"/>
+                <asvg:svgBlip xmlns:asvg="http://schemas.microsoft.com/office/drawing/2016/SVG/main" xmlns="" r:embed="rId23"/>
               </a:ext>
             </a:extLst>
           </a:blip>
@@ -9560,7 +9702,7 @@
         </p:blipFill>
         <p:spPr>
           <a:xfrm>
-            <a:off x="4714331" y="1589893"/>
+            <a:off x="4536233" y="1528933"/>
             <a:ext cx="330200" cy="330200"/>
           </a:xfrm>
           <a:prstGeom prst="rect">
@@ -9582,7 +9724,7 @@
         </p:nvSpPr>
         <p:spPr>
           <a:xfrm>
-            <a:off x="6450409" y="1976023"/>
+            <a:off x="6272311" y="1915063"/>
             <a:ext cx="993475" cy="1213927"/>
           </a:xfrm>
           <a:prstGeom prst="rect">
@@ -9627,11 +9769,10 @@
               <a:defRPr/>
             </a:pPr>
             <a:r>
-              <a:rPr lang="en-US" sz="1200" dirty="0">
+              <a:rPr lang="en-US" sz="1000" dirty="0">
                 <a:solidFill>
                   <a:srgbClr val="1E8900"/>
                 </a:solidFill>
-                <a:latin typeface="Arial" panose="020B0604020202020204" pitchFamily="34" charset="0"/>
                 <a:cs typeface="Arial" panose="020B0604020202020204" pitchFamily="34" charset="0"/>
               </a:rPr>
               <a:t>Public subnet</a:t>
@@ -9657,7 +9798,7 @@
           <a:blip r:embed="rId2">
             <a:extLst>
               <a:ext uri="{96DAC541-7B7A-43D3-8B79-37D633B846F1}">
-                <asvg:svgBlip xmlns="" xmlns:asvg="http://schemas.microsoft.com/office/drawing/2016/SVG/main" r:embed="rId25"/>
+                <asvg:svgBlip xmlns:asvg="http://schemas.microsoft.com/office/drawing/2016/SVG/main" xmlns="" r:embed="rId25"/>
               </a:ext>
             </a:extLst>
           </a:blip>
@@ -9667,7 +9808,7 @@
         </p:blipFill>
         <p:spPr>
           <a:xfrm>
-            <a:off x="6450409" y="1973665"/>
+            <a:off x="6272311" y="1912705"/>
             <a:ext cx="274320" cy="274320"/>
           </a:xfrm>
           <a:prstGeom prst="rect">
@@ -9689,7 +9830,7 @@
         </p:nvSpPr>
         <p:spPr>
           <a:xfrm>
-            <a:off x="6450409" y="3403646"/>
+            <a:off x="6272311" y="3342686"/>
             <a:ext cx="993475" cy="1143000"/>
           </a:xfrm>
           <a:prstGeom prst="rect">
@@ -9726,11 +9867,10 @@
           <a:lstStyle/>
           <a:p>
             <a:r>
-              <a:rPr lang="en-US" sz="1200" dirty="0">
+              <a:rPr lang="en-US" sz="1000" dirty="0">
                 <a:solidFill>
                   <a:srgbClr val="5B9CD5"/>
                 </a:solidFill>
-                <a:latin typeface="Arial" panose="020B0604020202020204" pitchFamily="34" charset="0"/>
                 <a:cs typeface="Arial" panose="020B0604020202020204" pitchFamily="34" charset="0"/>
               </a:rPr>
               <a:t>Private subnet</a:t>
@@ -9756,7 +9896,7 @@
           <a:blip r:embed="rId26">
             <a:extLst>
               <a:ext uri="{96DAC541-7B7A-43D3-8B79-37D633B846F1}">
-                <asvg:svgBlip xmlns="" xmlns:asvg="http://schemas.microsoft.com/office/drawing/2016/SVG/main" r:embed="rId27"/>
+                <asvg:svgBlip xmlns:asvg="http://schemas.microsoft.com/office/drawing/2016/SVG/main" xmlns="" r:embed="rId27"/>
               </a:ext>
             </a:extLst>
           </a:blip>
@@ -9766,7 +9906,7 @@
         </p:blipFill>
         <p:spPr>
           <a:xfrm>
-            <a:off x="6450409" y="3403646"/>
+            <a:off x="6272311" y="3342686"/>
             <a:ext cx="274320" cy="274320"/>
           </a:xfrm>
           <a:prstGeom prst="rect">
@@ -9774,54 +9914,6 @@
           </a:prstGeom>
         </p:spPr>
       </p:pic>
-      <p:sp>
-        <p:nvSpPr>
-          <p:cNvPr id="93" name="TextBox 92">
-            <a:extLst>
-              <a:ext uri="{FF2B5EF4-FFF2-40B4-BE49-F238E27FC236}">
-                <a16:creationId xmlns:a16="http://schemas.microsoft.com/office/drawing/2014/main" id="{60935D17-F26E-9E49-B2C9-D8C92D6E6BE5}"/>
-              </a:ext>
-            </a:extLst>
-          </p:cNvPr>
-          <p:cNvSpPr txBox="1"/>
-          <p:nvPr/>
-        </p:nvSpPr>
-        <p:spPr>
-          <a:xfrm>
-            <a:off x="5121796" y="2793312"/>
-            <a:ext cx="1269288" cy="461665"/>
-          </a:xfrm>
-          <a:prstGeom prst="rect">
-            <a:avLst/>
-          </a:prstGeom>
-          <a:noFill/>
-        </p:spPr>
-        <p:txBody>
-          <a:bodyPr wrap="square" rtlCol="0">
-            <a:spAutoFit/>
-          </a:bodyPr>
-          <a:lstStyle/>
-          <a:p>
-            <a:pPr algn="ctr"/>
-            <a:r>
-              <a:rPr lang="en-US" sz="1200" dirty="0"/>
-              <a:t>AWS </a:t>
-            </a:r>
-            <a:r>
-              <a:rPr lang="en-US" sz="1200" dirty="0" smtClean="0"/>
-              <a:t>client </a:t>
-            </a:r>
-            <a:br>
-              <a:rPr lang="en-US" sz="1200" dirty="0" smtClean="0"/>
-            </a:br>
-            <a:r>
-              <a:rPr lang="en-US" sz="1200" dirty="0" smtClean="0"/>
-              <a:t>VPN</a:t>
-            </a:r>
-            <a:endParaRPr lang="en-US" sz="1200" dirty="0"/>
-          </a:p>
-        </p:txBody>
-      </p:sp>
       <p:pic>
         <p:nvPicPr>
           <p:cNvPr id="94" name="Graphic 8">
@@ -9837,10 +9929,10 @@
           <p:nvPr/>
         </p:nvPicPr>
         <p:blipFill>
-          <a:blip r:embed="rId37">
+          <a:blip r:embed="rId33">
             <a:extLst>
               <a:ext uri="{96DAC541-7B7A-43D3-8B79-37D633B846F1}">
-                <asvg:svgBlip xmlns="" xmlns:asvg="http://schemas.microsoft.com/office/drawing/2016/SVG/main" r:embed="rId8"/>
+                <asvg:svgBlip xmlns:asvg="http://schemas.microsoft.com/office/drawing/2016/SVG/main" xmlns="" r:embed="rId8"/>
               </a:ext>
             </a:extLst>
           </a:blip>
@@ -9850,7 +9942,7 @@
         </p:blipFill>
         <p:spPr>
           <a:xfrm>
-            <a:off x="5560360" y="2412735"/>
+            <a:off x="5382262" y="2460261"/>
             <a:ext cx="392160" cy="392160"/>
           </a:xfrm>
           <a:prstGeom prst="rect">
@@ -9858,54 +9950,6 @@
           </a:prstGeom>
         </p:spPr>
       </p:pic>
-      <p:sp>
-        <p:nvSpPr>
-          <p:cNvPr id="95" name="TextBox 94">
-            <a:extLst>
-              <a:ext uri="{FF2B5EF4-FFF2-40B4-BE49-F238E27FC236}">
-                <a16:creationId xmlns:a16="http://schemas.microsoft.com/office/drawing/2014/main" id="{60935D17-F26E-9E49-B2C9-D8C92D6E6BE5}"/>
-              </a:ext>
-            </a:extLst>
-          </p:cNvPr>
-          <p:cNvSpPr txBox="1"/>
-          <p:nvPr/>
-        </p:nvSpPr>
-        <p:spPr>
-          <a:xfrm>
-            <a:off x="6331812" y="2793312"/>
-            <a:ext cx="1269288" cy="461665"/>
-          </a:xfrm>
-          <a:prstGeom prst="rect">
-            <a:avLst/>
-          </a:prstGeom>
-          <a:noFill/>
-        </p:spPr>
-        <p:txBody>
-          <a:bodyPr wrap="square" rtlCol="0">
-            <a:spAutoFit/>
-          </a:bodyPr>
-          <a:lstStyle/>
-          <a:p>
-            <a:pPr algn="ctr"/>
-            <a:r>
-              <a:rPr lang="en-US" sz="1200" dirty="0"/>
-              <a:t>AWS </a:t>
-            </a:r>
-            <a:r>
-              <a:rPr lang="en-US" sz="1200" dirty="0" smtClean="0"/>
-              <a:t>client </a:t>
-            </a:r>
-            <a:br>
-              <a:rPr lang="en-US" sz="1200" dirty="0" smtClean="0"/>
-            </a:br>
-            <a:r>
-              <a:rPr lang="en-US" sz="1200" dirty="0" smtClean="0"/>
-              <a:t>VPN</a:t>
-            </a:r>
-            <a:endParaRPr lang="en-US" sz="1200" dirty="0"/>
-          </a:p>
-        </p:txBody>
-      </p:sp>
       <p:pic>
         <p:nvPicPr>
           <p:cNvPr id="96" name="Graphic 8">
@@ -9921,10 +9965,10 @@
           <p:nvPr/>
         </p:nvPicPr>
         <p:blipFill>
-          <a:blip r:embed="rId37">
+          <a:blip r:embed="rId33">
             <a:extLst>
               <a:ext uri="{96DAC541-7B7A-43D3-8B79-37D633B846F1}">
-                <asvg:svgBlip xmlns="" xmlns:asvg="http://schemas.microsoft.com/office/drawing/2016/SVG/main" r:embed="rId8"/>
+                <asvg:svgBlip xmlns:asvg="http://schemas.microsoft.com/office/drawing/2016/SVG/main" xmlns="" r:embed="rId8"/>
               </a:ext>
             </a:extLst>
           </a:blip>
@@ -9934,7 +9978,7 @@
         </p:blipFill>
         <p:spPr>
           <a:xfrm>
-            <a:off x="6770376" y="2412735"/>
+            <a:off x="6592278" y="2460261"/>
             <a:ext cx="392160" cy="392160"/>
           </a:xfrm>
           <a:prstGeom prst="rect">
@@ -9956,8 +10000,8 @@
         </p:nvSpPr>
         <p:spPr bwMode="auto">
           <a:xfrm>
-            <a:off x="5127581" y="1329827"/>
-            <a:ext cx="1177077" cy="3372859"/>
+            <a:off x="4949483" y="1268867"/>
+            <a:ext cx="1177077" cy="4651766"/>
           </a:xfrm>
           <a:prstGeom prst="rect">
             <a:avLst/>
@@ -10025,8 +10069,8 @@
         </p:nvSpPr>
         <p:spPr bwMode="auto">
           <a:xfrm>
-            <a:off x="6354632" y="1331396"/>
-            <a:ext cx="1177077" cy="3372859"/>
+            <a:off x="6176534" y="1270436"/>
+            <a:ext cx="1177077" cy="4651766"/>
           </a:xfrm>
           <a:prstGeom prst="rect">
             <a:avLst/>
@@ -10069,13 +10113,22 @@
               <a:defRPr/>
             </a:pPr>
             <a:r>
+              <a:rPr lang="en-US" sz="1000" dirty="0" smtClean="0">
+                <a:solidFill>
+                  <a:srgbClr val="5B9CD5"/>
+                </a:solidFill>
+                <a:cs typeface="Arial" panose="020B0604020202020204" pitchFamily="34" charset="0"/>
+              </a:rPr>
+              <a:t>Availability </a:t>
+            </a:r>
+            <a:r>
               <a:rPr lang="en-US" sz="1000" dirty="0">
                 <a:solidFill>
                   <a:srgbClr val="5B9CD5"/>
                 </a:solidFill>
                 <a:cs typeface="Arial" panose="020B0604020202020204" pitchFamily="34" charset="0"/>
               </a:rPr>
-              <a:t>Availability Zone </a:t>
+              <a:t>Zone </a:t>
             </a:r>
             <a:r>
               <a:rPr lang="en-US" sz="1000" dirty="0" smtClean="0">
@@ -10109,8 +10162,8 @@
         </p:nvSpPr>
         <p:spPr bwMode="auto">
           <a:xfrm>
-            <a:off x="666252" y="1029365"/>
-            <a:ext cx="11003971" cy="5098059"/>
+            <a:off x="666252" y="968405"/>
+            <a:ext cx="11003971" cy="5766642"/>
           </a:xfrm>
           <a:prstGeom prst="rect">
             <a:avLst/>
@@ -10179,10 +10232,10 @@
           <p:nvPr/>
         </p:nvPicPr>
         <p:blipFill>
-          <a:blip r:embed="rId31">
+          <a:blip r:embed="rId34">
             <a:extLst>
               <a:ext uri="{96DAC541-7B7A-43D3-8B79-37D633B846F1}">
-                <asvg:svgBlip xmlns="" xmlns:asvg="http://schemas.microsoft.com/office/drawing/2016/SVG/main" r:embed="rId33"/>
+                <asvg:svgBlip xmlns:asvg="http://schemas.microsoft.com/office/drawing/2016/SVG/main" xmlns="" r:embed="rId35"/>
               </a:ext>
             </a:extLst>
           </a:blip>
@@ -10192,81 +10245,8 @@
         </p:blipFill>
         <p:spPr>
           <a:xfrm flipH="1">
-            <a:off x="2196348" y="315749"/>
+            <a:off x="2174412" y="208487"/>
             <a:ext cx="395845" cy="384642"/>
-          </a:xfrm>
-          <a:prstGeom prst="rect">
-            <a:avLst/>
-          </a:prstGeom>
-        </p:spPr>
-      </p:pic>
-      <p:sp>
-        <p:nvSpPr>
-          <p:cNvPr id="103" name="TextBox 102">
-            <a:extLst>
-              <a:ext uri="{FF2B5EF4-FFF2-40B4-BE49-F238E27FC236}">
-                <a16:creationId xmlns:a16="http://schemas.microsoft.com/office/drawing/2014/main" id="{DB5AB4A0-5E43-3041-8AB6-2A393FABA155}"/>
-              </a:ext>
-            </a:extLst>
-          </p:cNvPr>
-          <p:cNvSpPr txBox="1"/>
-          <p:nvPr/>
-        </p:nvSpPr>
-        <p:spPr>
-          <a:xfrm>
-            <a:off x="1071222" y="2949633"/>
-            <a:ext cx="2588569" cy="276999"/>
-          </a:xfrm>
-          <a:prstGeom prst="rect">
-            <a:avLst/>
-          </a:prstGeom>
-          <a:noFill/>
-        </p:spPr>
-        <p:txBody>
-          <a:bodyPr wrap="square" rtlCol="0">
-            <a:spAutoFit/>
-          </a:bodyPr>
-          <a:lstStyle/>
-          <a:p>
-            <a:pPr algn="ctr"/>
-            <a:r>
-              <a:rPr lang="en-US" sz="1200" dirty="0" smtClean="0"/>
-              <a:t> Application Load Balancers</a:t>
-            </a:r>
-            <a:endParaRPr lang="en-US" sz="1200" dirty="0"/>
-          </a:p>
-        </p:txBody>
-      </p:sp>
-      <p:pic>
-        <p:nvPicPr>
-          <p:cNvPr id="109" name="Graphic 16">
-            <a:extLst>
-              <a:ext uri="{FF2B5EF4-FFF2-40B4-BE49-F238E27FC236}">
-                <a16:creationId xmlns:a16="http://schemas.microsoft.com/office/drawing/2014/main" id="{AFF3E384-5323-E34C-B993-B4799080787C}"/>
-              </a:ext>
-            </a:extLst>
-          </p:cNvPr>
-          <p:cNvPicPr>
-            <a:picLocks noChangeAspect="1"/>
-          </p:cNvPicPr>
-          <p:nvPr/>
-        </p:nvPicPr>
-        <p:blipFill>
-          <a:blip r:embed="rId38">
-            <a:extLst>
-              <a:ext uri="{96DAC541-7B7A-43D3-8B79-37D633B846F1}">
-                <asvg:svgBlip xmlns="" xmlns:asvg="http://schemas.microsoft.com/office/drawing/2016/SVG/main" r:embed="rId20"/>
-              </a:ext>
-            </a:extLst>
-          </a:blip>
-          <a:stretch>
-            <a:fillRect/>
-          </a:stretch>
-        </p:blipFill>
-        <p:spPr>
-          <a:xfrm>
-            <a:off x="1601363" y="2479732"/>
-            <a:ext cx="469900" cy="469900"/>
           </a:xfrm>
           <a:prstGeom prst="rect">
             <a:avLst/>
@@ -10275,661 +10255,7 @@
       </p:pic>
       <p:pic>
         <p:nvPicPr>
-          <p:cNvPr id="110" name="Graphic 16">
-            <a:extLst>
-              <a:ext uri="{FF2B5EF4-FFF2-40B4-BE49-F238E27FC236}">
-                <a16:creationId xmlns:a16="http://schemas.microsoft.com/office/drawing/2014/main" id="{AFF3E384-5323-E34C-B993-B4799080787C}"/>
-              </a:ext>
-            </a:extLst>
-          </p:cNvPr>
-          <p:cNvPicPr>
-            <a:picLocks noChangeAspect="1"/>
-          </p:cNvPicPr>
-          <p:nvPr/>
-        </p:nvPicPr>
-        <p:blipFill>
-          <a:blip r:embed="rId38">
-            <a:extLst>
-              <a:ext uri="{96DAC541-7B7A-43D3-8B79-37D633B846F1}">
-                <asvg:svgBlip xmlns="" xmlns:asvg="http://schemas.microsoft.com/office/drawing/2016/SVG/main" r:embed="rId20"/>
-              </a:ext>
-            </a:extLst>
-          </a:blip>
-          <a:stretch>
-            <a:fillRect/>
-          </a:stretch>
-        </p:blipFill>
-        <p:spPr>
-          <a:xfrm>
-            <a:off x="2822509" y="2502523"/>
-            <a:ext cx="469900" cy="469900"/>
-          </a:xfrm>
-          <a:prstGeom prst="rect">
-            <a:avLst/>
-          </a:prstGeom>
-        </p:spPr>
-      </p:pic>
-      <p:pic>
-        <p:nvPicPr>
-          <p:cNvPr id="111" name="Graphic 137">
-            <a:extLst>
-              <a:ext uri="{FF2B5EF4-FFF2-40B4-BE49-F238E27FC236}">
-                <a16:creationId xmlns:a16="http://schemas.microsoft.com/office/drawing/2014/main" id="{5B22B109-5C82-FA40-91FB-DE791C44FEB8}"/>
-              </a:ext>
-            </a:extLst>
-          </p:cNvPr>
-          <p:cNvPicPr>
-            <a:picLocks noChangeAspect="1"/>
-          </p:cNvPicPr>
-          <p:nvPr/>
-        </p:nvPicPr>
-        <p:blipFill>
-          <a:blip r:embed="rId39">
-            <a:extLst>
-              <a:ext uri="{96DAC541-7B7A-43D3-8B79-37D633B846F1}">
-                <asvg:svgBlip xmlns="" xmlns:asvg="http://schemas.microsoft.com/office/drawing/2016/SVG/main" r:embed="rId40"/>
-              </a:ext>
-            </a:extLst>
-          </a:blip>
-          <a:stretch>
-            <a:fillRect/>
-          </a:stretch>
-        </p:blipFill>
-        <p:spPr>
-          <a:xfrm>
-            <a:off x="1596689" y="3844052"/>
-            <a:ext cx="469900" cy="469900"/>
-          </a:xfrm>
-          <a:prstGeom prst="rect">
-            <a:avLst/>
-          </a:prstGeom>
-        </p:spPr>
-      </p:pic>
-      <p:pic>
-        <p:nvPicPr>
-          <p:cNvPr id="112" name="Graphic 137">
-            <a:extLst>
-              <a:ext uri="{FF2B5EF4-FFF2-40B4-BE49-F238E27FC236}">
-                <a16:creationId xmlns:a16="http://schemas.microsoft.com/office/drawing/2014/main" id="{5B22B109-5C82-FA40-91FB-DE791C44FEB8}"/>
-              </a:ext>
-            </a:extLst>
-          </p:cNvPr>
-          <p:cNvPicPr>
-            <a:picLocks noChangeAspect="1"/>
-          </p:cNvPicPr>
-          <p:nvPr/>
-        </p:nvPicPr>
-        <p:blipFill>
-          <a:blip r:embed="rId39">
-            <a:extLst>
-              <a:ext uri="{96DAC541-7B7A-43D3-8B79-37D633B846F1}">
-                <asvg:svgBlip xmlns="" xmlns:asvg="http://schemas.microsoft.com/office/drawing/2016/SVG/main" r:embed="rId40"/>
-              </a:ext>
-            </a:extLst>
-          </a:blip>
-          <a:stretch>
-            <a:fillRect/>
-          </a:stretch>
-        </p:blipFill>
-        <p:spPr>
-          <a:xfrm>
-            <a:off x="2822509" y="3861084"/>
-            <a:ext cx="469900" cy="469900"/>
-          </a:xfrm>
-          <a:prstGeom prst="rect">
-            <a:avLst/>
-          </a:prstGeom>
-        </p:spPr>
-      </p:pic>
-      <p:sp>
-        <p:nvSpPr>
-          <p:cNvPr id="113" name="TextBox 112">
-            <a:extLst>
-              <a:ext uri="{FF2B5EF4-FFF2-40B4-BE49-F238E27FC236}">
-                <a16:creationId xmlns:a16="http://schemas.microsoft.com/office/drawing/2014/main" id="{DB5AB4A0-5E43-3041-8AB6-2A393FABA155}"/>
-              </a:ext>
-            </a:extLst>
-          </p:cNvPr>
-          <p:cNvSpPr txBox="1"/>
-          <p:nvPr/>
-        </p:nvSpPr>
-        <p:spPr>
-          <a:xfrm>
-            <a:off x="1071222" y="4303456"/>
-            <a:ext cx="2588569" cy="276999"/>
-          </a:xfrm>
-          <a:prstGeom prst="rect">
-            <a:avLst/>
-          </a:prstGeom>
-          <a:noFill/>
-        </p:spPr>
-        <p:txBody>
-          <a:bodyPr wrap="square" rtlCol="0">
-            <a:spAutoFit/>
-          </a:bodyPr>
-          <a:lstStyle/>
-          <a:p>
-            <a:pPr algn="ctr"/>
-            <a:r>
-              <a:rPr lang="en-US" sz="1200" dirty="0" smtClean="0"/>
-              <a:t>Application servers</a:t>
-            </a:r>
-            <a:endParaRPr lang="en-US" sz="1200" dirty="0"/>
-          </a:p>
-        </p:txBody>
-      </p:sp>
-      <p:sp>
-        <p:nvSpPr>
-          <p:cNvPr id="114" name="TextBox 113">
-            <a:extLst>
-              <a:ext uri="{FF2B5EF4-FFF2-40B4-BE49-F238E27FC236}">
-                <a16:creationId xmlns:a16="http://schemas.microsoft.com/office/drawing/2014/main" id="{DB5AB4A0-5E43-3041-8AB6-2A393FABA155}"/>
-              </a:ext>
-            </a:extLst>
-          </p:cNvPr>
-          <p:cNvSpPr txBox="1"/>
-          <p:nvPr/>
-        </p:nvSpPr>
-        <p:spPr>
-          <a:xfrm>
-            <a:off x="1071222" y="5597281"/>
-            <a:ext cx="2588569" cy="276999"/>
-          </a:xfrm>
-          <a:prstGeom prst="rect">
-            <a:avLst/>
-          </a:prstGeom>
-          <a:noFill/>
-        </p:spPr>
-        <p:txBody>
-          <a:bodyPr wrap="square" rtlCol="0">
-            <a:spAutoFit/>
-          </a:bodyPr>
-          <a:lstStyle/>
-          <a:p>
-            <a:pPr algn="ctr"/>
-            <a:r>
-              <a:rPr lang="en-US" sz="1200" dirty="0" smtClean="0"/>
-              <a:t>Database servers</a:t>
-            </a:r>
-            <a:endParaRPr lang="en-US" sz="1200" dirty="0"/>
-          </a:p>
-        </p:txBody>
-      </p:sp>
-      <p:pic>
-        <p:nvPicPr>
-          <p:cNvPr id="115" name="Graphic 17">
-            <a:extLst>
-              <a:ext uri="{FF2B5EF4-FFF2-40B4-BE49-F238E27FC236}">
-                <a16:creationId xmlns:a16="http://schemas.microsoft.com/office/drawing/2014/main" id="{A92508C4-DCC2-E34E-B567-07BB7A342E07}"/>
-              </a:ext>
-            </a:extLst>
-          </p:cNvPr>
-          <p:cNvPicPr>
-            <a:picLocks noChangeAspect="1"/>
-          </p:cNvPicPr>
-          <p:nvPr/>
-        </p:nvPicPr>
-        <p:blipFill>
-          <a:blip r:embed="rId41">
-            <a:extLst>
-              <a:ext uri="{96DAC541-7B7A-43D3-8B79-37D633B846F1}">
-                <asvg:svgBlip xmlns="" xmlns:asvg="http://schemas.microsoft.com/office/drawing/2016/SVG/main" r:embed="rId7"/>
-              </a:ext>
-            </a:extLst>
-          </a:blip>
-          <a:stretch>
-            <a:fillRect/>
-          </a:stretch>
-        </p:blipFill>
-        <p:spPr>
-          <a:xfrm>
-            <a:off x="1614587" y="5148554"/>
-            <a:ext cx="469900" cy="469900"/>
-          </a:xfrm>
-          <a:prstGeom prst="rect">
-            <a:avLst/>
-          </a:prstGeom>
-        </p:spPr>
-      </p:pic>
-      <p:pic>
-        <p:nvPicPr>
-          <p:cNvPr id="116" name="Graphic 17">
-            <a:extLst>
-              <a:ext uri="{FF2B5EF4-FFF2-40B4-BE49-F238E27FC236}">
-                <a16:creationId xmlns:a16="http://schemas.microsoft.com/office/drawing/2014/main" id="{A92508C4-DCC2-E34E-B567-07BB7A342E07}"/>
-              </a:ext>
-            </a:extLst>
-          </p:cNvPr>
-          <p:cNvPicPr>
-            <a:picLocks noChangeAspect="1"/>
-          </p:cNvPicPr>
-          <p:nvPr/>
-        </p:nvPicPr>
-        <p:blipFill>
-          <a:blip r:embed="rId41">
-            <a:extLst>
-              <a:ext uri="{96DAC541-7B7A-43D3-8B79-37D633B846F1}">
-                <asvg:svgBlip xmlns="" xmlns:asvg="http://schemas.microsoft.com/office/drawing/2016/SVG/main" r:embed="rId7"/>
-              </a:ext>
-            </a:extLst>
-          </a:blip>
-          <a:stretch>
-            <a:fillRect/>
-          </a:stretch>
-        </p:blipFill>
-        <p:spPr>
-          <a:xfrm>
-            <a:off x="2832435" y="5148554"/>
-            <a:ext cx="469900" cy="469900"/>
-          </a:xfrm>
-          <a:prstGeom prst="rect">
-            <a:avLst/>
-          </a:prstGeom>
-        </p:spPr>
-      </p:pic>
-      <p:pic>
-        <p:nvPicPr>
-          <p:cNvPr id="123" name="Graphic 137">
-            <a:extLst>
-              <a:ext uri="{FF2B5EF4-FFF2-40B4-BE49-F238E27FC236}">
-                <a16:creationId xmlns:a16="http://schemas.microsoft.com/office/drawing/2014/main" id="{5B22B109-5C82-FA40-91FB-DE791C44FEB8}"/>
-              </a:ext>
-            </a:extLst>
-          </p:cNvPr>
-          <p:cNvPicPr>
-            <a:picLocks noChangeAspect="1"/>
-          </p:cNvPicPr>
-          <p:nvPr/>
-        </p:nvPicPr>
-        <p:blipFill>
-          <a:blip r:embed="rId39">
-            <a:extLst>
-              <a:ext uri="{96DAC541-7B7A-43D3-8B79-37D633B846F1}">
-                <asvg:svgBlip xmlns="" xmlns:asvg="http://schemas.microsoft.com/office/drawing/2016/SVG/main" r:embed="rId40"/>
-              </a:ext>
-            </a:extLst>
-          </a:blip>
-          <a:stretch>
-            <a:fillRect/>
-          </a:stretch>
-        </p:blipFill>
-        <p:spPr>
-          <a:xfrm>
-            <a:off x="6813892" y="3835695"/>
-            <a:ext cx="358330" cy="358330"/>
-          </a:xfrm>
-          <a:prstGeom prst="rect">
-            <a:avLst/>
-          </a:prstGeom>
-        </p:spPr>
-      </p:pic>
-      <p:sp>
-        <p:nvSpPr>
-          <p:cNvPr id="124" name="TextBox 123">
-            <a:extLst>
-              <a:ext uri="{FF2B5EF4-FFF2-40B4-BE49-F238E27FC236}">
-                <a16:creationId xmlns:a16="http://schemas.microsoft.com/office/drawing/2014/main" id="{60935D17-F26E-9E49-B2C9-D8C92D6E6BE5}"/>
-              </a:ext>
-            </a:extLst>
-          </p:cNvPr>
-          <p:cNvSpPr txBox="1"/>
-          <p:nvPr/>
-        </p:nvSpPr>
-        <p:spPr>
-          <a:xfrm>
-            <a:off x="6372334" y="4143847"/>
-            <a:ext cx="1269288" cy="461665"/>
-          </a:xfrm>
-          <a:prstGeom prst="rect">
-            <a:avLst/>
-          </a:prstGeom>
-          <a:noFill/>
-        </p:spPr>
-        <p:txBody>
-          <a:bodyPr wrap="square" rtlCol="0">
-            <a:spAutoFit/>
-          </a:bodyPr>
-          <a:lstStyle/>
-          <a:p>
-            <a:pPr algn="ctr"/>
-            <a:r>
-              <a:rPr lang="en-US" sz="1200" dirty="0" smtClean="0"/>
-              <a:t>DevOps resources</a:t>
-            </a:r>
-            <a:endParaRPr lang="en-US" sz="1200" dirty="0"/>
-          </a:p>
-        </p:txBody>
-      </p:sp>
-      <p:sp>
-        <p:nvSpPr>
-          <p:cNvPr id="125" name="TextBox 124">
-            <a:extLst>
-              <a:ext uri="{FF2B5EF4-FFF2-40B4-BE49-F238E27FC236}">
-                <a16:creationId xmlns:a16="http://schemas.microsoft.com/office/drawing/2014/main" id="{DB5AB4A0-5E43-3041-8AB6-2A393FABA155}"/>
-              </a:ext>
-            </a:extLst>
-          </p:cNvPr>
-          <p:cNvSpPr txBox="1"/>
-          <p:nvPr/>
-        </p:nvSpPr>
-        <p:spPr>
-          <a:xfrm>
-            <a:off x="9021903" y="2951204"/>
-            <a:ext cx="2588569" cy="276999"/>
-          </a:xfrm>
-          <a:prstGeom prst="rect">
-            <a:avLst/>
-          </a:prstGeom>
-          <a:noFill/>
-        </p:spPr>
-        <p:txBody>
-          <a:bodyPr wrap="square" rtlCol="0">
-            <a:spAutoFit/>
-          </a:bodyPr>
-          <a:lstStyle/>
-          <a:p>
-            <a:pPr algn="ctr"/>
-            <a:r>
-              <a:rPr lang="en-US" sz="1200" dirty="0" smtClean="0"/>
-              <a:t> Application Load Balancers</a:t>
-            </a:r>
-            <a:endParaRPr lang="en-US" sz="1200" dirty="0"/>
-          </a:p>
-        </p:txBody>
-      </p:sp>
-      <p:pic>
-        <p:nvPicPr>
-          <p:cNvPr id="126" name="Graphic 16">
-            <a:extLst>
-              <a:ext uri="{FF2B5EF4-FFF2-40B4-BE49-F238E27FC236}">
-                <a16:creationId xmlns:a16="http://schemas.microsoft.com/office/drawing/2014/main" id="{AFF3E384-5323-E34C-B993-B4799080787C}"/>
-              </a:ext>
-            </a:extLst>
-          </p:cNvPr>
-          <p:cNvPicPr>
-            <a:picLocks noChangeAspect="1"/>
-          </p:cNvPicPr>
-          <p:nvPr/>
-        </p:nvPicPr>
-        <p:blipFill>
-          <a:blip r:embed="rId38">
-            <a:extLst>
-              <a:ext uri="{96DAC541-7B7A-43D3-8B79-37D633B846F1}">
-                <asvg:svgBlip xmlns="" xmlns:asvg="http://schemas.microsoft.com/office/drawing/2016/SVG/main" r:embed="rId20"/>
-              </a:ext>
-            </a:extLst>
-          </a:blip>
-          <a:stretch>
-            <a:fillRect/>
-          </a:stretch>
-        </p:blipFill>
-        <p:spPr>
-          <a:xfrm>
-            <a:off x="9552044" y="2481303"/>
-            <a:ext cx="469900" cy="469900"/>
-          </a:xfrm>
-          <a:prstGeom prst="rect">
-            <a:avLst/>
-          </a:prstGeom>
-        </p:spPr>
-      </p:pic>
-      <p:pic>
-        <p:nvPicPr>
-          <p:cNvPr id="127" name="Graphic 16">
-            <a:extLst>
-              <a:ext uri="{FF2B5EF4-FFF2-40B4-BE49-F238E27FC236}">
-                <a16:creationId xmlns:a16="http://schemas.microsoft.com/office/drawing/2014/main" id="{AFF3E384-5323-E34C-B993-B4799080787C}"/>
-              </a:ext>
-            </a:extLst>
-          </p:cNvPr>
-          <p:cNvPicPr>
-            <a:picLocks noChangeAspect="1"/>
-          </p:cNvPicPr>
-          <p:nvPr/>
-        </p:nvPicPr>
-        <p:blipFill>
-          <a:blip r:embed="rId38">
-            <a:extLst>
-              <a:ext uri="{96DAC541-7B7A-43D3-8B79-37D633B846F1}">
-                <asvg:svgBlip xmlns="" xmlns:asvg="http://schemas.microsoft.com/office/drawing/2016/SVG/main" r:embed="rId20"/>
-              </a:ext>
-            </a:extLst>
-          </a:blip>
-          <a:stretch>
-            <a:fillRect/>
-          </a:stretch>
-        </p:blipFill>
-        <p:spPr>
-          <a:xfrm>
-            <a:off x="10773190" y="2504094"/>
-            <a:ext cx="469900" cy="469900"/>
-          </a:xfrm>
-          <a:prstGeom prst="rect">
-            <a:avLst/>
-          </a:prstGeom>
-        </p:spPr>
-      </p:pic>
-      <p:pic>
-        <p:nvPicPr>
-          <p:cNvPr id="128" name="Graphic 137">
-            <a:extLst>
-              <a:ext uri="{FF2B5EF4-FFF2-40B4-BE49-F238E27FC236}">
-                <a16:creationId xmlns:a16="http://schemas.microsoft.com/office/drawing/2014/main" id="{5B22B109-5C82-FA40-91FB-DE791C44FEB8}"/>
-              </a:ext>
-            </a:extLst>
-          </p:cNvPr>
-          <p:cNvPicPr>
-            <a:picLocks noChangeAspect="1"/>
-          </p:cNvPicPr>
-          <p:nvPr/>
-        </p:nvPicPr>
-        <p:blipFill>
-          <a:blip r:embed="rId39">
-            <a:extLst>
-              <a:ext uri="{96DAC541-7B7A-43D3-8B79-37D633B846F1}">
-                <asvg:svgBlip xmlns="" xmlns:asvg="http://schemas.microsoft.com/office/drawing/2016/SVG/main" r:embed="rId40"/>
-              </a:ext>
-            </a:extLst>
-          </a:blip>
-          <a:stretch>
-            <a:fillRect/>
-          </a:stretch>
-        </p:blipFill>
-        <p:spPr>
-          <a:xfrm>
-            <a:off x="9547370" y="3845623"/>
-            <a:ext cx="469900" cy="469900"/>
-          </a:xfrm>
-          <a:prstGeom prst="rect">
-            <a:avLst/>
-          </a:prstGeom>
-        </p:spPr>
-      </p:pic>
-      <p:pic>
-        <p:nvPicPr>
-          <p:cNvPr id="129" name="Graphic 137">
-            <a:extLst>
-              <a:ext uri="{FF2B5EF4-FFF2-40B4-BE49-F238E27FC236}">
-                <a16:creationId xmlns:a16="http://schemas.microsoft.com/office/drawing/2014/main" id="{5B22B109-5C82-FA40-91FB-DE791C44FEB8}"/>
-              </a:ext>
-            </a:extLst>
-          </p:cNvPr>
-          <p:cNvPicPr>
-            <a:picLocks noChangeAspect="1"/>
-          </p:cNvPicPr>
-          <p:nvPr/>
-        </p:nvPicPr>
-        <p:blipFill>
-          <a:blip r:embed="rId39">
-            <a:extLst>
-              <a:ext uri="{96DAC541-7B7A-43D3-8B79-37D633B846F1}">
-                <asvg:svgBlip xmlns="" xmlns:asvg="http://schemas.microsoft.com/office/drawing/2016/SVG/main" r:embed="rId40"/>
-              </a:ext>
-            </a:extLst>
-          </a:blip>
-          <a:stretch>
-            <a:fillRect/>
-          </a:stretch>
-        </p:blipFill>
-        <p:spPr>
-          <a:xfrm>
-            <a:off x="10773190" y="3862655"/>
-            <a:ext cx="469900" cy="469900"/>
-          </a:xfrm>
-          <a:prstGeom prst="rect">
-            <a:avLst/>
-          </a:prstGeom>
-        </p:spPr>
-      </p:pic>
-      <p:sp>
-        <p:nvSpPr>
-          <p:cNvPr id="130" name="TextBox 129">
-            <a:extLst>
-              <a:ext uri="{FF2B5EF4-FFF2-40B4-BE49-F238E27FC236}">
-                <a16:creationId xmlns:a16="http://schemas.microsoft.com/office/drawing/2014/main" id="{DB5AB4A0-5E43-3041-8AB6-2A393FABA155}"/>
-              </a:ext>
-            </a:extLst>
-          </p:cNvPr>
-          <p:cNvSpPr txBox="1"/>
-          <p:nvPr/>
-        </p:nvSpPr>
-        <p:spPr>
-          <a:xfrm>
-            <a:off x="9021903" y="4305027"/>
-            <a:ext cx="2588569" cy="276999"/>
-          </a:xfrm>
-          <a:prstGeom prst="rect">
-            <a:avLst/>
-          </a:prstGeom>
-          <a:noFill/>
-        </p:spPr>
-        <p:txBody>
-          <a:bodyPr wrap="square" rtlCol="0">
-            <a:spAutoFit/>
-          </a:bodyPr>
-          <a:lstStyle/>
-          <a:p>
-            <a:pPr algn="ctr"/>
-            <a:r>
-              <a:rPr lang="en-US" sz="1200" dirty="0" smtClean="0"/>
-              <a:t>Dev servers</a:t>
-            </a:r>
-            <a:endParaRPr lang="en-US" sz="1200" dirty="0"/>
-          </a:p>
-        </p:txBody>
-      </p:sp>
-      <p:sp>
-        <p:nvSpPr>
-          <p:cNvPr id="131" name="TextBox 130">
-            <a:extLst>
-              <a:ext uri="{FF2B5EF4-FFF2-40B4-BE49-F238E27FC236}">
-                <a16:creationId xmlns:a16="http://schemas.microsoft.com/office/drawing/2014/main" id="{DB5AB4A0-5E43-3041-8AB6-2A393FABA155}"/>
-              </a:ext>
-            </a:extLst>
-          </p:cNvPr>
-          <p:cNvSpPr txBox="1"/>
-          <p:nvPr/>
-        </p:nvSpPr>
-        <p:spPr>
-          <a:xfrm>
-            <a:off x="9021903" y="5598852"/>
-            <a:ext cx="2588569" cy="276999"/>
-          </a:xfrm>
-          <a:prstGeom prst="rect">
-            <a:avLst/>
-          </a:prstGeom>
-          <a:noFill/>
-        </p:spPr>
-        <p:txBody>
-          <a:bodyPr wrap="square" rtlCol="0">
-            <a:spAutoFit/>
-          </a:bodyPr>
-          <a:lstStyle/>
-          <a:p>
-            <a:pPr algn="ctr"/>
-            <a:r>
-              <a:rPr lang="en-US" sz="1200" dirty="0" smtClean="0"/>
-              <a:t>Database servers</a:t>
-            </a:r>
-            <a:endParaRPr lang="en-US" sz="1200" dirty="0"/>
-          </a:p>
-        </p:txBody>
-      </p:sp>
-      <p:pic>
-        <p:nvPicPr>
-          <p:cNvPr id="132" name="Graphic 17">
-            <a:extLst>
-              <a:ext uri="{FF2B5EF4-FFF2-40B4-BE49-F238E27FC236}">
-                <a16:creationId xmlns:a16="http://schemas.microsoft.com/office/drawing/2014/main" id="{A92508C4-DCC2-E34E-B567-07BB7A342E07}"/>
-              </a:ext>
-            </a:extLst>
-          </p:cNvPr>
-          <p:cNvPicPr>
-            <a:picLocks noChangeAspect="1"/>
-          </p:cNvPicPr>
-          <p:nvPr/>
-        </p:nvPicPr>
-        <p:blipFill>
-          <a:blip r:embed="rId41">
-            <a:extLst>
-              <a:ext uri="{96DAC541-7B7A-43D3-8B79-37D633B846F1}">
-                <asvg:svgBlip xmlns="" xmlns:asvg="http://schemas.microsoft.com/office/drawing/2016/SVG/main" r:embed="rId7"/>
-              </a:ext>
-            </a:extLst>
-          </a:blip>
-          <a:stretch>
-            <a:fillRect/>
-          </a:stretch>
-        </p:blipFill>
-        <p:spPr>
-          <a:xfrm>
-            <a:off x="9565268" y="5150125"/>
-            <a:ext cx="469900" cy="469900"/>
-          </a:xfrm>
-          <a:prstGeom prst="rect">
-            <a:avLst/>
-          </a:prstGeom>
-        </p:spPr>
-      </p:pic>
-      <p:pic>
-        <p:nvPicPr>
-          <p:cNvPr id="133" name="Graphic 17">
-            <a:extLst>
-              <a:ext uri="{FF2B5EF4-FFF2-40B4-BE49-F238E27FC236}">
-                <a16:creationId xmlns:a16="http://schemas.microsoft.com/office/drawing/2014/main" id="{A92508C4-DCC2-E34E-B567-07BB7A342E07}"/>
-              </a:ext>
-            </a:extLst>
-          </p:cNvPr>
-          <p:cNvPicPr>
-            <a:picLocks noChangeAspect="1"/>
-          </p:cNvPicPr>
-          <p:nvPr/>
-        </p:nvPicPr>
-        <p:blipFill>
-          <a:blip r:embed="rId41">
-            <a:extLst>
-              <a:ext uri="{96DAC541-7B7A-43D3-8B79-37D633B846F1}">
-                <asvg:svgBlip xmlns="" xmlns:asvg="http://schemas.microsoft.com/office/drawing/2016/SVG/main" r:embed="rId7"/>
-              </a:ext>
-            </a:extLst>
-          </a:blip>
-          <a:stretch>
-            <a:fillRect/>
-          </a:stretch>
-        </p:blipFill>
-        <p:spPr>
-          <a:xfrm>
-            <a:off x="10783116" y="5150125"/>
-            <a:ext cx="469900" cy="469900"/>
-          </a:xfrm>
-          <a:prstGeom prst="rect">
-            <a:avLst/>
-          </a:prstGeom>
-        </p:spPr>
-      </p:pic>
-      <p:pic>
-        <p:nvPicPr>
-          <p:cNvPr id="134" name="Graphic 8">
+          <p:cNvPr id="109" name="Graphic 8">
             <a:extLst>
               <a:ext uri="{FF2B5EF4-FFF2-40B4-BE49-F238E27FC236}">
                 <a16:creationId xmlns:a16="http://schemas.microsoft.com/office/drawing/2014/main" id="{546222F9-4B37-E847-81D0-112B1B2B353A}"/>
@@ -10942,7 +10268,7 @@
           <p:nvPr/>
         </p:nvPicPr>
         <p:blipFill>
-          <a:blip r:embed="rId42" cstate="print">
+          <a:blip r:embed="rId36" cstate="print">
             <a:extLst>
               <a:ext uri="{28A0092B-C50C-407E-A947-70E740481C1C}">
                 <a14:useLocalDpi xmlns:a14="http://schemas.microsoft.com/office/drawing/2010/main" val="0"/>
@@ -10956,7 +10282,7 @@
         </p:blipFill>
         <p:spPr bwMode="auto">
           <a:xfrm>
-            <a:off x="666128" y="1029365"/>
+            <a:off x="666128" y="968405"/>
             <a:ext cx="330200" cy="330200"/>
           </a:xfrm>
           <a:prstGeom prst="rect">
@@ -10987,10 +10313,1720 @@
           </a:extLst>
         </p:spPr>
       </p:pic>
+      <p:pic>
+        <p:nvPicPr>
+          <p:cNvPr id="103" name="Graphic 16">
+            <a:extLst>
+              <a:ext uri="{FF2B5EF4-FFF2-40B4-BE49-F238E27FC236}">
+                <a16:creationId xmlns:a16="http://schemas.microsoft.com/office/drawing/2014/main" id="{AFF3E384-5323-E34C-B993-B4799080787C}"/>
+              </a:ext>
+            </a:extLst>
+          </p:cNvPr>
+          <p:cNvPicPr>
+            <a:picLocks noChangeAspect="1"/>
+          </p:cNvPicPr>
+          <p:nvPr/>
+        </p:nvPicPr>
+        <p:blipFill>
+          <a:blip r:embed="rId37">
+            <a:extLst>
+              <a:ext uri="{96DAC541-7B7A-43D3-8B79-37D633B846F1}">
+                <asvg:svgBlip xmlns:asvg="http://schemas.microsoft.com/office/drawing/2016/SVG/main" xmlns="" r:embed="rId20"/>
+              </a:ext>
+            </a:extLst>
+          </a:blip>
+          <a:stretch>
+            <a:fillRect/>
+          </a:stretch>
+        </p:blipFill>
+        <p:spPr>
+          <a:xfrm>
+            <a:off x="1601363" y="2418772"/>
+            <a:ext cx="469900" cy="469900"/>
+          </a:xfrm>
+          <a:prstGeom prst="rect">
+            <a:avLst/>
+          </a:prstGeom>
+        </p:spPr>
+      </p:pic>
+      <p:pic>
+        <p:nvPicPr>
+          <p:cNvPr id="110" name="Graphic 16">
+            <a:extLst>
+              <a:ext uri="{FF2B5EF4-FFF2-40B4-BE49-F238E27FC236}">
+                <a16:creationId xmlns:a16="http://schemas.microsoft.com/office/drawing/2014/main" id="{AFF3E384-5323-E34C-B993-B4799080787C}"/>
+              </a:ext>
+            </a:extLst>
+          </p:cNvPr>
+          <p:cNvPicPr>
+            <a:picLocks noChangeAspect="1"/>
+          </p:cNvPicPr>
+          <p:nvPr/>
+        </p:nvPicPr>
+        <p:blipFill>
+          <a:blip r:embed="rId37">
+            <a:extLst>
+              <a:ext uri="{96DAC541-7B7A-43D3-8B79-37D633B846F1}">
+                <asvg:svgBlip xmlns:asvg="http://schemas.microsoft.com/office/drawing/2016/SVG/main" xmlns="" r:embed="rId20"/>
+              </a:ext>
+            </a:extLst>
+          </a:blip>
+          <a:stretch>
+            <a:fillRect/>
+          </a:stretch>
+        </p:blipFill>
+        <p:spPr>
+          <a:xfrm>
+            <a:off x="2822509" y="2441563"/>
+            <a:ext cx="469900" cy="469900"/>
+          </a:xfrm>
+          <a:prstGeom prst="rect">
+            <a:avLst/>
+          </a:prstGeom>
+        </p:spPr>
+      </p:pic>
+      <p:pic>
+        <p:nvPicPr>
+          <p:cNvPr id="111" name="Graphic 137">
+            <a:extLst>
+              <a:ext uri="{FF2B5EF4-FFF2-40B4-BE49-F238E27FC236}">
+                <a16:creationId xmlns:a16="http://schemas.microsoft.com/office/drawing/2014/main" id="{5B22B109-5C82-FA40-91FB-DE791C44FEB8}"/>
+              </a:ext>
+            </a:extLst>
+          </p:cNvPr>
+          <p:cNvPicPr>
+            <a:picLocks noChangeAspect="1"/>
+          </p:cNvPicPr>
+          <p:nvPr/>
+        </p:nvPicPr>
+        <p:blipFill>
+          <a:blip r:embed="rId38">
+            <a:extLst>
+              <a:ext uri="{96DAC541-7B7A-43D3-8B79-37D633B846F1}">
+                <asvg:svgBlip xmlns:asvg="http://schemas.microsoft.com/office/drawing/2016/SVG/main" xmlns="" r:embed="rId40"/>
+              </a:ext>
+            </a:extLst>
+          </a:blip>
+          <a:stretch>
+            <a:fillRect/>
+          </a:stretch>
+        </p:blipFill>
+        <p:spPr>
+          <a:xfrm>
+            <a:off x="1596689" y="3783092"/>
+            <a:ext cx="469900" cy="469900"/>
+          </a:xfrm>
+          <a:prstGeom prst="rect">
+            <a:avLst/>
+          </a:prstGeom>
+        </p:spPr>
+      </p:pic>
+      <p:pic>
+        <p:nvPicPr>
+          <p:cNvPr id="112" name="Graphic 137">
+            <a:extLst>
+              <a:ext uri="{FF2B5EF4-FFF2-40B4-BE49-F238E27FC236}">
+                <a16:creationId xmlns:a16="http://schemas.microsoft.com/office/drawing/2014/main" id="{5B22B109-5C82-FA40-91FB-DE791C44FEB8}"/>
+              </a:ext>
+            </a:extLst>
+          </p:cNvPr>
+          <p:cNvPicPr>
+            <a:picLocks noChangeAspect="1"/>
+          </p:cNvPicPr>
+          <p:nvPr/>
+        </p:nvPicPr>
+        <p:blipFill>
+          <a:blip r:embed="rId38">
+            <a:extLst>
+              <a:ext uri="{96DAC541-7B7A-43D3-8B79-37D633B846F1}">
+                <asvg:svgBlip xmlns:asvg="http://schemas.microsoft.com/office/drawing/2016/SVG/main" xmlns="" r:embed="rId40"/>
+              </a:ext>
+            </a:extLst>
+          </a:blip>
+          <a:stretch>
+            <a:fillRect/>
+          </a:stretch>
+        </p:blipFill>
+        <p:spPr>
+          <a:xfrm>
+            <a:off x="2822509" y="3800124"/>
+            <a:ext cx="469900" cy="469900"/>
+          </a:xfrm>
+          <a:prstGeom prst="rect">
+            <a:avLst/>
+          </a:prstGeom>
+        </p:spPr>
+      </p:pic>
+      <p:pic>
+        <p:nvPicPr>
+          <p:cNvPr id="115" name="Graphic 17">
+            <a:extLst>
+              <a:ext uri="{FF2B5EF4-FFF2-40B4-BE49-F238E27FC236}">
+                <a16:creationId xmlns:a16="http://schemas.microsoft.com/office/drawing/2014/main" id="{A92508C4-DCC2-E34E-B567-07BB7A342E07}"/>
+              </a:ext>
+            </a:extLst>
+          </p:cNvPr>
+          <p:cNvPicPr>
+            <a:picLocks noChangeAspect="1"/>
+          </p:cNvPicPr>
+          <p:nvPr/>
+        </p:nvPicPr>
+        <p:blipFill>
+          <a:blip r:embed="rId41">
+            <a:extLst>
+              <a:ext uri="{96DAC541-7B7A-43D3-8B79-37D633B846F1}">
+                <asvg:svgBlip xmlns:asvg="http://schemas.microsoft.com/office/drawing/2016/SVG/main" xmlns="" r:embed="rId7"/>
+              </a:ext>
+            </a:extLst>
+          </a:blip>
+          <a:stretch>
+            <a:fillRect/>
+          </a:stretch>
+        </p:blipFill>
+        <p:spPr>
+          <a:xfrm>
+            <a:off x="1614587" y="5087594"/>
+            <a:ext cx="469900" cy="469900"/>
+          </a:xfrm>
+          <a:prstGeom prst="rect">
+            <a:avLst/>
+          </a:prstGeom>
+        </p:spPr>
+      </p:pic>
+      <p:pic>
+        <p:nvPicPr>
+          <p:cNvPr id="116" name="Graphic 17">
+            <a:extLst>
+              <a:ext uri="{FF2B5EF4-FFF2-40B4-BE49-F238E27FC236}">
+                <a16:creationId xmlns:a16="http://schemas.microsoft.com/office/drawing/2014/main" id="{A92508C4-DCC2-E34E-B567-07BB7A342E07}"/>
+              </a:ext>
+            </a:extLst>
+          </p:cNvPr>
+          <p:cNvPicPr>
+            <a:picLocks noChangeAspect="1"/>
+          </p:cNvPicPr>
+          <p:nvPr/>
+        </p:nvPicPr>
+        <p:blipFill>
+          <a:blip r:embed="rId41">
+            <a:extLst>
+              <a:ext uri="{96DAC541-7B7A-43D3-8B79-37D633B846F1}">
+                <asvg:svgBlip xmlns:asvg="http://schemas.microsoft.com/office/drawing/2016/SVG/main" xmlns="" r:embed="rId7"/>
+              </a:ext>
+            </a:extLst>
+          </a:blip>
+          <a:stretch>
+            <a:fillRect/>
+          </a:stretch>
+        </p:blipFill>
+        <p:spPr>
+          <a:xfrm>
+            <a:off x="2832435" y="5087594"/>
+            <a:ext cx="469900" cy="469900"/>
+          </a:xfrm>
+          <a:prstGeom prst="rect">
+            <a:avLst/>
+          </a:prstGeom>
+        </p:spPr>
+      </p:pic>
+      <p:pic>
+        <p:nvPicPr>
+          <p:cNvPr id="123" name="Graphic 137">
+            <a:extLst>
+              <a:ext uri="{FF2B5EF4-FFF2-40B4-BE49-F238E27FC236}">
+                <a16:creationId xmlns:a16="http://schemas.microsoft.com/office/drawing/2014/main" id="{5B22B109-5C82-FA40-91FB-DE791C44FEB8}"/>
+              </a:ext>
+            </a:extLst>
+          </p:cNvPr>
+          <p:cNvPicPr>
+            <a:picLocks noChangeAspect="1"/>
+          </p:cNvPicPr>
+          <p:nvPr/>
+        </p:nvPicPr>
+        <p:blipFill>
+          <a:blip r:embed="rId38">
+            <a:extLst>
+              <a:ext uri="{96DAC541-7B7A-43D3-8B79-37D633B846F1}">
+                <asvg:svgBlip xmlns:asvg="http://schemas.microsoft.com/office/drawing/2016/SVG/main" xmlns="" r:embed="rId40"/>
+              </a:ext>
+            </a:extLst>
+          </a:blip>
+          <a:stretch>
+            <a:fillRect/>
+          </a:stretch>
+        </p:blipFill>
+        <p:spPr>
+          <a:xfrm>
+            <a:off x="6620296" y="3774735"/>
+            <a:ext cx="358330" cy="358330"/>
+          </a:xfrm>
+          <a:prstGeom prst="rect">
+            <a:avLst/>
+          </a:prstGeom>
+        </p:spPr>
+      </p:pic>
+      <p:sp>
+        <p:nvSpPr>
+          <p:cNvPr id="124" name="TextBox 123">
+            <a:extLst>
+              <a:ext uri="{FF2B5EF4-FFF2-40B4-BE49-F238E27FC236}">
+                <a16:creationId xmlns:a16="http://schemas.microsoft.com/office/drawing/2014/main" id="{60935D17-F26E-9E49-B2C9-D8C92D6E6BE5}"/>
+              </a:ext>
+            </a:extLst>
+          </p:cNvPr>
+          <p:cNvSpPr txBox="1"/>
+          <p:nvPr/>
+        </p:nvSpPr>
+        <p:spPr>
+          <a:xfrm>
+            <a:off x="6178738" y="4082887"/>
+            <a:ext cx="1269288" cy="400110"/>
+          </a:xfrm>
+          <a:prstGeom prst="rect">
+            <a:avLst/>
+          </a:prstGeom>
+          <a:noFill/>
+        </p:spPr>
+        <p:txBody>
+          <a:bodyPr wrap="square" rtlCol="0">
+            <a:spAutoFit/>
+          </a:bodyPr>
+          <a:lstStyle/>
+          <a:p>
+            <a:pPr algn="ctr"/>
+            <a:r>
+              <a:rPr lang="en-US" sz="1000" dirty="0" smtClean="0"/>
+              <a:t>DevOps </a:t>
+            </a:r>
+            <a:r>
+              <a:rPr lang="en-US" sz="1000" dirty="0" smtClean="0"/>
+              <a:t/>
+            </a:r>
+            <a:br>
+              <a:rPr lang="en-US" sz="1000" dirty="0" smtClean="0"/>
+            </a:br>
+            <a:r>
+              <a:rPr lang="en-US" sz="1000" dirty="0" smtClean="0"/>
+              <a:t>resources</a:t>
+            </a:r>
+            <a:endParaRPr lang="en-US" sz="1000" dirty="0"/>
+          </a:p>
+        </p:txBody>
+      </p:sp>
+      <p:pic>
+        <p:nvPicPr>
+          <p:cNvPr id="126" name="Graphic 16">
+            <a:extLst>
+              <a:ext uri="{FF2B5EF4-FFF2-40B4-BE49-F238E27FC236}">
+                <a16:creationId xmlns:a16="http://schemas.microsoft.com/office/drawing/2014/main" id="{AFF3E384-5323-E34C-B993-B4799080787C}"/>
+              </a:ext>
+            </a:extLst>
+          </p:cNvPr>
+          <p:cNvPicPr>
+            <a:picLocks noChangeAspect="1"/>
+          </p:cNvPicPr>
+          <p:nvPr/>
+        </p:nvPicPr>
+        <p:blipFill>
+          <a:blip r:embed="rId37">
+            <a:extLst>
+              <a:ext uri="{96DAC541-7B7A-43D3-8B79-37D633B846F1}">
+                <asvg:svgBlip xmlns:asvg="http://schemas.microsoft.com/office/drawing/2016/SVG/main" xmlns="" r:embed="rId20"/>
+              </a:ext>
+            </a:extLst>
+          </a:blip>
+          <a:stretch>
+            <a:fillRect/>
+          </a:stretch>
+        </p:blipFill>
+        <p:spPr>
+          <a:xfrm>
+            <a:off x="9195586" y="2420343"/>
+            <a:ext cx="469900" cy="469900"/>
+          </a:xfrm>
+          <a:prstGeom prst="rect">
+            <a:avLst/>
+          </a:prstGeom>
+        </p:spPr>
+      </p:pic>
+      <p:pic>
+        <p:nvPicPr>
+          <p:cNvPr id="127" name="Graphic 16">
+            <a:extLst>
+              <a:ext uri="{FF2B5EF4-FFF2-40B4-BE49-F238E27FC236}">
+                <a16:creationId xmlns:a16="http://schemas.microsoft.com/office/drawing/2014/main" id="{AFF3E384-5323-E34C-B993-B4799080787C}"/>
+              </a:ext>
+            </a:extLst>
+          </p:cNvPr>
+          <p:cNvPicPr>
+            <a:picLocks noChangeAspect="1"/>
+          </p:cNvPicPr>
+          <p:nvPr/>
+        </p:nvPicPr>
+        <p:blipFill>
+          <a:blip r:embed="rId37">
+            <a:extLst>
+              <a:ext uri="{96DAC541-7B7A-43D3-8B79-37D633B846F1}">
+                <asvg:svgBlip xmlns:asvg="http://schemas.microsoft.com/office/drawing/2016/SVG/main" xmlns="" r:embed="rId20"/>
+              </a:ext>
+            </a:extLst>
+          </a:blip>
+          <a:stretch>
+            <a:fillRect/>
+          </a:stretch>
+        </p:blipFill>
+        <p:spPr>
+          <a:xfrm>
+            <a:off x="10416732" y="2443134"/>
+            <a:ext cx="469900" cy="469900"/>
+          </a:xfrm>
+          <a:prstGeom prst="rect">
+            <a:avLst/>
+          </a:prstGeom>
+        </p:spPr>
+      </p:pic>
+      <p:pic>
+        <p:nvPicPr>
+          <p:cNvPr id="128" name="Graphic 137">
+            <a:extLst>
+              <a:ext uri="{FF2B5EF4-FFF2-40B4-BE49-F238E27FC236}">
+                <a16:creationId xmlns:a16="http://schemas.microsoft.com/office/drawing/2014/main" id="{5B22B109-5C82-FA40-91FB-DE791C44FEB8}"/>
+              </a:ext>
+            </a:extLst>
+          </p:cNvPr>
+          <p:cNvPicPr>
+            <a:picLocks noChangeAspect="1"/>
+          </p:cNvPicPr>
+          <p:nvPr/>
+        </p:nvPicPr>
+        <p:blipFill>
+          <a:blip r:embed="rId38">
+            <a:extLst>
+              <a:ext uri="{96DAC541-7B7A-43D3-8B79-37D633B846F1}">
+                <asvg:svgBlip xmlns:asvg="http://schemas.microsoft.com/office/drawing/2016/SVG/main" xmlns="" r:embed="rId40"/>
+              </a:ext>
+            </a:extLst>
+          </a:blip>
+          <a:stretch>
+            <a:fillRect/>
+          </a:stretch>
+        </p:blipFill>
+        <p:spPr>
+          <a:xfrm>
+            <a:off x="9190912" y="3784663"/>
+            <a:ext cx="469900" cy="469900"/>
+          </a:xfrm>
+          <a:prstGeom prst="rect">
+            <a:avLst/>
+          </a:prstGeom>
+        </p:spPr>
+      </p:pic>
+      <p:pic>
+        <p:nvPicPr>
+          <p:cNvPr id="129" name="Graphic 137">
+            <a:extLst>
+              <a:ext uri="{FF2B5EF4-FFF2-40B4-BE49-F238E27FC236}">
+                <a16:creationId xmlns:a16="http://schemas.microsoft.com/office/drawing/2014/main" id="{5B22B109-5C82-FA40-91FB-DE791C44FEB8}"/>
+              </a:ext>
+            </a:extLst>
+          </p:cNvPr>
+          <p:cNvPicPr>
+            <a:picLocks noChangeAspect="1"/>
+          </p:cNvPicPr>
+          <p:nvPr/>
+        </p:nvPicPr>
+        <p:blipFill>
+          <a:blip r:embed="rId38">
+            <a:extLst>
+              <a:ext uri="{96DAC541-7B7A-43D3-8B79-37D633B846F1}">
+                <asvg:svgBlip xmlns:asvg="http://schemas.microsoft.com/office/drawing/2016/SVG/main" xmlns="" r:embed="rId40"/>
+              </a:ext>
+            </a:extLst>
+          </a:blip>
+          <a:stretch>
+            <a:fillRect/>
+          </a:stretch>
+        </p:blipFill>
+        <p:spPr>
+          <a:xfrm>
+            <a:off x="10416732" y="3801695"/>
+            <a:ext cx="469900" cy="469900"/>
+          </a:xfrm>
+          <a:prstGeom prst="rect">
+            <a:avLst/>
+          </a:prstGeom>
+        </p:spPr>
+      </p:pic>
+      <p:sp>
+        <p:nvSpPr>
+          <p:cNvPr id="2" name="Rectangle 1"/>
+          <p:cNvSpPr/>
+          <p:nvPr/>
+        </p:nvSpPr>
+        <p:spPr>
+          <a:xfrm>
+            <a:off x="2279918" y="2911462"/>
+            <a:ext cx="189217" cy="214619"/>
+          </a:xfrm>
+          <a:prstGeom prst="rect">
+            <a:avLst/>
+          </a:prstGeom>
+          <a:solidFill>
+            <a:schemeClr val="bg1"/>
+          </a:solidFill>
+          <a:ln>
+            <a:noFill/>
+          </a:ln>
+        </p:spPr>
+        <p:style>
+          <a:lnRef idx="2">
+            <a:schemeClr val="accent1">
+              <a:shade val="50000"/>
+            </a:schemeClr>
+          </a:lnRef>
+          <a:fillRef idx="1">
+            <a:schemeClr val="accent1"/>
+          </a:fillRef>
+          <a:effectRef idx="0">
+            <a:schemeClr val="accent1"/>
+          </a:effectRef>
+          <a:fontRef idx="minor">
+            <a:schemeClr val="lt1"/>
+          </a:fontRef>
+        </p:style>
+        <p:txBody>
+          <a:bodyPr rtlCol="0" anchor="ctr"/>
+          <a:lstStyle/>
+          <a:p>
+            <a:pPr algn="ctr"/>
+            <a:endParaRPr lang="en-US"/>
+          </a:p>
+        </p:txBody>
+      </p:sp>
+      <p:pic>
+        <p:nvPicPr>
+          <p:cNvPr id="132" name="Graphic 17">
+            <a:extLst>
+              <a:ext uri="{FF2B5EF4-FFF2-40B4-BE49-F238E27FC236}">
+                <a16:creationId xmlns:a16="http://schemas.microsoft.com/office/drawing/2014/main" id="{A92508C4-DCC2-E34E-B567-07BB7A342E07}"/>
+              </a:ext>
+            </a:extLst>
+          </p:cNvPr>
+          <p:cNvPicPr>
+            <a:picLocks noChangeAspect="1"/>
+          </p:cNvPicPr>
+          <p:nvPr/>
+        </p:nvPicPr>
+        <p:blipFill>
+          <a:blip r:embed="rId41">
+            <a:extLst>
+              <a:ext uri="{96DAC541-7B7A-43D3-8B79-37D633B846F1}">
+                <asvg:svgBlip xmlns:asvg="http://schemas.microsoft.com/office/drawing/2016/SVG/main" xmlns="" r:embed="rId7"/>
+              </a:ext>
+            </a:extLst>
+          </a:blip>
+          <a:stretch>
+            <a:fillRect/>
+          </a:stretch>
+        </p:blipFill>
+        <p:spPr>
+          <a:xfrm>
+            <a:off x="9208810" y="5089165"/>
+            <a:ext cx="469900" cy="469900"/>
+          </a:xfrm>
+          <a:prstGeom prst="rect">
+            <a:avLst/>
+          </a:prstGeom>
+        </p:spPr>
+      </p:pic>
+      <p:pic>
+        <p:nvPicPr>
+          <p:cNvPr id="133" name="Graphic 17">
+            <a:extLst>
+              <a:ext uri="{FF2B5EF4-FFF2-40B4-BE49-F238E27FC236}">
+                <a16:creationId xmlns:a16="http://schemas.microsoft.com/office/drawing/2014/main" id="{A92508C4-DCC2-E34E-B567-07BB7A342E07}"/>
+              </a:ext>
+            </a:extLst>
+          </p:cNvPr>
+          <p:cNvPicPr>
+            <a:picLocks noChangeAspect="1"/>
+          </p:cNvPicPr>
+          <p:nvPr/>
+        </p:nvPicPr>
+        <p:blipFill>
+          <a:blip r:embed="rId41">
+            <a:extLst>
+              <a:ext uri="{96DAC541-7B7A-43D3-8B79-37D633B846F1}">
+                <asvg:svgBlip xmlns:asvg="http://schemas.microsoft.com/office/drawing/2016/SVG/main" xmlns="" r:embed="rId7"/>
+              </a:ext>
+            </a:extLst>
+          </a:blip>
+          <a:stretch>
+            <a:fillRect/>
+          </a:stretch>
+        </p:blipFill>
+        <p:spPr>
+          <a:xfrm>
+            <a:off x="10426658" y="5089165"/>
+            <a:ext cx="469900" cy="469900"/>
+          </a:xfrm>
+          <a:prstGeom prst="rect">
+            <a:avLst/>
+          </a:prstGeom>
+        </p:spPr>
+      </p:pic>
+      <p:sp>
+        <p:nvSpPr>
+          <p:cNvPr id="91" name="TextBox 90">
+            <a:extLst>
+              <a:ext uri="{FF2B5EF4-FFF2-40B4-BE49-F238E27FC236}">
+                <a16:creationId xmlns:a16="http://schemas.microsoft.com/office/drawing/2014/main" id="{DB5AB4A0-5E43-3041-8AB6-2A393FABA155}"/>
+              </a:ext>
+            </a:extLst>
+          </p:cNvPr>
+          <p:cNvSpPr txBox="1"/>
+          <p:nvPr/>
+        </p:nvSpPr>
+        <p:spPr>
+          <a:xfrm>
+            <a:off x="1071222" y="2888673"/>
+            <a:ext cx="2588569" cy="246221"/>
+          </a:xfrm>
+          <a:prstGeom prst="rect">
+            <a:avLst/>
+          </a:prstGeom>
+          <a:noFill/>
+        </p:spPr>
+        <p:txBody>
+          <a:bodyPr wrap="square" rtlCol="0">
+            <a:spAutoFit/>
+          </a:bodyPr>
+          <a:lstStyle/>
+          <a:p>
+            <a:pPr algn="ctr"/>
+            <a:r>
+              <a:rPr lang="en-US" sz="1000" dirty="0" smtClean="0"/>
+              <a:t> Application Load Balancers</a:t>
+            </a:r>
+            <a:endParaRPr lang="en-US" sz="1000" dirty="0"/>
+          </a:p>
+        </p:txBody>
+      </p:sp>
+      <p:sp>
+        <p:nvSpPr>
+          <p:cNvPr id="134" name="Rectangle 133"/>
+          <p:cNvSpPr/>
+          <p:nvPr/>
+        </p:nvSpPr>
+        <p:spPr>
+          <a:xfrm>
+            <a:off x="2272298" y="4252582"/>
+            <a:ext cx="189217" cy="214619"/>
+          </a:xfrm>
+          <a:prstGeom prst="rect">
+            <a:avLst/>
+          </a:prstGeom>
+          <a:solidFill>
+            <a:schemeClr val="bg1"/>
+          </a:solidFill>
+          <a:ln>
+            <a:noFill/>
+          </a:ln>
+        </p:spPr>
+        <p:style>
+          <a:lnRef idx="2">
+            <a:schemeClr val="accent1">
+              <a:shade val="50000"/>
+            </a:schemeClr>
+          </a:lnRef>
+          <a:fillRef idx="1">
+            <a:schemeClr val="accent1"/>
+          </a:fillRef>
+          <a:effectRef idx="0">
+            <a:schemeClr val="accent1"/>
+          </a:effectRef>
+          <a:fontRef idx="minor">
+            <a:schemeClr val="lt1"/>
+          </a:fontRef>
+        </p:style>
+        <p:txBody>
+          <a:bodyPr rtlCol="0" anchor="ctr"/>
+          <a:lstStyle/>
+          <a:p>
+            <a:pPr algn="ctr"/>
+            <a:endParaRPr lang="en-US"/>
+          </a:p>
+        </p:txBody>
+      </p:sp>
+      <p:sp>
+        <p:nvSpPr>
+          <p:cNvPr id="135" name="Rectangle 134"/>
+          <p:cNvSpPr/>
+          <p:nvPr/>
+        </p:nvSpPr>
+        <p:spPr>
+          <a:xfrm>
+            <a:off x="2279031" y="5557494"/>
+            <a:ext cx="189217" cy="214619"/>
+          </a:xfrm>
+          <a:prstGeom prst="rect">
+            <a:avLst/>
+          </a:prstGeom>
+          <a:solidFill>
+            <a:schemeClr val="bg1"/>
+          </a:solidFill>
+          <a:ln>
+            <a:noFill/>
+          </a:ln>
+        </p:spPr>
+        <p:style>
+          <a:lnRef idx="2">
+            <a:schemeClr val="accent1">
+              <a:shade val="50000"/>
+            </a:schemeClr>
+          </a:lnRef>
+          <a:fillRef idx="1">
+            <a:schemeClr val="accent1"/>
+          </a:fillRef>
+          <a:effectRef idx="0">
+            <a:schemeClr val="accent1"/>
+          </a:effectRef>
+          <a:fontRef idx="minor">
+            <a:schemeClr val="lt1"/>
+          </a:fontRef>
+        </p:style>
+        <p:txBody>
+          <a:bodyPr rtlCol="0" anchor="ctr"/>
+          <a:lstStyle/>
+          <a:p>
+            <a:pPr algn="ctr"/>
+            <a:endParaRPr lang="en-US"/>
+          </a:p>
+        </p:txBody>
+      </p:sp>
+      <p:sp>
+        <p:nvSpPr>
+          <p:cNvPr id="113" name="TextBox 112">
+            <a:extLst>
+              <a:ext uri="{FF2B5EF4-FFF2-40B4-BE49-F238E27FC236}">
+                <a16:creationId xmlns:a16="http://schemas.microsoft.com/office/drawing/2014/main" id="{DB5AB4A0-5E43-3041-8AB6-2A393FABA155}"/>
+              </a:ext>
+            </a:extLst>
+          </p:cNvPr>
+          <p:cNvSpPr txBox="1"/>
+          <p:nvPr/>
+        </p:nvSpPr>
+        <p:spPr>
+          <a:xfrm>
+            <a:off x="1071222" y="4242496"/>
+            <a:ext cx="2588569" cy="246221"/>
+          </a:xfrm>
+          <a:prstGeom prst="rect">
+            <a:avLst/>
+          </a:prstGeom>
+          <a:noFill/>
+        </p:spPr>
+        <p:txBody>
+          <a:bodyPr wrap="square" rtlCol="0">
+            <a:spAutoFit/>
+          </a:bodyPr>
+          <a:lstStyle/>
+          <a:p>
+            <a:pPr algn="ctr"/>
+            <a:r>
+              <a:rPr lang="en-US" sz="1000" dirty="0" smtClean="0"/>
+              <a:t>Application servers</a:t>
+            </a:r>
+            <a:endParaRPr lang="en-US" sz="1000" dirty="0"/>
+          </a:p>
+        </p:txBody>
+      </p:sp>
+      <p:sp>
+        <p:nvSpPr>
+          <p:cNvPr id="114" name="TextBox 113">
+            <a:extLst>
+              <a:ext uri="{FF2B5EF4-FFF2-40B4-BE49-F238E27FC236}">
+                <a16:creationId xmlns:a16="http://schemas.microsoft.com/office/drawing/2014/main" id="{DB5AB4A0-5E43-3041-8AB6-2A393FABA155}"/>
+              </a:ext>
+            </a:extLst>
+          </p:cNvPr>
+          <p:cNvSpPr txBox="1"/>
+          <p:nvPr/>
+        </p:nvSpPr>
+        <p:spPr>
+          <a:xfrm>
+            <a:off x="1071222" y="5536321"/>
+            <a:ext cx="2588569" cy="246221"/>
+          </a:xfrm>
+          <a:prstGeom prst="rect">
+            <a:avLst/>
+          </a:prstGeom>
+          <a:noFill/>
+        </p:spPr>
+        <p:txBody>
+          <a:bodyPr wrap="square" rtlCol="0">
+            <a:spAutoFit/>
+          </a:bodyPr>
+          <a:lstStyle/>
+          <a:p>
+            <a:pPr algn="ctr"/>
+            <a:r>
+              <a:rPr lang="en-US" sz="1000" dirty="0" smtClean="0"/>
+              <a:t>Database servers</a:t>
+            </a:r>
+            <a:endParaRPr lang="en-US" sz="1000" dirty="0"/>
+          </a:p>
+        </p:txBody>
+      </p:sp>
+      <p:sp>
+        <p:nvSpPr>
+          <p:cNvPr id="136" name="Rectangle 135"/>
+          <p:cNvSpPr/>
+          <p:nvPr/>
+        </p:nvSpPr>
+        <p:spPr>
+          <a:xfrm>
+            <a:off x="6067669" y="2888672"/>
+            <a:ext cx="194831" cy="196692"/>
+          </a:xfrm>
+          <a:prstGeom prst="rect">
+            <a:avLst/>
+          </a:prstGeom>
+          <a:solidFill>
+            <a:schemeClr val="bg1"/>
+          </a:solidFill>
+          <a:ln>
+            <a:noFill/>
+          </a:ln>
+        </p:spPr>
+        <p:style>
+          <a:lnRef idx="2">
+            <a:schemeClr val="accent1">
+              <a:shade val="50000"/>
+            </a:schemeClr>
+          </a:lnRef>
+          <a:fillRef idx="1">
+            <a:schemeClr val="accent1"/>
+          </a:fillRef>
+          <a:effectRef idx="0">
+            <a:schemeClr val="accent1"/>
+          </a:effectRef>
+          <a:fontRef idx="minor">
+            <a:schemeClr val="lt1"/>
+          </a:fontRef>
+        </p:style>
+        <p:txBody>
+          <a:bodyPr rtlCol="0" anchor="ctr"/>
+          <a:lstStyle/>
+          <a:p>
+            <a:pPr algn="ctr"/>
+            <a:endParaRPr lang="en-US"/>
+          </a:p>
+        </p:txBody>
+      </p:sp>
+      <p:sp>
+        <p:nvSpPr>
+          <p:cNvPr id="95" name="TextBox 94">
+            <a:extLst>
+              <a:ext uri="{FF2B5EF4-FFF2-40B4-BE49-F238E27FC236}">
+                <a16:creationId xmlns:a16="http://schemas.microsoft.com/office/drawing/2014/main" id="{60935D17-F26E-9E49-B2C9-D8C92D6E6BE5}"/>
+              </a:ext>
+            </a:extLst>
+          </p:cNvPr>
+          <p:cNvSpPr txBox="1"/>
+          <p:nvPr/>
+        </p:nvSpPr>
+        <p:spPr>
+          <a:xfrm>
+            <a:off x="5519236" y="2879861"/>
+            <a:ext cx="1269288" cy="246221"/>
+          </a:xfrm>
+          <a:prstGeom prst="rect">
+            <a:avLst/>
+          </a:prstGeom>
+          <a:noFill/>
+        </p:spPr>
+        <p:txBody>
+          <a:bodyPr wrap="square" rtlCol="0">
+            <a:spAutoFit/>
+          </a:bodyPr>
+          <a:lstStyle/>
+          <a:p>
+            <a:pPr algn="ctr"/>
+            <a:r>
+              <a:rPr lang="en-US" sz="1000" dirty="0"/>
+              <a:t>AWS </a:t>
+            </a:r>
+            <a:r>
+              <a:rPr lang="en-US" sz="1000" dirty="0" smtClean="0"/>
+              <a:t>client </a:t>
+            </a:r>
+            <a:r>
+              <a:rPr lang="en-US" sz="1000" dirty="0" smtClean="0"/>
+              <a:t>VPN</a:t>
+            </a:r>
+            <a:endParaRPr lang="en-US" sz="1000" dirty="0"/>
+          </a:p>
+        </p:txBody>
+      </p:sp>
+      <p:sp>
+        <p:nvSpPr>
+          <p:cNvPr id="137" name="Rectangle 136"/>
+          <p:cNvSpPr/>
+          <p:nvPr/>
+        </p:nvSpPr>
+        <p:spPr>
+          <a:xfrm>
+            <a:off x="9854199" y="4270024"/>
+            <a:ext cx="153079" cy="197177"/>
+          </a:xfrm>
+          <a:prstGeom prst="rect">
+            <a:avLst/>
+          </a:prstGeom>
+          <a:solidFill>
+            <a:schemeClr val="bg1"/>
+          </a:solidFill>
+          <a:ln>
+            <a:noFill/>
+          </a:ln>
+        </p:spPr>
+        <p:style>
+          <a:lnRef idx="2">
+            <a:schemeClr val="accent1">
+              <a:shade val="50000"/>
+            </a:schemeClr>
+          </a:lnRef>
+          <a:fillRef idx="1">
+            <a:schemeClr val="accent1"/>
+          </a:fillRef>
+          <a:effectRef idx="0">
+            <a:schemeClr val="accent1"/>
+          </a:effectRef>
+          <a:fontRef idx="minor">
+            <a:schemeClr val="lt1"/>
+          </a:fontRef>
+        </p:style>
+        <p:txBody>
+          <a:bodyPr rtlCol="0" anchor="ctr"/>
+          <a:lstStyle/>
+          <a:p>
+            <a:pPr algn="ctr"/>
+            <a:endParaRPr lang="en-US"/>
+          </a:p>
+        </p:txBody>
+      </p:sp>
+      <p:sp>
+        <p:nvSpPr>
+          <p:cNvPr id="138" name="Rectangle 137"/>
+          <p:cNvSpPr/>
+          <p:nvPr/>
+        </p:nvSpPr>
+        <p:spPr>
+          <a:xfrm>
+            <a:off x="9869439" y="5565424"/>
+            <a:ext cx="153079" cy="197177"/>
+          </a:xfrm>
+          <a:prstGeom prst="rect">
+            <a:avLst/>
+          </a:prstGeom>
+          <a:solidFill>
+            <a:schemeClr val="bg1"/>
+          </a:solidFill>
+          <a:ln>
+            <a:noFill/>
+          </a:ln>
+        </p:spPr>
+        <p:style>
+          <a:lnRef idx="2">
+            <a:schemeClr val="accent1">
+              <a:shade val="50000"/>
+            </a:schemeClr>
+          </a:lnRef>
+          <a:fillRef idx="1">
+            <a:schemeClr val="accent1"/>
+          </a:fillRef>
+          <a:effectRef idx="0">
+            <a:schemeClr val="accent1"/>
+          </a:effectRef>
+          <a:fontRef idx="minor">
+            <a:schemeClr val="lt1"/>
+          </a:fontRef>
+        </p:style>
+        <p:txBody>
+          <a:bodyPr rtlCol="0" anchor="ctr"/>
+          <a:lstStyle/>
+          <a:p>
+            <a:pPr algn="ctr"/>
+            <a:endParaRPr lang="en-US"/>
+          </a:p>
+        </p:txBody>
+      </p:sp>
+      <p:sp>
+        <p:nvSpPr>
+          <p:cNvPr id="139" name="Rectangle 138"/>
+          <p:cNvSpPr/>
+          <p:nvPr/>
+        </p:nvSpPr>
+        <p:spPr>
+          <a:xfrm>
+            <a:off x="9869439" y="2921284"/>
+            <a:ext cx="153079" cy="197177"/>
+          </a:xfrm>
+          <a:prstGeom prst="rect">
+            <a:avLst/>
+          </a:prstGeom>
+          <a:solidFill>
+            <a:schemeClr val="bg1"/>
+          </a:solidFill>
+          <a:ln>
+            <a:noFill/>
+          </a:ln>
+        </p:spPr>
+        <p:style>
+          <a:lnRef idx="2">
+            <a:schemeClr val="accent1">
+              <a:shade val="50000"/>
+            </a:schemeClr>
+          </a:lnRef>
+          <a:fillRef idx="1">
+            <a:schemeClr val="accent1"/>
+          </a:fillRef>
+          <a:effectRef idx="0">
+            <a:schemeClr val="accent1"/>
+          </a:effectRef>
+          <a:fontRef idx="minor">
+            <a:schemeClr val="lt1"/>
+          </a:fontRef>
+        </p:style>
+        <p:txBody>
+          <a:bodyPr rtlCol="0" anchor="ctr"/>
+          <a:lstStyle/>
+          <a:p>
+            <a:pPr algn="ctr"/>
+            <a:endParaRPr lang="en-US"/>
+          </a:p>
+        </p:txBody>
+      </p:sp>
+      <p:sp>
+        <p:nvSpPr>
+          <p:cNvPr id="125" name="TextBox 124">
+            <a:extLst>
+              <a:ext uri="{FF2B5EF4-FFF2-40B4-BE49-F238E27FC236}">
+                <a16:creationId xmlns:a16="http://schemas.microsoft.com/office/drawing/2014/main" id="{DB5AB4A0-5E43-3041-8AB6-2A393FABA155}"/>
+              </a:ext>
+            </a:extLst>
+          </p:cNvPr>
+          <p:cNvSpPr txBox="1"/>
+          <p:nvPr/>
+        </p:nvSpPr>
+        <p:spPr>
+          <a:xfrm>
+            <a:off x="8665445" y="2890244"/>
+            <a:ext cx="2588569" cy="246221"/>
+          </a:xfrm>
+          <a:prstGeom prst="rect">
+            <a:avLst/>
+          </a:prstGeom>
+          <a:noFill/>
+        </p:spPr>
+        <p:txBody>
+          <a:bodyPr wrap="square" rtlCol="0">
+            <a:spAutoFit/>
+          </a:bodyPr>
+          <a:lstStyle/>
+          <a:p>
+            <a:pPr algn="ctr"/>
+            <a:r>
+              <a:rPr lang="en-US" sz="1000" dirty="0" smtClean="0"/>
+              <a:t> Application Load Balancers</a:t>
+            </a:r>
+            <a:endParaRPr lang="en-US" sz="1000" dirty="0"/>
+          </a:p>
+        </p:txBody>
+      </p:sp>
+      <p:sp>
+        <p:nvSpPr>
+          <p:cNvPr id="130" name="TextBox 129">
+            <a:extLst>
+              <a:ext uri="{FF2B5EF4-FFF2-40B4-BE49-F238E27FC236}">
+                <a16:creationId xmlns:a16="http://schemas.microsoft.com/office/drawing/2014/main" id="{DB5AB4A0-5E43-3041-8AB6-2A393FABA155}"/>
+              </a:ext>
+            </a:extLst>
+          </p:cNvPr>
+          <p:cNvSpPr txBox="1"/>
+          <p:nvPr/>
+        </p:nvSpPr>
+        <p:spPr>
+          <a:xfrm>
+            <a:off x="8665445" y="4244067"/>
+            <a:ext cx="2588569" cy="246221"/>
+          </a:xfrm>
+          <a:prstGeom prst="rect">
+            <a:avLst/>
+          </a:prstGeom>
+          <a:noFill/>
+        </p:spPr>
+        <p:txBody>
+          <a:bodyPr wrap="square" rtlCol="0">
+            <a:spAutoFit/>
+          </a:bodyPr>
+          <a:lstStyle/>
+          <a:p>
+            <a:pPr algn="ctr"/>
+            <a:r>
+              <a:rPr lang="en-US" sz="1000" dirty="0" smtClean="0"/>
+              <a:t>Dev servers</a:t>
+            </a:r>
+            <a:endParaRPr lang="en-US" sz="1000" dirty="0"/>
+          </a:p>
+        </p:txBody>
+      </p:sp>
+      <p:sp>
+        <p:nvSpPr>
+          <p:cNvPr id="131" name="TextBox 130">
+            <a:extLst>
+              <a:ext uri="{FF2B5EF4-FFF2-40B4-BE49-F238E27FC236}">
+                <a16:creationId xmlns:a16="http://schemas.microsoft.com/office/drawing/2014/main" id="{DB5AB4A0-5E43-3041-8AB6-2A393FABA155}"/>
+              </a:ext>
+            </a:extLst>
+          </p:cNvPr>
+          <p:cNvSpPr txBox="1"/>
+          <p:nvPr/>
+        </p:nvSpPr>
+        <p:spPr>
+          <a:xfrm>
+            <a:off x="8665445" y="5537892"/>
+            <a:ext cx="2588569" cy="246221"/>
+          </a:xfrm>
+          <a:prstGeom prst="rect">
+            <a:avLst/>
+          </a:prstGeom>
+          <a:noFill/>
+        </p:spPr>
+        <p:txBody>
+          <a:bodyPr wrap="square" rtlCol="0">
+            <a:spAutoFit/>
+          </a:bodyPr>
+          <a:lstStyle/>
+          <a:p>
+            <a:pPr algn="ctr"/>
+            <a:r>
+              <a:rPr lang="en-US" sz="1000" dirty="0" smtClean="0"/>
+              <a:t>Database servers</a:t>
+            </a:r>
+            <a:endParaRPr lang="en-US" sz="1000" dirty="0"/>
+          </a:p>
+        </p:txBody>
+      </p:sp>
+      <p:sp>
+        <p:nvSpPr>
+          <p:cNvPr id="26" name="Freeform 25"/>
+          <p:cNvSpPr/>
+          <p:nvPr/>
+        </p:nvSpPr>
+        <p:spPr>
+          <a:xfrm>
+            <a:off x="5351596" y="629541"/>
+            <a:ext cx="1578777" cy="153634"/>
+          </a:xfrm>
+          <a:custGeom>
+            <a:avLst/>
+            <a:gdLst>
+              <a:gd name="connsiteX0" fmla="*/ 0 w 1562100"/>
+              <a:gd name="connsiteY0" fmla="*/ 0 h 205740"/>
+              <a:gd name="connsiteX1" fmla="*/ 0 w 1562100"/>
+              <a:gd name="connsiteY1" fmla="*/ 205740 h 205740"/>
+              <a:gd name="connsiteX2" fmla="*/ 1562100 w 1562100"/>
+              <a:gd name="connsiteY2" fmla="*/ 205740 h 205740"/>
+              <a:gd name="connsiteX3" fmla="*/ 1562100 w 1562100"/>
+              <a:gd name="connsiteY3" fmla="*/ 30480 h 205740"/>
+            </a:gdLst>
+            <a:ahLst/>
+            <a:cxnLst>
+              <a:cxn ang="0">
+                <a:pos x="connsiteX0" y="connsiteY0"/>
+              </a:cxn>
+              <a:cxn ang="0">
+                <a:pos x="connsiteX1" y="connsiteY1"/>
+              </a:cxn>
+              <a:cxn ang="0">
+                <a:pos x="connsiteX2" y="connsiteY2"/>
+              </a:cxn>
+              <a:cxn ang="0">
+                <a:pos x="connsiteX3" y="connsiteY3"/>
+              </a:cxn>
+            </a:cxnLst>
+            <a:rect l="l" t="t" r="r" b="b"/>
+            <a:pathLst>
+              <a:path w="1562100" h="205740">
+                <a:moveTo>
+                  <a:pt x="0" y="0"/>
+                </a:moveTo>
+                <a:lnTo>
+                  <a:pt x="0" y="205740"/>
+                </a:lnTo>
+                <a:lnTo>
+                  <a:pt x="1562100" y="205740"/>
+                </a:lnTo>
+                <a:lnTo>
+                  <a:pt x="1562100" y="30480"/>
+                </a:lnTo>
+              </a:path>
+            </a:pathLst>
+          </a:custGeom>
+          <a:ln w="12700">
+            <a:solidFill>
+              <a:srgbClr val="545B64"/>
+            </a:solidFill>
+            <a:headEnd type="none" w="med" len="sm"/>
+            <a:tailEnd type="none" w="med" len="sm"/>
+          </a:ln>
+        </p:spPr>
+        <p:style>
+          <a:lnRef idx="1">
+            <a:schemeClr val="accent1"/>
+          </a:lnRef>
+          <a:fillRef idx="0">
+            <a:schemeClr val="accent1"/>
+          </a:fillRef>
+          <a:effectRef idx="0">
+            <a:schemeClr val="accent1"/>
+          </a:effectRef>
+          <a:fontRef idx="minor">
+            <a:schemeClr val="tx1"/>
+          </a:fontRef>
+        </p:style>
+        <p:txBody>
+          <a:bodyPr rtlCol="0" anchor="ctr"/>
+          <a:lstStyle/>
+          <a:p>
+            <a:pPr algn="ctr"/>
+            <a:endParaRPr lang="en-US"/>
+          </a:p>
+        </p:txBody>
+      </p:sp>
+      <p:sp>
+        <p:nvSpPr>
+          <p:cNvPr id="140" name="Freeform 139"/>
+          <p:cNvSpPr/>
+          <p:nvPr/>
+        </p:nvSpPr>
+        <p:spPr>
+          <a:xfrm>
+            <a:off x="1579696" y="629541"/>
+            <a:ext cx="1578777" cy="153634"/>
+          </a:xfrm>
+          <a:custGeom>
+            <a:avLst/>
+            <a:gdLst>
+              <a:gd name="connsiteX0" fmla="*/ 0 w 1562100"/>
+              <a:gd name="connsiteY0" fmla="*/ 0 h 205740"/>
+              <a:gd name="connsiteX1" fmla="*/ 0 w 1562100"/>
+              <a:gd name="connsiteY1" fmla="*/ 205740 h 205740"/>
+              <a:gd name="connsiteX2" fmla="*/ 1562100 w 1562100"/>
+              <a:gd name="connsiteY2" fmla="*/ 205740 h 205740"/>
+              <a:gd name="connsiteX3" fmla="*/ 1562100 w 1562100"/>
+              <a:gd name="connsiteY3" fmla="*/ 30480 h 205740"/>
+            </a:gdLst>
+            <a:ahLst/>
+            <a:cxnLst>
+              <a:cxn ang="0">
+                <a:pos x="connsiteX0" y="connsiteY0"/>
+              </a:cxn>
+              <a:cxn ang="0">
+                <a:pos x="connsiteX1" y="connsiteY1"/>
+              </a:cxn>
+              <a:cxn ang="0">
+                <a:pos x="connsiteX2" y="connsiteY2"/>
+              </a:cxn>
+              <a:cxn ang="0">
+                <a:pos x="connsiteX3" y="connsiteY3"/>
+              </a:cxn>
+            </a:cxnLst>
+            <a:rect l="l" t="t" r="r" b="b"/>
+            <a:pathLst>
+              <a:path w="1562100" h="205740">
+                <a:moveTo>
+                  <a:pt x="0" y="0"/>
+                </a:moveTo>
+                <a:lnTo>
+                  <a:pt x="0" y="205740"/>
+                </a:lnTo>
+                <a:lnTo>
+                  <a:pt x="1562100" y="205740"/>
+                </a:lnTo>
+                <a:lnTo>
+                  <a:pt x="1562100" y="30480"/>
+                </a:lnTo>
+              </a:path>
+            </a:pathLst>
+          </a:custGeom>
+          <a:ln w="12700">
+            <a:solidFill>
+              <a:srgbClr val="545B64"/>
+            </a:solidFill>
+            <a:headEnd type="none" w="med" len="sm"/>
+            <a:tailEnd type="none" w="med" len="sm"/>
+          </a:ln>
+        </p:spPr>
+        <p:style>
+          <a:lnRef idx="1">
+            <a:schemeClr val="accent1"/>
+          </a:lnRef>
+          <a:fillRef idx="0">
+            <a:schemeClr val="accent1"/>
+          </a:fillRef>
+          <a:effectRef idx="0">
+            <a:schemeClr val="accent1"/>
+          </a:effectRef>
+          <a:fontRef idx="minor">
+            <a:schemeClr val="tx1"/>
+          </a:fontRef>
+        </p:style>
+        <p:txBody>
+          <a:bodyPr rtlCol="0" anchor="ctr"/>
+          <a:lstStyle/>
+          <a:p>
+            <a:pPr algn="ctr"/>
+            <a:endParaRPr lang="en-US"/>
+          </a:p>
+        </p:txBody>
+      </p:sp>
+      <p:sp>
+        <p:nvSpPr>
+          <p:cNvPr id="141" name="TextBox 140">
+            <a:extLst>
+              <a:ext uri="{FF2B5EF4-FFF2-40B4-BE49-F238E27FC236}">
+                <a16:creationId xmlns:a16="http://schemas.microsoft.com/office/drawing/2014/main" id="{4EDB2C05-2F10-9C42-9C35-AE4BB249A665}"/>
+              </a:ext>
+            </a:extLst>
+          </p:cNvPr>
+          <p:cNvSpPr txBox="1"/>
+          <p:nvPr/>
+        </p:nvSpPr>
+        <p:spPr>
+          <a:xfrm>
+            <a:off x="9083644" y="538101"/>
+            <a:ext cx="1702433" cy="246221"/>
+          </a:xfrm>
+          <a:prstGeom prst="rect">
+            <a:avLst/>
+          </a:prstGeom>
+          <a:noFill/>
+        </p:spPr>
+        <p:txBody>
+          <a:bodyPr wrap="square" rtlCol="0">
+            <a:spAutoFit/>
+          </a:bodyPr>
+          <a:lstStyle/>
+          <a:p>
+            <a:pPr algn="ctr"/>
+            <a:r>
+              <a:rPr lang="en-US" sz="1000" dirty="0" smtClean="0">
+                <a:solidFill>
+                  <a:srgbClr val="232F3E"/>
+                </a:solidFill>
+              </a:rPr>
+              <a:t>Developers</a:t>
+            </a:r>
+            <a:endParaRPr lang="en-US" sz="1000" dirty="0">
+              <a:solidFill>
+                <a:srgbClr val="232F3E"/>
+              </a:solidFill>
+            </a:endParaRPr>
+          </a:p>
+        </p:txBody>
+      </p:sp>
+      <p:cxnSp>
+        <p:nvCxnSpPr>
+          <p:cNvPr id="142" name="Straight Arrow Connector 141">
+            <a:extLst>
+              <a:ext uri="{FF2B5EF4-FFF2-40B4-BE49-F238E27FC236}">
+                <a16:creationId xmlns:a16="http://schemas.microsoft.com/office/drawing/2014/main" id="{9D095CB6-90B5-DF4F-9F62-D3930E59C3F5}"/>
+              </a:ext>
+            </a:extLst>
+          </p:cNvPr>
+          <p:cNvCxnSpPr>
+            <a:endCxn id="57" idx="0"/>
+          </p:cNvCxnSpPr>
+          <p:nvPr/>
+        </p:nvCxnSpPr>
+        <p:spPr>
+          <a:xfrm flipH="1">
+            <a:off x="9336273" y="783175"/>
+            <a:ext cx="0" cy="1145775"/>
+          </a:xfrm>
+          <a:prstGeom prst="straightConnector1">
+            <a:avLst/>
+          </a:prstGeom>
+          <a:ln w="12700">
+            <a:solidFill>
+              <a:srgbClr val="545B64"/>
+            </a:solidFill>
+            <a:headEnd type="arrow" w="med" len="sm"/>
+            <a:tailEnd type="arrow" w="med" len="sm"/>
+          </a:ln>
+        </p:spPr>
+        <p:style>
+          <a:lnRef idx="1">
+            <a:schemeClr val="accent1"/>
+          </a:lnRef>
+          <a:fillRef idx="0">
+            <a:schemeClr val="accent1"/>
+          </a:fillRef>
+          <a:effectRef idx="0">
+            <a:schemeClr val="accent1"/>
+          </a:effectRef>
+          <a:fontRef idx="minor">
+            <a:schemeClr val="tx1"/>
+          </a:fontRef>
+        </p:style>
+      </p:cxnSp>
+      <p:cxnSp>
+        <p:nvCxnSpPr>
+          <p:cNvPr id="143" name="Straight Arrow Connector 142">
+            <a:extLst>
+              <a:ext uri="{FF2B5EF4-FFF2-40B4-BE49-F238E27FC236}">
+                <a16:creationId xmlns:a16="http://schemas.microsoft.com/office/drawing/2014/main" id="{9D095CB6-90B5-DF4F-9F62-D3930E59C3F5}"/>
+              </a:ext>
+            </a:extLst>
+          </p:cNvPr>
+          <p:cNvCxnSpPr>
+            <a:endCxn id="62" idx="0"/>
+          </p:cNvCxnSpPr>
+          <p:nvPr/>
+        </p:nvCxnSpPr>
+        <p:spPr>
+          <a:xfrm>
+            <a:off x="10553700" y="783175"/>
+            <a:ext cx="290" cy="1145775"/>
+          </a:xfrm>
+          <a:prstGeom prst="straightConnector1">
+            <a:avLst/>
+          </a:prstGeom>
+          <a:ln w="12700">
+            <a:solidFill>
+              <a:srgbClr val="545B64"/>
+            </a:solidFill>
+            <a:headEnd type="arrow" w="med" len="sm"/>
+            <a:tailEnd type="arrow" w="med" len="sm"/>
+          </a:ln>
+        </p:spPr>
+        <p:style>
+          <a:lnRef idx="1">
+            <a:schemeClr val="accent1"/>
+          </a:lnRef>
+          <a:fillRef idx="0">
+            <a:schemeClr val="accent1"/>
+          </a:fillRef>
+          <a:effectRef idx="0">
+            <a:schemeClr val="accent1"/>
+          </a:effectRef>
+          <a:fontRef idx="minor">
+            <a:schemeClr val="tx1"/>
+          </a:fontRef>
+        </p:style>
+      </p:cxnSp>
+      <p:pic>
+        <p:nvPicPr>
+          <p:cNvPr id="144" name="Graphic 41">
+            <a:extLst>
+              <a:ext uri="{FF2B5EF4-FFF2-40B4-BE49-F238E27FC236}">
+                <a16:creationId xmlns:a16="http://schemas.microsoft.com/office/drawing/2014/main" id="{1A56C62F-612C-5841-B7E7-B15DA92D0BDE}"/>
+              </a:ext>
+            </a:extLst>
+          </p:cNvPr>
+          <p:cNvPicPr>
+            <a:picLocks noChangeAspect="1"/>
+          </p:cNvPicPr>
+          <p:nvPr/>
+        </p:nvPicPr>
+        <p:blipFill>
+          <a:blip r:embed="rId34">
+            <a:extLst>
+              <a:ext uri="{96DAC541-7B7A-43D3-8B79-37D633B846F1}">
+                <asvg:svgBlip xmlns:asvg="http://schemas.microsoft.com/office/drawing/2016/SVG/main" xmlns="" r:embed="rId35"/>
+              </a:ext>
+            </a:extLst>
+          </a:blip>
+          <a:stretch>
+            <a:fillRect/>
+          </a:stretch>
+        </p:blipFill>
+        <p:spPr>
+          <a:xfrm flipH="1">
+            <a:off x="9741072" y="208487"/>
+            <a:ext cx="395845" cy="384642"/>
+          </a:xfrm>
+          <a:prstGeom prst="rect">
+            <a:avLst/>
+          </a:prstGeom>
+        </p:spPr>
+      </p:pic>
+      <p:sp>
+        <p:nvSpPr>
+          <p:cNvPr id="145" name="Freeform 144"/>
+          <p:cNvSpPr/>
+          <p:nvPr/>
+        </p:nvSpPr>
+        <p:spPr>
+          <a:xfrm>
+            <a:off x="9146356" y="629541"/>
+            <a:ext cx="1578777" cy="153634"/>
+          </a:xfrm>
+          <a:custGeom>
+            <a:avLst/>
+            <a:gdLst>
+              <a:gd name="connsiteX0" fmla="*/ 0 w 1562100"/>
+              <a:gd name="connsiteY0" fmla="*/ 0 h 205740"/>
+              <a:gd name="connsiteX1" fmla="*/ 0 w 1562100"/>
+              <a:gd name="connsiteY1" fmla="*/ 205740 h 205740"/>
+              <a:gd name="connsiteX2" fmla="*/ 1562100 w 1562100"/>
+              <a:gd name="connsiteY2" fmla="*/ 205740 h 205740"/>
+              <a:gd name="connsiteX3" fmla="*/ 1562100 w 1562100"/>
+              <a:gd name="connsiteY3" fmla="*/ 30480 h 205740"/>
+            </a:gdLst>
+            <a:ahLst/>
+            <a:cxnLst>
+              <a:cxn ang="0">
+                <a:pos x="connsiteX0" y="connsiteY0"/>
+              </a:cxn>
+              <a:cxn ang="0">
+                <a:pos x="connsiteX1" y="connsiteY1"/>
+              </a:cxn>
+              <a:cxn ang="0">
+                <a:pos x="connsiteX2" y="connsiteY2"/>
+              </a:cxn>
+              <a:cxn ang="0">
+                <a:pos x="connsiteX3" y="connsiteY3"/>
+              </a:cxn>
+            </a:cxnLst>
+            <a:rect l="l" t="t" r="r" b="b"/>
+            <a:pathLst>
+              <a:path w="1562100" h="205740">
+                <a:moveTo>
+                  <a:pt x="0" y="0"/>
+                </a:moveTo>
+                <a:lnTo>
+                  <a:pt x="0" y="205740"/>
+                </a:lnTo>
+                <a:lnTo>
+                  <a:pt x="1562100" y="205740"/>
+                </a:lnTo>
+                <a:lnTo>
+                  <a:pt x="1562100" y="30480"/>
+                </a:lnTo>
+              </a:path>
+            </a:pathLst>
+          </a:custGeom>
+          <a:ln w="12700">
+            <a:solidFill>
+              <a:srgbClr val="545B64"/>
+            </a:solidFill>
+            <a:headEnd type="none" w="med" len="sm"/>
+            <a:tailEnd type="none" w="med" len="sm"/>
+          </a:ln>
+        </p:spPr>
+        <p:style>
+          <a:lnRef idx="1">
+            <a:schemeClr val="accent1"/>
+          </a:lnRef>
+          <a:fillRef idx="0">
+            <a:schemeClr val="accent1"/>
+          </a:fillRef>
+          <a:effectRef idx="0">
+            <a:schemeClr val="accent1"/>
+          </a:effectRef>
+          <a:fontRef idx="minor">
+            <a:schemeClr val="tx1"/>
+          </a:fontRef>
+        </p:style>
+        <p:txBody>
+          <a:bodyPr rtlCol="0" anchor="ctr"/>
+          <a:lstStyle/>
+          <a:p>
+            <a:pPr algn="ctr"/>
+            <a:endParaRPr lang="en-US"/>
+          </a:p>
+        </p:txBody>
+      </p:sp>
+      <p:pic>
+        <p:nvPicPr>
+          <p:cNvPr id="146" name="Graphic 25">
+            <a:extLst>
+              <a:ext uri="{FF2B5EF4-FFF2-40B4-BE49-F238E27FC236}">
+                <a16:creationId xmlns:a16="http://schemas.microsoft.com/office/drawing/2014/main" id="{C3E9DE62-900E-904C-9642-0A5F63D57B4C}"/>
+              </a:ext>
+            </a:extLst>
+          </p:cNvPr>
+          <p:cNvPicPr>
+            <a:picLocks noChangeAspect="1"/>
+          </p:cNvPicPr>
+          <p:nvPr/>
+        </p:nvPicPr>
+        <p:blipFill>
+          <a:blip r:embed="rId42">
+            <a:extLst>
+              <a:ext uri="{96DAC541-7B7A-43D3-8B79-37D633B846F1}">
+                <asvg:svgBlip xmlns:asvg="http://schemas.microsoft.com/office/drawing/2016/SVG/main" xmlns="" r:embed="rId19"/>
+              </a:ext>
+            </a:extLst>
+          </a:blip>
+          <a:stretch>
+            <a:fillRect/>
+          </a:stretch>
+        </p:blipFill>
+        <p:spPr>
+          <a:xfrm>
+            <a:off x="5603532" y="70930"/>
+            <a:ext cx="376602" cy="376602"/>
+          </a:xfrm>
+          <a:prstGeom prst="rect">
+            <a:avLst/>
+          </a:prstGeom>
+        </p:spPr>
+      </p:pic>
+      <p:sp>
+        <p:nvSpPr>
+          <p:cNvPr id="147" name="TextBox 146">
+            <a:extLst>
+              <a:ext uri="{FF2B5EF4-FFF2-40B4-BE49-F238E27FC236}">
+                <a16:creationId xmlns:a16="http://schemas.microsoft.com/office/drawing/2014/main" id="{C5636447-DBCE-7C45-AD26-6BB1D3390243}"/>
+              </a:ext>
+            </a:extLst>
+          </p:cNvPr>
+          <p:cNvSpPr txBox="1"/>
+          <p:nvPr/>
+        </p:nvSpPr>
+        <p:spPr>
+          <a:xfrm>
+            <a:off x="5245718" y="385043"/>
+            <a:ext cx="1072750" cy="400110"/>
+          </a:xfrm>
+          <a:prstGeom prst="rect">
+            <a:avLst/>
+          </a:prstGeom>
+          <a:noFill/>
+        </p:spPr>
+        <p:txBody>
+          <a:bodyPr wrap="square" rtlCol="0">
+            <a:spAutoFit/>
+          </a:bodyPr>
+          <a:lstStyle/>
+          <a:p>
+            <a:pPr algn="ctr"/>
+            <a:r>
+              <a:rPr lang="en-US" sz="1000" dirty="0" smtClean="0">
+                <a:solidFill>
+                  <a:srgbClr val="232F3E"/>
+                </a:solidFill>
+              </a:rPr>
+              <a:t>Company</a:t>
+            </a:r>
+          </a:p>
+          <a:p>
+            <a:pPr algn="ctr"/>
+            <a:r>
+              <a:rPr lang="en-US" sz="1000" dirty="0" smtClean="0">
+                <a:solidFill>
+                  <a:srgbClr val="232F3E"/>
+                </a:solidFill>
+              </a:rPr>
+              <a:t>offices</a:t>
+            </a:r>
+            <a:endParaRPr lang="en-US" sz="1000" dirty="0">
+              <a:solidFill>
+                <a:srgbClr val="232F3E"/>
+              </a:solidFill>
+            </a:endParaRPr>
+          </a:p>
+        </p:txBody>
+      </p:sp>
+      <p:pic>
+        <p:nvPicPr>
+          <p:cNvPr id="148" name="Graphic 41">
+            <a:extLst>
+              <a:ext uri="{FF2B5EF4-FFF2-40B4-BE49-F238E27FC236}">
+                <a16:creationId xmlns:a16="http://schemas.microsoft.com/office/drawing/2014/main" id="{1A56C62F-612C-5841-B7E7-B15DA92D0BDE}"/>
+              </a:ext>
+            </a:extLst>
+          </p:cNvPr>
+          <p:cNvPicPr>
+            <a:picLocks noChangeAspect="1"/>
+          </p:cNvPicPr>
+          <p:nvPr/>
+        </p:nvPicPr>
+        <p:blipFill>
+          <a:blip r:embed="rId34">
+            <a:extLst>
+              <a:ext uri="{96DAC541-7B7A-43D3-8B79-37D633B846F1}">
+                <asvg:svgBlip xmlns:asvg="http://schemas.microsoft.com/office/drawing/2016/SVG/main" xmlns="" r:embed="rId35"/>
+              </a:ext>
+            </a:extLst>
+          </a:blip>
+          <a:stretch>
+            <a:fillRect/>
+          </a:stretch>
+        </p:blipFill>
+        <p:spPr>
+          <a:xfrm flipH="1">
+            <a:off x="6259290" y="215290"/>
+            <a:ext cx="395845" cy="384642"/>
+          </a:xfrm>
+          <a:prstGeom prst="rect">
+            <a:avLst/>
+          </a:prstGeom>
+        </p:spPr>
+      </p:pic>
+      <p:sp>
+        <p:nvSpPr>
+          <p:cNvPr id="149" name="TextBox 148">
+            <a:extLst>
+              <a:ext uri="{FF2B5EF4-FFF2-40B4-BE49-F238E27FC236}">
+                <a16:creationId xmlns:a16="http://schemas.microsoft.com/office/drawing/2014/main" id="{4EDB2C05-2F10-9C42-9C35-AE4BB249A665}"/>
+              </a:ext>
+            </a:extLst>
+          </p:cNvPr>
+          <p:cNvSpPr txBox="1"/>
+          <p:nvPr/>
+        </p:nvSpPr>
+        <p:spPr>
+          <a:xfrm>
+            <a:off x="5819514" y="537443"/>
+            <a:ext cx="1262428" cy="246221"/>
+          </a:xfrm>
+          <a:prstGeom prst="rect">
+            <a:avLst/>
+          </a:prstGeom>
+          <a:noFill/>
+        </p:spPr>
+        <p:txBody>
+          <a:bodyPr wrap="square" rtlCol="0">
+            <a:spAutoFit/>
+          </a:bodyPr>
+          <a:lstStyle/>
+          <a:p>
+            <a:pPr algn="ctr"/>
+            <a:r>
+              <a:rPr lang="en-US" sz="1000" dirty="0" smtClean="0">
+                <a:solidFill>
+                  <a:srgbClr val="232F3E"/>
+                </a:solidFill>
+              </a:rPr>
+              <a:t>Employees</a:t>
+            </a:r>
+            <a:endParaRPr lang="en-US" sz="1000" dirty="0" smtClean="0">
+              <a:solidFill>
+                <a:srgbClr val="232F3E"/>
+              </a:solidFill>
+            </a:endParaRPr>
+          </a:p>
+        </p:txBody>
+      </p:sp>
     </p:spTree>
     <p:extLst>
       <p:ext uri="{BB962C8B-B14F-4D97-AF65-F5344CB8AC3E}">
-        <p14:creationId xmlns:p14="http://schemas.microsoft.com/office/powerpoint/2010/main" val="206069079"/>
+        <p14:creationId xmlns:p14="http://schemas.microsoft.com/office/powerpoint/2010/main" val="4211251008"/>
       </p:ext>
     </p:extLst>
   </p:cSld>
@@ -11103,7 +12139,7 @@
           <a:blip r:embed="rId2">
             <a:extLst>
               <a:ext uri="{96DAC541-7B7A-43D3-8B79-37D633B846F1}">
-                <asvg:svgBlip xmlns="" xmlns:asvg="http://schemas.microsoft.com/office/drawing/2016/SVG/main" r:embed="rId23"/>
+                <asvg:svgBlip xmlns:asvg="http://schemas.microsoft.com/office/drawing/2016/SVG/main" xmlns="" r:embed="rId23"/>
               </a:ext>
             </a:extLst>
           </a:blip>
@@ -11200,7 +12236,7 @@
           <a:blip r:embed="rId2">
             <a:extLst>
               <a:ext uri="{96DAC541-7B7A-43D3-8B79-37D633B846F1}">
-                <asvg:svgBlip xmlns="" xmlns:asvg="http://schemas.microsoft.com/office/drawing/2016/SVG/main" r:embed="rId23"/>
+                <asvg:svgBlip xmlns:asvg="http://schemas.microsoft.com/office/drawing/2016/SVG/main" xmlns="" r:embed="rId23"/>
               </a:ext>
             </a:extLst>
           </a:blip>
@@ -11297,7 +12333,7 @@
           <a:blip r:embed="rId2">
             <a:extLst>
               <a:ext uri="{96DAC541-7B7A-43D3-8B79-37D633B846F1}">
-                <asvg:svgBlip xmlns="" xmlns:asvg="http://schemas.microsoft.com/office/drawing/2016/SVG/main" r:embed="rId23"/>
+                <asvg:svgBlip xmlns:asvg="http://schemas.microsoft.com/office/drawing/2016/SVG/main" xmlns="" r:embed="rId23"/>
               </a:ext>
             </a:extLst>
           </a:blip>
@@ -11374,7 +12410,7 @@
           <a:blip r:embed="rId24">
             <a:extLst>
               <a:ext uri="{96DAC541-7B7A-43D3-8B79-37D633B846F1}">
-                <asvg:svgBlip xmlns="" xmlns:asvg="http://schemas.microsoft.com/office/drawing/2016/SVG/main" r:embed="rId8"/>
+                <asvg:svgBlip xmlns:asvg="http://schemas.microsoft.com/office/drawing/2016/SVG/main" xmlns="" r:embed="rId8"/>
               </a:ext>
             </a:extLst>
           </a:blip>
@@ -11544,7 +12580,7 @@
             <a:blip r:embed="rId25">
               <a:extLst>
                 <a:ext uri="{96DAC541-7B7A-43D3-8B79-37D633B846F1}">
-                  <asvg:svgBlip xmlns="" xmlns:asvg="http://schemas.microsoft.com/office/drawing/2016/SVG/main" r:embed="rId31"/>
+                  <asvg:svgBlip xmlns:asvg="http://schemas.microsoft.com/office/drawing/2016/SVG/main" xmlns="" r:embed="rId31"/>
                 </a:ext>
               </a:extLst>
             </a:blip>
